--- a/Apresentacao_A3Data_Livros.pptx
+++ b/Apresentacao_A3Data_Livros.pptx
@@ -4,34 +4,45 @@
   <p:sldMasterIdLst>
     <p:sldMasterId id="2147483648" r:id="rId1"/>
   </p:sldMasterIdLst>
+  <p:notesMasterIdLst>
+    <p:notesMasterId r:id="rId37"/>
+  </p:notesMasterIdLst>
   <p:sldIdLst>
     <p:sldId id="256" r:id="rId2"/>
     <p:sldId id="257" r:id="rId3"/>
     <p:sldId id="258" r:id="rId4"/>
     <p:sldId id="267" r:id="rId5"/>
-    <p:sldId id="268" r:id="rId6"/>
-    <p:sldId id="271" r:id="rId7"/>
-    <p:sldId id="270" r:id="rId8"/>
-    <p:sldId id="272" r:id="rId9"/>
-    <p:sldId id="273" r:id="rId10"/>
-    <p:sldId id="269" r:id="rId11"/>
-    <p:sldId id="277" r:id="rId12"/>
-    <p:sldId id="259" r:id="rId13"/>
-    <p:sldId id="260" r:id="rId14"/>
-    <p:sldId id="286" r:id="rId15"/>
-    <p:sldId id="261" r:id="rId16"/>
-    <p:sldId id="278" r:id="rId17"/>
-    <p:sldId id="279" r:id="rId18"/>
-    <p:sldId id="280" r:id="rId19"/>
-    <p:sldId id="282" r:id="rId20"/>
-    <p:sldId id="281" r:id="rId21"/>
-    <p:sldId id="283" r:id="rId22"/>
-    <p:sldId id="284" r:id="rId23"/>
-    <p:sldId id="262" r:id="rId24"/>
-    <p:sldId id="263" r:id="rId25"/>
-    <p:sldId id="264" r:id="rId26"/>
-    <p:sldId id="265" r:id="rId27"/>
-    <p:sldId id="266" r:id="rId28"/>
+    <p:sldId id="289" r:id="rId6"/>
+    <p:sldId id="287" r:id="rId7"/>
+    <p:sldId id="268" r:id="rId8"/>
+    <p:sldId id="288" r:id="rId9"/>
+    <p:sldId id="271" r:id="rId10"/>
+    <p:sldId id="270" r:id="rId11"/>
+    <p:sldId id="272" r:id="rId12"/>
+    <p:sldId id="290" r:id="rId13"/>
+    <p:sldId id="273" r:id="rId14"/>
+    <p:sldId id="291" r:id="rId15"/>
+    <p:sldId id="298" r:id="rId16"/>
+    <p:sldId id="299" r:id="rId17"/>
+    <p:sldId id="292" r:id="rId18"/>
+    <p:sldId id="293" r:id="rId19"/>
+    <p:sldId id="259" r:id="rId20"/>
+    <p:sldId id="286" r:id="rId21"/>
+    <p:sldId id="297" r:id="rId22"/>
+    <p:sldId id="269" r:id="rId23"/>
+    <p:sldId id="277" r:id="rId24"/>
+    <p:sldId id="261" r:id="rId25"/>
+    <p:sldId id="278" r:id="rId26"/>
+    <p:sldId id="279" r:id="rId27"/>
+    <p:sldId id="280" r:id="rId28"/>
+    <p:sldId id="282" r:id="rId29"/>
+    <p:sldId id="281" r:id="rId30"/>
+    <p:sldId id="284" r:id="rId31"/>
+    <p:sldId id="262" r:id="rId32"/>
+    <p:sldId id="263" r:id="rId33"/>
+    <p:sldId id="264" r:id="rId34"/>
+    <p:sldId id="265" r:id="rId35"/>
+    <p:sldId id="266" r:id="rId36"/>
   </p:sldIdLst>
   <p:sldSz cx="9144000" cy="6858000" type="screen4x3"/>
   <p:notesSz cx="6858000" cy="9144000"/>
@@ -133,6 +144,608 @@
 </p:presentation>
 </file>
 
+<file path=ppt/notesMasters/notesMaster1.xml><?xml version="1.0" encoding="utf-8"?>
+<p:notesMaster xmlns:a="http://schemas.openxmlformats.org/drawingml/2006/main" xmlns:r="http://schemas.openxmlformats.org/officeDocument/2006/relationships" xmlns:p="http://schemas.openxmlformats.org/presentationml/2006/main">
+  <p:cSld>
+    <p:bg>
+      <p:bgRef idx="1001">
+        <a:schemeClr val="bg1"/>
+      </p:bgRef>
+    </p:bg>
+    <p:spTree>
+      <p:nvGrpSpPr>
+        <p:cNvPr id="1" name=""/>
+        <p:cNvGrpSpPr/>
+        <p:nvPr/>
+      </p:nvGrpSpPr>
+      <p:grpSpPr>
+        <a:xfrm>
+          <a:off x="0" y="0"/>
+          <a:ext cx="0" cy="0"/>
+          <a:chOff x="0" y="0"/>
+          <a:chExt cx="0" cy="0"/>
+        </a:xfrm>
+      </p:grpSpPr>
+      <p:sp>
+        <p:nvSpPr>
+          <p:cNvPr id="2" name="Espaço Reservado para Cabeçalho 1"/>
+          <p:cNvSpPr>
+            <a:spLocks noGrp="1"/>
+          </p:cNvSpPr>
+          <p:nvPr>
+            <p:ph type="hdr" sz="quarter"/>
+          </p:nvPr>
+        </p:nvSpPr>
+        <p:spPr>
+          <a:xfrm>
+            <a:off x="0" y="0"/>
+            <a:ext cx="2971800" cy="457200"/>
+          </a:xfrm>
+          <a:prstGeom prst="rect">
+            <a:avLst/>
+          </a:prstGeom>
+        </p:spPr>
+        <p:txBody>
+          <a:bodyPr vert="horz" lIns="91440" tIns="45720" rIns="91440" bIns="45720" rtlCol="0"/>
+          <a:lstStyle>
+            <a:lvl1pPr algn="l">
+              <a:defRPr sz="1200"/>
+            </a:lvl1pPr>
+          </a:lstStyle>
+          <a:p>
+            <a:endParaRPr lang="pt-BR"/>
+          </a:p>
+        </p:txBody>
+      </p:sp>
+      <p:sp>
+        <p:nvSpPr>
+          <p:cNvPr id="3" name="Espaço Reservado para Data 2"/>
+          <p:cNvSpPr>
+            <a:spLocks noGrp="1"/>
+          </p:cNvSpPr>
+          <p:nvPr>
+            <p:ph type="dt" idx="1"/>
+          </p:nvPr>
+        </p:nvSpPr>
+        <p:spPr>
+          <a:xfrm>
+            <a:off x="3884613" y="0"/>
+            <a:ext cx="2971800" cy="457200"/>
+          </a:xfrm>
+          <a:prstGeom prst="rect">
+            <a:avLst/>
+          </a:prstGeom>
+        </p:spPr>
+        <p:txBody>
+          <a:bodyPr vert="horz" lIns="91440" tIns="45720" rIns="91440" bIns="45720" rtlCol="0"/>
+          <a:lstStyle>
+            <a:lvl1pPr algn="r">
+              <a:defRPr sz="1200"/>
+            </a:lvl1pPr>
+          </a:lstStyle>
+          <a:p>
+            <a:fld id="{FD13688A-0005-4B8D-8581-FF60F27E4D5E}" type="datetimeFigureOut">
+              <a:rPr lang="pt-BR" smtClean="0"/>
+              <a:t>17/07/2025</a:t>
+            </a:fld>
+            <a:endParaRPr lang="pt-BR"/>
+          </a:p>
+        </p:txBody>
+      </p:sp>
+      <p:sp>
+        <p:nvSpPr>
+          <p:cNvPr id="4" name="Espaço Reservado para Imagem de Slide 3"/>
+          <p:cNvSpPr>
+            <a:spLocks noGrp="1" noRot="1" noChangeAspect="1"/>
+          </p:cNvSpPr>
+          <p:nvPr>
+            <p:ph type="sldImg" idx="2"/>
+          </p:nvPr>
+        </p:nvSpPr>
+        <p:spPr>
+          <a:xfrm>
+            <a:off x="1143000" y="685800"/>
+            <a:ext cx="4572000" cy="3429000"/>
+          </a:xfrm>
+          <a:prstGeom prst="rect">
+            <a:avLst/>
+          </a:prstGeom>
+          <a:noFill/>
+          <a:ln w="12700">
+            <a:solidFill>
+              <a:prstClr val="black"/>
+            </a:solidFill>
+          </a:ln>
+        </p:spPr>
+        <p:txBody>
+          <a:bodyPr vert="horz" lIns="91440" tIns="45720" rIns="91440" bIns="45720" rtlCol="0" anchor="ctr"/>
+          <a:lstStyle/>
+          <a:p>
+            <a:endParaRPr lang="pt-BR"/>
+          </a:p>
+        </p:txBody>
+      </p:sp>
+      <p:sp>
+        <p:nvSpPr>
+          <p:cNvPr id="5" name="Espaço Reservado para Anotações 4"/>
+          <p:cNvSpPr>
+            <a:spLocks noGrp="1"/>
+          </p:cNvSpPr>
+          <p:nvPr>
+            <p:ph type="body" sz="quarter" idx="3"/>
+          </p:nvPr>
+        </p:nvSpPr>
+        <p:spPr>
+          <a:xfrm>
+            <a:off x="685800" y="4343400"/>
+            <a:ext cx="5486400" cy="4114800"/>
+          </a:xfrm>
+          <a:prstGeom prst="rect">
+            <a:avLst/>
+          </a:prstGeom>
+        </p:spPr>
+        <p:txBody>
+          <a:bodyPr vert="horz" lIns="91440" tIns="45720" rIns="91440" bIns="45720" rtlCol="0"/>
+          <a:lstStyle/>
+          <a:p>
+            <a:pPr lvl="0"/>
+            <a:r>
+              <a:rPr lang="pt-BR" smtClean="0"/>
+              <a:t>Clique para editar o texto mestre</a:t>
+            </a:r>
+          </a:p>
+          <a:p>
+            <a:pPr lvl="1"/>
+            <a:r>
+              <a:rPr lang="pt-BR" smtClean="0"/>
+              <a:t>Segundo nível</a:t>
+            </a:r>
+          </a:p>
+          <a:p>
+            <a:pPr lvl="2"/>
+            <a:r>
+              <a:rPr lang="pt-BR" smtClean="0"/>
+              <a:t>Terceiro nível</a:t>
+            </a:r>
+          </a:p>
+          <a:p>
+            <a:pPr lvl="3"/>
+            <a:r>
+              <a:rPr lang="pt-BR" smtClean="0"/>
+              <a:t>Quarto nível</a:t>
+            </a:r>
+          </a:p>
+          <a:p>
+            <a:pPr lvl="4"/>
+            <a:r>
+              <a:rPr lang="pt-BR" smtClean="0"/>
+              <a:t>Quinto nível</a:t>
+            </a:r>
+            <a:endParaRPr lang="pt-BR"/>
+          </a:p>
+        </p:txBody>
+      </p:sp>
+      <p:sp>
+        <p:nvSpPr>
+          <p:cNvPr id="6" name="Espaço Reservado para Rodapé 5"/>
+          <p:cNvSpPr>
+            <a:spLocks noGrp="1"/>
+          </p:cNvSpPr>
+          <p:nvPr>
+            <p:ph type="ftr" sz="quarter" idx="4"/>
+          </p:nvPr>
+        </p:nvSpPr>
+        <p:spPr>
+          <a:xfrm>
+            <a:off x="0" y="8685213"/>
+            <a:ext cx="2971800" cy="457200"/>
+          </a:xfrm>
+          <a:prstGeom prst="rect">
+            <a:avLst/>
+          </a:prstGeom>
+        </p:spPr>
+        <p:txBody>
+          <a:bodyPr vert="horz" lIns="91440" tIns="45720" rIns="91440" bIns="45720" rtlCol="0" anchor="b"/>
+          <a:lstStyle>
+            <a:lvl1pPr algn="l">
+              <a:defRPr sz="1200"/>
+            </a:lvl1pPr>
+          </a:lstStyle>
+          <a:p>
+            <a:endParaRPr lang="pt-BR"/>
+          </a:p>
+        </p:txBody>
+      </p:sp>
+      <p:sp>
+        <p:nvSpPr>
+          <p:cNvPr id="7" name="Espaço Reservado para Número de Slide 6"/>
+          <p:cNvSpPr>
+            <a:spLocks noGrp="1"/>
+          </p:cNvSpPr>
+          <p:nvPr>
+            <p:ph type="sldNum" sz="quarter" idx="5"/>
+          </p:nvPr>
+        </p:nvSpPr>
+        <p:spPr>
+          <a:xfrm>
+            <a:off x="3884613" y="8685213"/>
+            <a:ext cx="2971800" cy="457200"/>
+          </a:xfrm>
+          <a:prstGeom prst="rect">
+            <a:avLst/>
+          </a:prstGeom>
+        </p:spPr>
+        <p:txBody>
+          <a:bodyPr vert="horz" lIns="91440" tIns="45720" rIns="91440" bIns="45720" rtlCol="0" anchor="b"/>
+          <a:lstStyle>
+            <a:lvl1pPr algn="r">
+              <a:defRPr sz="1200"/>
+            </a:lvl1pPr>
+          </a:lstStyle>
+          <a:p>
+            <a:fld id="{A95CBEB6-1CB4-4FD6-AD64-ECFF915446BD}" type="slidenum">
+              <a:rPr lang="pt-BR" smtClean="0"/>
+              <a:t>‹nº›</a:t>
+            </a:fld>
+            <a:endParaRPr lang="pt-BR"/>
+          </a:p>
+        </p:txBody>
+      </p:sp>
+    </p:spTree>
+    <p:extLst>
+      <p:ext uri="{BB962C8B-B14F-4D97-AF65-F5344CB8AC3E}">
+        <p14:creationId xmlns:p14="http://schemas.microsoft.com/office/powerpoint/2010/main" val="2142350020"/>
+      </p:ext>
+    </p:extLst>
+  </p:cSld>
+  <p:clrMap bg1="lt1" tx1="dk1" bg2="lt2" tx2="dk2" accent1="accent1" accent2="accent2" accent3="accent3" accent4="accent4" accent5="accent5" accent6="accent6" hlink="hlink" folHlink="folHlink"/>
+  <p:notesStyle>
+    <a:lvl1pPr marL="0" algn="l" defTabSz="914400" rtl="0" eaLnBrk="1" latinLnBrk="0" hangingPunct="1">
+      <a:defRPr sz="1200" kern="1200">
+        <a:solidFill>
+          <a:schemeClr val="tx1"/>
+        </a:solidFill>
+        <a:latin typeface="+mn-lt"/>
+        <a:ea typeface="+mn-ea"/>
+        <a:cs typeface="+mn-cs"/>
+      </a:defRPr>
+    </a:lvl1pPr>
+    <a:lvl2pPr marL="457200" algn="l" defTabSz="914400" rtl="0" eaLnBrk="1" latinLnBrk="0" hangingPunct="1">
+      <a:defRPr sz="1200" kern="1200">
+        <a:solidFill>
+          <a:schemeClr val="tx1"/>
+        </a:solidFill>
+        <a:latin typeface="+mn-lt"/>
+        <a:ea typeface="+mn-ea"/>
+        <a:cs typeface="+mn-cs"/>
+      </a:defRPr>
+    </a:lvl2pPr>
+    <a:lvl3pPr marL="914400" algn="l" defTabSz="914400" rtl="0" eaLnBrk="1" latinLnBrk="0" hangingPunct="1">
+      <a:defRPr sz="1200" kern="1200">
+        <a:solidFill>
+          <a:schemeClr val="tx1"/>
+        </a:solidFill>
+        <a:latin typeface="+mn-lt"/>
+        <a:ea typeface="+mn-ea"/>
+        <a:cs typeface="+mn-cs"/>
+      </a:defRPr>
+    </a:lvl3pPr>
+    <a:lvl4pPr marL="1371600" algn="l" defTabSz="914400" rtl="0" eaLnBrk="1" latinLnBrk="0" hangingPunct="1">
+      <a:defRPr sz="1200" kern="1200">
+        <a:solidFill>
+          <a:schemeClr val="tx1"/>
+        </a:solidFill>
+        <a:latin typeface="+mn-lt"/>
+        <a:ea typeface="+mn-ea"/>
+        <a:cs typeface="+mn-cs"/>
+      </a:defRPr>
+    </a:lvl4pPr>
+    <a:lvl5pPr marL="1828800" algn="l" defTabSz="914400" rtl="0" eaLnBrk="1" latinLnBrk="0" hangingPunct="1">
+      <a:defRPr sz="1200" kern="1200">
+        <a:solidFill>
+          <a:schemeClr val="tx1"/>
+        </a:solidFill>
+        <a:latin typeface="+mn-lt"/>
+        <a:ea typeface="+mn-ea"/>
+        <a:cs typeface="+mn-cs"/>
+      </a:defRPr>
+    </a:lvl5pPr>
+    <a:lvl6pPr marL="2286000" algn="l" defTabSz="914400" rtl="0" eaLnBrk="1" latinLnBrk="0" hangingPunct="1">
+      <a:defRPr sz="1200" kern="1200">
+        <a:solidFill>
+          <a:schemeClr val="tx1"/>
+        </a:solidFill>
+        <a:latin typeface="+mn-lt"/>
+        <a:ea typeface="+mn-ea"/>
+        <a:cs typeface="+mn-cs"/>
+      </a:defRPr>
+    </a:lvl6pPr>
+    <a:lvl7pPr marL="2743200" algn="l" defTabSz="914400" rtl="0" eaLnBrk="1" latinLnBrk="0" hangingPunct="1">
+      <a:defRPr sz="1200" kern="1200">
+        <a:solidFill>
+          <a:schemeClr val="tx1"/>
+        </a:solidFill>
+        <a:latin typeface="+mn-lt"/>
+        <a:ea typeface="+mn-ea"/>
+        <a:cs typeface="+mn-cs"/>
+      </a:defRPr>
+    </a:lvl7pPr>
+    <a:lvl8pPr marL="3200400" algn="l" defTabSz="914400" rtl="0" eaLnBrk="1" latinLnBrk="0" hangingPunct="1">
+      <a:defRPr sz="1200" kern="1200">
+        <a:solidFill>
+          <a:schemeClr val="tx1"/>
+        </a:solidFill>
+        <a:latin typeface="+mn-lt"/>
+        <a:ea typeface="+mn-ea"/>
+        <a:cs typeface="+mn-cs"/>
+      </a:defRPr>
+    </a:lvl8pPr>
+    <a:lvl9pPr marL="3657600" algn="l" defTabSz="914400" rtl="0" eaLnBrk="1" latinLnBrk="0" hangingPunct="1">
+      <a:defRPr sz="1200" kern="1200">
+        <a:solidFill>
+          <a:schemeClr val="tx1"/>
+        </a:solidFill>
+        <a:latin typeface="+mn-lt"/>
+        <a:ea typeface="+mn-ea"/>
+        <a:cs typeface="+mn-cs"/>
+      </a:defRPr>
+    </a:lvl9pPr>
+  </p:notesStyle>
+</p:notesMaster>
+</file>
+
+<file path=ppt/notesSlides/notesSlide1.xml><?xml version="1.0" encoding="utf-8"?>
+<p:notes xmlns:a="http://schemas.openxmlformats.org/drawingml/2006/main" xmlns:r="http://schemas.openxmlformats.org/officeDocument/2006/relationships" xmlns:p="http://schemas.openxmlformats.org/presentationml/2006/main">
+  <p:cSld>
+    <p:spTree>
+      <p:nvGrpSpPr>
+        <p:cNvPr id="1" name=""/>
+        <p:cNvGrpSpPr/>
+        <p:nvPr/>
+      </p:nvGrpSpPr>
+      <p:grpSpPr>
+        <a:xfrm>
+          <a:off x="0" y="0"/>
+          <a:ext cx="0" cy="0"/>
+          <a:chOff x="0" y="0"/>
+          <a:chExt cx="0" cy="0"/>
+        </a:xfrm>
+      </p:grpSpPr>
+      <p:sp>
+        <p:nvSpPr>
+          <p:cNvPr id="2" name="Espaço Reservado para Imagem de Slide 1"/>
+          <p:cNvSpPr>
+            <a:spLocks noGrp="1" noRot="1" noChangeAspect="1"/>
+          </p:cNvSpPr>
+          <p:nvPr>
+            <p:ph type="sldImg"/>
+          </p:nvPr>
+        </p:nvSpPr>
+        <p:spPr/>
+      </p:sp>
+      <p:sp>
+        <p:nvSpPr>
+          <p:cNvPr id="3" name="Espaço Reservado para Anotações 2"/>
+          <p:cNvSpPr>
+            <a:spLocks noGrp="1"/>
+          </p:cNvSpPr>
+          <p:nvPr>
+            <p:ph type="body" idx="1"/>
+          </p:nvPr>
+        </p:nvSpPr>
+        <p:spPr/>
+        <p:txBody>
+          <a:bodyPr/>
+          <a:lstStyle/>
+          <a:p>
+            <a:endParaRPr lang="pt-BR" dirty="0"/>
+          </a:p>
+        </p:txBody>
+      </p:sp>
+      <p:sp>
+        <p:nvSpPr>
+          <p:cNvPr id="4" name="Espaço Reservado para Número de Slide 3"/>
+          <p:cNvSpPr>
+            <a:spLocks noGrp="1"/>
+          </p:cNvSpPr>
+          <p:nvPr>
+            <p:ph type="sldNum" sz="quarter" idx="10"/>
+          </p:nvPr>
+        </p:nvSpPr>
+        <p:spPr/>
+        <p:txBody>
+          <a:bodyPr/>
+          <a:lstStyle/>
+          <a:p>
+            <a:fld id="{A95CBEB6-1CB4-4FD6-AD64-ECFF915446BD}" type="slidenum">
+              <a:rPr lang="pt-BR" smtClean="0"/>
+              <a:t>4</a:t>
+            </a:fld>
+            <a:endParaRPr lang="pt-BR"/>
+          </a:p>
+        </p:txBody>
+      </p:sp>
+    </p:spTree>
+    <p:extLst>
+      <p:ext uri="{BB962C8B-B14F-4D97-AF65-F5344CB8AC3E}">
+        <p14:creationId xmlns:p14="http://schemas.microsoft.com/office/powerpoint/2010/main" val="1226354438"/>
+      </p:ext>
+    </p:extLst>
+  </p:cSld>
+  <p:clrMapOvr>
+    <a:masterClrMapping/>
+  </p:clrMapOvr>
+</p:notes>
+</file>
+
+<file path=ppt/notesSlides/notesSlide2.xml><?xml version="1.0" encoding="utf-8"?>
+<p:notes xmlns:a="http://schemas.openxmlformats.org/drawingml/2006/main" xmlns:r="http://schemas.openxmlformats.org/officeDocument/2006/relationships" xmlns:p="http://schemas.openxmlformats.org/presentationml/2006/main">
+  <p:cSld>
+    <p:spTree>
+      <p:nvGrpSpPr>
+        <p:cNvPr id="1" name=""/>
+        <p:cNvGrpSpPr/>
+        <p:nvPr/>
+      </p:nvGrpSpPr>
+      <p:grpSpPr>
+        <a:xfrm>
+          <a:off x="0" y="0"/>
+          <a:ext cx="0" cy="0"/>
+          <a:chOff x="0" y="0"/>
+          <a:chExt cx="0" cy="0"/>
+        </a:xfrm>
+      </p:grpSpPr>
+      <p:sp>
+        <p:nvSpPr>
+          <p:cNvPr id="2" name="Espaço Reservado para Imagem de Slide 1"/>
+          <p:cNvSpPr>
+            <a:spLocks noGrp="1" noRot="1" noChangeAspect="1"/>
+          </p:cNvSpPr>
+          <p:nvPr>
+            <p:ph type="sldImg"/>
+          </p:nvPr>
+        </p:nvSpPr>
+        <p:spPr/>
+      </p:sp>
+      <p:sp>
+        <p:nvSpPr>
+          <p:cNvPr id="3" name="Espaço Reservado para Anotações 2"/>
+          <p:cNvSpPr>
+            <a:spLocks noGrp="1"/>
+          </p:cNvSpPr>
+          <p:nvPr>
+            <p:ph type="body" idx="1"/>
+          </p:nvPr>
+        </p:nvSpPr>
+        <p:spPr/>
+        <p:txBody>
+          <a:bodyPr/>
+          <a:lstStyle/>
+          <a:p>
+            <a:endParaRPr lang="pt-BR" dirty="0"/>
+          </a:p>
+        </p:txBody>
+      </p:sp>
+      <p:sp>
+        <p:nvSpPr>
+          <p:cNvPr id="4" name="Espaço Reservado para Número de Slide 3"/>
+          <p:cNvSpPr>
+            <a:spLocks noGrp="1"/>
+          </p:cNvSpPr>
+          <p:nvPr>
+            <p:ph type="sldNum" sz="quarter" idx="10"/>
+          </p:nvPr>
+        </p:nvSpPr>
+        <p:spPr/>
+        <p:txBody>
+          <a:bodyPr/>
+          <a:lstStyle/>
+          <a:p>
+            <a:fld id="{A95CBEB6-1CB4-4FD6-AD64-ECFF915446BD}" type="slidenum">
+              <a:rPr lang="pt-BR" smtClean="0"/>
+              <a:t>5</a:t>
+            </a:fld>
+            <a:endParaRPr lang="pt-BR"/>
+          </a:p>
+        </p:txBody>
+      </p:sp>
+    </p:spTree>
+    <p:extLst>
+      <p:ext uri="{BB962C8B-B14F-4D97-AF65-F5344CB8AC3E}">
+        <p14:creationId xmlns:p14="http://schemas.microsoft.com/office/powerpoint/2010/main" val="1226354438"/>
+      </p:ext>
+    </p:extLst>
+  </p:cSld>
+  <p:clrMapOvr>
+    <a:masterClrMapping/>
+  </p:clrMapOvr>
+</p:notes>
+</file>
+
+<file path=ppt/notesSlides/notesSlide3.xml><?xml version="1.0" encoding="utf-8"?>
+<p:notes xmlns:a="http://schemas.openxmlformats.org/drawingml/2006/main" xmlns:r="http://schemas.openxmlformats.org/officeDocument/2006/relationships" xmlns:p="http://schemas.openxmlformats.org/presentationml/2006/main">
+  <p:cSld>
+    <p:spTree>
+      <p:nvGrpSpPr>
+        <p:cNvPr id="1" name=""/>
+        <p:cNvGrpSpPr/>
+        <p:nvPr/>
+      </p:nvGrpSpPr>
+      <p:grpSpPr>
+        <a:xfrm>
+          <a:off x="0" y="0"/>
+          <a:ext cx="0" cy="0"/>
+          <a:chOff x="0" y="0"/>
+          <a:chExt cx="0" cy="0"/>
+        </a:xfrm>
+      </p:grpSpPr>
+      <p:sp>
+        <p:nvSpPr>
+          <p:cNvPr id="2" name="Espaço Reservado para Imagem de Slide 1"/>
+          <p:cNvSpPr>
+            <a:spLocks noGrp="1" noRot="1" noChangeAspect="1"/>
+          </p:cNvSpPr>
+          <p:nvPr>
+            <p:ph type="sldImg"/>
+          </p:nvPr>
+        </p:nvSpPr>
+        <p:spPr/>
+      </p:sp>
+      <p:sp>
+        <p:nvSpPr>
+          <p:cNvPr id="3" name="Espaço Reservado para Anotações 2"/>
+          <p:cNvSpPr>
+            <a:spLocks noGrp="1"/>
+          </p:cNvSpPr>
+          <p:nvPr>
+            <p:ph type="body" idx="1"/>
+          </p:nvPr>
+        </p:nvSpPr>
+        <p:spPr/>
+        <p:txBody>
+          <a:bodyPr/>
+          <a:lstStyle/>
+          <a:p>
+            <a:endParaRPr lang="pt-BR" dirty="0"/>
+          </a:p>
+        </p:txBody>
+      </p:sp>
+      <p:sp>
+        <p:nvSpPr>
+          <p:cNvPr id="4" name="Espaço Reservado para Número de Slide 3"/>
+          <p:cNvSpPr>
+            <a:spLocks noGrp="1"/>
+          </p:cNvSpPr>
+          <p:nvPr>
+            <p:ph type="sldNum" sz="quarter" idx="10"/>
+          </p:nvPr>
+        </p:nvSpPr>
+        <p:spPr/>
+        <p:txBody>
+          <a:bodyPr/>
+          <a:lstStyle/>
+          <a:p>
+            <a:fld id="{A95CBEB6-1CB4-4FD6-AD64-ECFF915446BD}" type="slidenum">
+              <a:rPr lang="pt-BR" smtClean="0"/>
+              <a:t>6</a:t>
+            </a:fld>
+            <a:endParaRPr lang="pt-BR"/>
+          </a:p>
+        </p:txBody>
+      </p:sp>
+    </p:spTree>
+    <p:extLst>
+      <p:ext uri="{BB962C8B-B14F-4D97-AF65-F5344CB8AC3E}">
+        <p14:creationId xmlns:p14="http://schemas.microsoft.com/office/powerpoint/2010/main" val="1226354438"/>
+      </p:ext>
+    </p:extLst>
+  </p:cSld>
+  <p:clrMapOvr>
+    <a:masterClrMapping/>
+  </p:clrMapOvr>
+</p:notes>
+</file>
+
 <file path=ppt/slideLayouts/slideLayout1.xml><?xml version="1.0" encoding="utf-8"?>
 <p:sldLayout xmlns:a="http://schemas.openxmlformats.org/drawingml/2006/main" xmlns:r="http://schemas.openxmlformats.org/officeDocument/2006/relationships" xmlns:p="http://schemas.openxmlformats.org/presentationml/2006/main" type="title" preserve="1">
   <p:cSld name="Title Slide">
@@ -314,7 +927,7 @@
           <a:p>
             <a:fld id="{5BCAD085-E8A6-8845-BD4E-CB4CCA059FC4}" type="datetimeFigureOut">
               <a:rPr lang="en-US" smtClean="0"/>
-              <a:t>7/16/2025</a:t>
+              <a:t>7/17/2025</a:t>
             </a:fld>
             <a:endParaRPr lang="en-US"/>
           </a:p>
@@ -484,7 +1097,7 @@
           <a:p>
             <a:fld id="{5BCAD085-E8A6-8845-BD4E-CB4CCA059FC4}" type="datetimeFigureOut">
               <a:rPr lang="en-US" smtClean="0"/>
-              <a:t>7/16/2025</a:t>
+              <a:t>7/17/2025</a:t>
             </a:fld>
             <a:endParaRPr lang="en-US"/>
           </a:p>
@@ -664,7 +1277,7 @@
           <a:p>
             <a:fld id="{5BCAD085-E8A6-8845-BD4E-CB4CCA059FC4}" type="datetimeFigureOut">
               <a:rPr lang="en-US" smtClean="0"/>
-              <a:t>7/16/2025</a:t>
+              <a:t>7/17/2025</a:t>
             </a:fld>
             <a:endParaRPr lang="en-US"/>
           </a:p>
@@ -834,7 +1447,7 @@
           <a:p>
             <a:fld id="{5BCAD085-E8A6-8845-BD4E-CB4CCA059FC4}" type="datetimeFigureOut">
               <a:rPr lang="en-US" smtClean="0"/>
-              <a:t>7/16/2025</a:t>
+              <a:t>7/17/2025</a:t>
             </a:fld>
             <a:endParaRPr lang="en-US"/>
           </a:p>
@@ -1080,7 +1693,7 @@
           <a:p>
             <a:fld id="{5BCAD085-E8A6-8845-BD4E-CB4CCA059FC4}" type="datetimeFigureOut">
               <a:rPr lang="en-US" smtClean="0"/>
-              <a:t>7/16/2025</a:t>
+              <a:t>7/17/2025</a:t>
             </a:fld>
             <a:endParaRPr lang="en-US"/>
           </a:p>
@@ -1368,7 +1981,7 @@
           <a:p>
             <a:fld id="{5BCAD085-E8A6-8845-BD4E-CB4CCA059FC4}" type="datetimeFigureOut">
               <a:rPr lang="en-US" smtClean="0"/>
-              <a:t>7/16/2025</a:t>
+              <a:t>7/17/2025</a:t>
             </a:fld>
             <a:endParaRPr lang="en-US"/>
           </a:p>
@@ -1790,7 +2403,7 @@
           <a:p>
             <a:fld id="{5BCAD085-E8A6-8845-BD4E-CB4CCA059FC4}" type="datetimeFigureOut">
               <a:rPr lang="en-US" smtClean="0"/>
-              <a:t>7/16/2025</a:t>
+              <a:t>7/17/2025</a:t>
             </a:fld>
             <a:endParaRPr lang="en-US"/>
           </a:p>
@@ -1908,7 +2521,7 @@
           <a:p>
             <a:fld id="{5BCAD085-E8A6-8845-BD4E-CB4CCA059FC4}" type="datetimeFigureOut">
               <a:rPr lang="en-US" smtClean="0"/>
-              <a:t>7/16/2025</a:t>
+              <a:t>7/17/2025</a:t>
             </a:fld>
             <a:endParaRPr lang="en-US"/>
           </a:p>
@@ -2003,7 +2616,7 @@
           <a:p>
             <a:fld id="{5BCAD085-E8A6-8845-BD4E-CB4CCA059FC4}" type="datetimeFigureOut">
               <a:rPr lang="en-US" smtClean="0"/>
-              <a:t>7/16/2025</a:t>
+              <a:t>7/17/2025</a:t>
             </a:fld>
             <a:endParaRPr lang="en-US"/>
           </a:p>
@@ -2280,7 +2893,7 @@
           <a:p>
             <a:fld id="{5BCAD085-E8A6-8845-BD4E-CB4CCA059FC4}" type="datetimeFigureOut">
               <a:rPr lang="en-US" smtClean="0"/>
-              <a:t>7/16/2025</a:t>
+              <a:t>7/17/2025</a:t>
             </a:fld>
             <a:endParaRPr lang="en-US"/>
           </a:p>
@@ -2533,7 +3146,7 @@
           <a:p>
             <a:fld id="{5BCAD085-E8A6-8845-BD4E-CB4CCA059FC4}" type="datetimeFigureOut">
               <a:rPr lang="en-US" smtClean="0"/>
-              <a:t>7/16/2025</a:t>
+              <a:t>7/17/2025</a:t>
             </a:fld>
             <a:endParaRPr lang="en-US"/>
           </a:p>
@@ -2746,7 +3359,7 @@
           <a:p>
             <a:fld id="{5BCAD085-E8A6-8845-BD4E-CB4CCA059FC4}" type="datetimeFigureOut">
               <a:rPr lang="en-US" smtClean="0"/>
-              <a:t>7/16/2025</a:t>
+              <a:t>7/17/2025</a:t>
             </a:fld>
             <a:endParaRPr lang="en-US"/>
           </a:p>
@@ -3224,8 +3837,18 @@
           <a:lstStyle/>
           <a:p>
             <a:r>
-              <a:t>⚙️ Pipeline de Solução</a:t>
-            </a:r>
+              <a:rPr dirty="0"/>
+              <a:t>⚙️ </a:t>
+            </a:r>
+            <a:r>
+              <a:rPr lang="pt-BR" dirty="0" err="1" smtClean="0"/>
+              <a:t>Func</a:t>
+            </a:r>
+            <a:r>
+              <a:rPr lang="pt-BR" dirty="0" smtClean="0"/>
+              <a:t> Analise Sentimentos</a:t>
+            </a:r>
+            <a:endParaRPr dirty="0"/>
           </a:p>
         </p:txBody>
       </p:sp>
@@ -3244,25 +3867,20 @@
           <a:bodyPr/>
           <a:lstStyle/>
           <a:p>
-            <a:r>
-              <a:rPr dirty="0"/>
-              <a:t>1. </a:t>
-            </a:r>
-            <a:r>
-              <a:rPr dirty="0" err="1"/>
-              <a:t>Limpeza</a:t>
-            </a:r>
-            <a:r>
-              <a:rPr dirty="0"/>
-              <a:t> e </a:t>
-            </a:r>
-            <a:r>
-              <a:rPr dirty="0" err="1"/>
-              <a:t>normalização</a:t>
-            </a:r>
-            <a:r>
-              <a:rPr dirty="0"/>
-              <a:t> dos </a:t>
+            <a:pPr marL="0" indent="0">
+              <a:buNone/>
+            </a:pPr>
+            <a:r>
+              <a:rPr lang="pt-BR" dirty="0" smtClean="0"/>
+              <a:t>Função de Analise de Sentimento</a:t>
+            </a:r>
+            <a:r>
+              <a:rPr dirty="0" smtClean="0"/>
+              <a:t> </a:t>
+            </a:r>
+            <a:r>
+              <a:rPr dirty="0"/>
+              <a:t>dos </a:t>
             </a:r>
             <a:r>
               <a:rPr dirty="0" err="1"/>
@@ -3271,15 +3889,2882 @@
             <a:endParaRPr dirty="0"/>
           </a:p>
           <a:p>
-            <a:r>
-              <a:rPr lang="pt-BR" dirty="0" smtClean="0"/>
-              <a:t>Script EDA_NLP_Livros.py </a:t>
-            </a:r>
+            <a:pPr marL="0" indent="0">
+              <a:buNone/>
+            </a:pPr>
             <a:r>
               <a:rPr lang="pt-BR" dirty="0" smtClean="0">
                 <a:sym typeface="Wingdings" pitchFamily="2" charset="2"/>
               </a:rPr>
-              <a:t> NLP </a:t>
+              <a:t>NLP </a:t>
+            </a:r>
+            <a:r>
+              <a:rPr lang="pt-BR" dirty="0" err="1" smtClean="0">
+                <a:sym typeface="Wingdings" pitchFamily="2" charset="2"/>
+              </a:rPr>
+              <a:t>TextBlob</a:t>
+            </a:r>
+            <a:endParaRPr lang="pt-BR" dirty="0"/>
+          </a:p>
+          <a:p>
+            <a:pPr marL="0" indent="0">
+              <a:buNone/>
+            </a:pPr>
+            <a:endParaRPr dirty="0" smtClean="0"/>
+          </a:p>
+          <a:p>
+            <a:pPr marL="0" indent="0">
+              <a:buNone/>
+            </a:pPr>
+            <a:endParaRPr dirty="0"/>
+          </a:p>
+        </p:txBody>
+      </p:sp>
+      <p:pic>
+        <p:nvPicPr>
+          <p:cNvPr id="4098" name="Picture 2"/>
+          <p:cNvPicPr>
+            <a:picLocks noChangeAspect="1" noChangeArrowheads="1"/>
+          </p:cNvPicPr>
+          <p:nvPr/>
+        </p:nvPicPr>
+        <p:blipFill>
+          <a:blip r:embed="rId2">
+            <a:extLst>
+              <a:ext uri="{28A0092B-C50C-407E-A947-70E740481C1C}">
+                <a14:useLocalDpi xmlns:a14="http://schemas.microsoft.com/office/drawing/2010/main" val="0"/>
+              </a:ext>
+            </a:extLst>
+          </a:blip>
+          <a:srcRect/>
+          <a:stretch>
+            <a:fillRect/>
+          </a:stretch>
+        </p:blipFill>
+        <p:spPr bwMode="auto">
+          <a:xfrm>
+            <a:off x="457200" y="2820988"/>
+            <a:ext cx="7988300" cy="3665703"/>
+          </a:xfrm>
+          <a:prstGeom prst="rect">
+            <a:avLst/>
+          </a:prstGeom>
+          <a:noFill/>
+          <a:ln>
+            <a:noFill/>
+          </a:ln>
+          <a:effectLst/>
+          <a:extLst>
+            <a:ext uri="{909E8E84-426E-40DD-AFC4-6F175D3DCCD1}">
+              <a14:hiddenFill xmlns:a14="http://schemas.microsoft.com/office/drawing/2010/main">
+                <a:solidFill>
+                  <a:schemeClr val="accent1"/>
+                </a:solidFill>
+              </a14:hiddenFill>
+            </a:ext>
+            <a:ext uri="{91240B29-F687-4F45-9708-019B960494DF}">
+              <a14:hiddenLine xmlns:a14="http://schemas.microsoft.com/office/drawing/2010/main" w="9525">
+                <a:solidFill>
+                  <a:schemeClr val="tx1"/>
+                </a:solidFill>
+                <a:miter lim="800000"/>
+                <a:headEnd/>
+                <a:tailEnd/>
+              </a14:hiddenLine>
+            </a:ext>
+            <a:ext uri="{AF507438-7753-43E0-B8FC-AC1667EBCBE1}">
+              <a14:hiddenEffects xmlns:a14="http://schemas.microsoft.com/office/drawing/2010/main">
+                <a:effectLst>
+                  <a:outerShdw dist="35921" dir="2700000" algn="ctr" rotWithShape="0">
+                    <a:schemeClr val="bg2"/>
+                  </a:outerShdw>
+                </a:effectLst>
+              </a14:hiddenEffects>
+            </a:ext>
+          </a:extLst>
+        </p:spPr>
+      </p:pic>
+    </p:spTree>
+    <p:extLst>
+      <p:ext uri="{BB962C8B-B14F-4D97-AF65-F5344CB8AC3E}">
+        <p14:creationId xmlns:p14="http://schemas.microsoft.com/office/powerpoint/2010/main" val="1435926193"/>
+      </p:ext>
+    </p:extLst>
+  </p:cSld>
+  <p:clrMapOvr>
+    <a:masterClrMapping/>
+  </p:clrMapOvr>
+</p:sld>
+</file>
+
+<file path=ppt/slides/slide11.xml><?xml version="1.0" encoding="utf-8"?>
+<p:sld xmlns:a="http://schemas.openxmlformats.org/drawingml/2006/main" xmlns:r="http://schemas.openxmlformats.org/officeDocument/2006/relationships" xmlns:p="http://schemas.openxmlformats.org/presentationml/2006/main">
+  <p:cSld>
+    <p:spTree>
+      <p:nvGrpSpPr>
+        <p:cNvPr id="1" name=""/>
+        <p:cNvGrpSpPr/>
+        <p:nvPr/>
+      </p:nvGrpSpPr>
+      <p:grpSpPr>
+        <a:xfrm>
+          <a:off x="0" y="0"/>
+          <a:ext cx="0" cy="0"/>
+          <a:chOff x="0" y="0"/>
+          <a:chExt cx="0" cy="0"/>
+        </a:xfrm>
+      </p:grpSpPr>
+      <p:sp>
+        <p:nvSpPr>
+          <p:cNvPr id="2" name="Title 1"/>
+          <p:cNvSpPr>
+            <a:spLocks noGrp="1"/>
+          </p:cNvSpPr>
+          <p:nvPr>
+            <p:ph type="title"/>
+          </p:nvPr>
+        </p:nvSpPr>
+        <p:spPr/>
+        <p:txBody>
+          <a:bodyPr/>
+          <a:lstStyle/>
+          <a:p>
+            <a:r>
+              <a:rPr dirty="0"/>
+              <a:t>⚙️ </a:t>
+            </a:r>
+            <a:r>
+              <a:rPr lang="pt-BR" dirty="0" smtClean="0"/>
+              <a:t>Amostra Sentimentos</a:t>
+            </a:r>
+            <a:endParaRPr dirty="0"/>
+          </a:p>
+        </p:txBody>
+      </p:sp>
+      <p:sp>
+        <p:nvSpPr>
+          <p:cNvPr id="3" name="Content Placeholder 2"/>
+          <p:cNvSpPr>
+            <a:spLocks noGrp="1"/>
+          </p:cNvSpPr>
+          <p:nvPr>
+            <p:ph idx="1"/>
+          </p:nvPr>
+        </p:nvSpPr>
+        <p:spPr/>
+        <p:txBody>
+          <a:bodyPr/>
+          <a:lstStyle/>
+          <a:p>
+            <a:r>
+              <a:rPr dirty="0"/>
+              <a:t>1. </a:t>
+            </a:r>
+            <a:r>
+              <a:rPr lang="pt-BR" dirty="0" err="1" smtClean="0"/>
+              <a:t>Vizualizar</a:t>
+            </a:r>
+            <a:r>
+              <a:rPr lang="pt-BR" dirty="0" smtClean="0"/>
+              <a:t> os Resultados dos Sentimentos</a:t>
+            </a:r>
+            <a:endParaRPr dirty="0"/>
+          </a:p>
+          <a:p>
+            <a:r>
+              <a:rPr lang="pt-BR" dirty="0" smtClean="0">
+                <a:sym typeface="Wingdings" pitchFamily="2" charset="2"/>
+              </a:rPr>
+              <a:t>NLP </a:t>
+            </a:r>
+            <a:br>
+              <a:rPr lang="pt-BR" dirty="0" smtClean="0">
+                <a:sym typeface="Wingdings" pitchFamily="2" charset="2"/>
+              </a:rPr>
+            </a:br>
+            <a:r>
+              <a:rPr lang="pt-BR" dirty="0" smtClean="0">
+                <a:sym typeface="Wingdings" pitchFamily="2" charset="2"/>
+              </a:rPr>
+              <a:t>Pegando os 10 primeiros Sentimentos</a:t>
+            </a:r>
+            <a:r>
+              <a:rPr lang="pt-BR" dirty="0" smtClean="0">
+                <a:sym typeface="Wingdings" pitchFamily="2" charset="2"/>
+              </a:rPr>
+              <a:t/>
+            </a:r>
+            <a:br>
+              <a:rPr lang="pt-BR" dirty="0" smtClean="0">
+                <a:sym typeface="Wingdings" pitchFamily="2" charset="2"/>
+              </a:rPr>
+            </a:br>
+            <a:r>
+              <a:rPr lang="pt-BR" dirty="0" smtClean="0">
+                <a:sym typeface="Wingdings" pitchFamily="2" charset="2"/>
+              </a:rPr>
+              <a:t/>
+            </a:r>
+            <a:br>
+              <a:rPr lang="pt-BR" dirty="0" smtClean="0">
+                <a:sym typeface="Wingdings" pitchFamily="2" charset="2"/>
+              </a:rPr>
+            </a:br>
+            <a:endParaRPr lang="pt-BR" dirty="0"/>
+          </a:p>
+          <a:p>
+            <a:pPr marL="0" indent="0">
+              <a:buNone/>
+            </a:pPr>
+            <a:endParaRPr dirty="0" smtClean="0"/>
+          </a:p>
+          <a:p>
+            <a:pPr marL="0" indent="0">
+              <a:buNone/>
+            </a:pPr>
+            <a:endParaRPr dirty="0"/>
+          </a:p>
+        </p:txBody>
+      </p:sp>
+      <p:pic>
+        <p:nvPicPr>
+          <p:cNvPr id="5122" name="Picture 2"/>
+          <p:cNvPicPr>
+            <a:picLocks noChangeAspect="1" noChangeArrowheads="1"/>
+          </p:cNvPicPr>
+          <p:nvPr/>
+        </p:nvPicPr>
+        <p:blipFill>
+          <a:blip r:embed="rId2">
+            <a:extLst>
+              <a:ext uri="{28A0092B-C50C-407E-A947-70E740481C1C}">
+                <a14:useLocalDpi xmlns:a14="http://schemas.microsoft.com/office/drawing/2010/main" val="0"/>
+              </a:ext>
+            </a:extLst>
+          </a:blip>
+          <a:srcRect/>
+          <a:stretch>
+            <a:fillRect/>
+          </a:stretch>
+        </p:blipFill>
+        <p:spPr bwMode="auto">
+          <a:xfrm>
+            <a:off x="727075" y="3362326"/>
+            <a:ext cx="4048125" cy="3107425"/>
+          </a:xfrm>
+          <a:prstGeom prst="rect">
+            <a:avLst/>
+          </a:prstGeom>
+          <a:noFill/>
+          <a:ln>
+            <a:noFill/>
+          </a:ln>
+          <a:effectLst/>
+          <a:extLst>
+            <a:ext uri="{909E8E84-426E-40DD-AFC4-6F175D3DCCD1}">
+              <a14:hiddenFill xmlns:a14="http://schemas.microsoft.com/office/drawing/2010/main">
+                <a:solidFill>
+                  <a:schemeClr val="accent1"/>
+                </a:solidFill>
+              </a14:hiddenFill>
+            </a:ext>
+            <a:ext uri="{91240B29-F687-4F45-9708-019B960494DF}">
+              <a14:hiddenLine xmlns:a14="http://schemas.microsoft.com/office/drawing/2010/main" w="9525">
+                <a:solidFill>
+                  <a:schemeClr val="tx1"/>
+                </a:solidFill>
+                <a:miter lim="800000"/>
+                <a:headEnd/>
+                <a:tailEnd/>
+              </a14:hiddenLine>
+            </a:ext>
+            <a:ext uri="{AF507438-7753-43E0-B8FC-AC1667EBCBE1}">
+              <a14:hiddenEffects xmlns:a14="http://schemas.microsoft.com/office/drawing/2010/main">
+                <a:effectLst>
+                  <a:outerShdw dist="35921" dir="2700000" algn="ctr" rotWithShape="0">
+                    <a:schemeClr val="bg2"/>
+                  </a:outerShdw>
+                </a:effectLst>
+              </a14:hiddenEffects>
+            </a:ext>
+          </a:extLst>
+        </p:spPr>
+      </p:pic>
+      <p:pic>
+        <p:nvPicPr>
+          <p:cNvPr id="2051" name="Picture 3"/>
+          <p:cNvPicPr>
+            <a:picLocks noChangeAspect="1" noChangeArrowheads="1"/>
+          </p:cNvPicPr>
+          <p:nvPr/>
+        </p:nvPicPr>
+        <p:blipFill>
+          <a:blip r:embed="rId3">
+            <a:extLst>
+              <a:ext uri="{28A0092B-C50C-407E-A947-70E740481C1C}">
+                <a14:useLocalDpi xmlns:a14="http://schemas.microsoft.com/office/drawing/2010/main" val="0"/>
+              </a:ext>
+            </a:extLst>
+          </a:blip>
+          <a:srcRect/>
+          <a:stretch>
+            <a:fillRect/>
+          </a:stretch>
+        </p:blipFill>
+        <p:spPr bwMode="auto">
+          <a:xfrm>
+            <a:off x="4191000" y="3340100"/>
+            <a:ext cx="4953000" cy="3073400"/>
+          </a:xfrm>
+          <a:prstGeom prst="rect">
+            <a:avLst/>
+          </a:prstGeom>
+          <a:noFill/>
+          <a:ln>
+            <a:noFill/>
+          </a:ln>
+          <a:effectLst/>
+          <a:extLst>
+            <a:ext uri="{909E8E84-426E-40DD-AFC4-6F175D3DCCD1}">
+              <a14:hiddenFill xmlns:a14="http://schemas.microsoft.com/office/drawing/2010/main">
+                <a:solidFill>
+                  <a:schemeClr val="accent1"/>
+                </a:solidFill>
+              </a14:hiddenFill>
+            </a:ext>
+            <a:ext uri="{91240B29-F687-4F45-9708-019B960494DF}">
+              <a14:hiddenLine xmlns:a14="http://schemas.microsoft.com/office/drawing/2010/main" w="9525">
+                <a:solidFill>
+                  <a:schemeClr val="tx1"/>
+                </a:solidFill>
+                <a:miter lim="800000"/>
+                <a:headEnd/>
+                <a:tailEnd/>
+              </a14:hiddenLine>
+            </a:ext>
+            <a:ext uri="{AF507438-7753-43E0-B8FC-AC1667EBCBE1}">
+              <a14:hiddenEffects xmlns:a14="http://schemas.microsoft.com/office/drawing/2010/main">
+                <a:effectLst>
+                  <a:outerShdw dist="35921" dir="2700000" algn="ctr" rotWithShape="0">
+                    <a:schemeClr val="bg2"/>
+                  </a:outerShdw>
+                </a:effectLst>
+              </a14:hiddenEffects>
+            </a:ext>
+          </a:extLst>
+        </p:spPr>
+      </p:pic>
+    </p:spTree>
+    <p:extLst>
+      <p:ext uri="{BB962C8B-B14F-4D97-AF65-F5344CB8AC3E}">
+        <p14:creationId xmlns:p14="http://schemas.microsoft.com/office/powerpoint/2010/main" val="196701623"/>
+      </p:ext>
+    </p:extLst>
+  </p:cSld>
+  <p:clrMapOvr>
+    <a:masterClrMapping/>
+  </p:clrMapOvr>
+</p:sld>
+</file>
+
+<file path=ppt/slides/slide12.xml><?xml version="1.0" encoding="utf-8"?>
+<p:sld xmlns:a="http://schemas.openxmlformats.org/drawingml/2006/main" xmlns:r="http://schemas.openxmlformats.org/officeDocument/2006/relationships" xmlns:p="http://schemas.openxmlformats.org/presentationml/2006/main">
+  <p:cSld>
+    <p:spTree>
+      <p:nvGrpSpPr>
+        <p:cNvPr id="1" name=""/>
+        <p:cNvGrpSpPr/>
+        <p:nvPr/>
+      </p:nvGrpSpPr>
+      <p:grpSpPr>
+        <a:xfrm>
+          <a:off x="0" y="0"/>
+          <a:ext cx="0" cy="0"/>
+          <a:chOff x="0" y="0"/>
+          <a:chExt cx="0" cy="0"/>
+        </a:xfrm>
+      </p:grpSpPr>
+      <p:sp>
+        <p:nvSpPr>
+          <p:cNvPr id="2" name="Title 1"/>
+          <p:cNvSpPr>
+            <a:spLocks noGrp="1"/>
+          </p:cNvSpPr>
+          <p:nvPr>
+            <p:ph type="title"/>
+          </p:nvPr>
+        </p:nvSpPr>
+        <p:spPr/>
+        <p:txBody>
+          <a:bodyPr/>
+          <a:lstStyle/>
+          <a:p>
+            <a:r>
+              <a:rPr dirty="0"/>
+              <a:t>⚙️ </a:t>
+            </a:r>
+            <a:r>
+              <a:rPr lang="pt-BR" dirty="0" err="1" smtClean="0"/>
+              <a:t>Describe</a:t>
+            </a:r>
+            <a:r>
+              <a:rPr lang="pt-BR" dirty="0" smtClean="0"/>
+              <a:t> Sentimentos Geral</a:t>
+            </a:r>
+            <a:endParaRPr dirty="0"/>
+          </a:p>
+        </p:txBody>
+      </p:sp>
+      <p:sp>
+        <p:nvSpPr>
+          <p:cNvPr id="3" name="Content Placeholder 2"/>
+          <p:cNvSpPr>
+            <a:spLocks noGrp="1"/>
+          </p:cNvSpPr>
+          <p:nvPr>
+            <p:ph idx="1"/>
+          </p:nvPr>
+        </p:nvSpPr>
+        <p:spPr/>
+        <p:txBody>
+          <a:bodyPr/>
+          <a:lstStyle/>
+          <a:p>
+            <a:r>
+              <a:rPr lang="pt-BR" dirty="0" smtClean="0"/>
+              <a:t>Resultados dos Sentimentos </a:t>
+            </a:r>
+            <a:r>
+              <a:rPr lang="pt-BR" dirty="0" smtClean="0">
+                <a:sym typeface="Wingdings" pitchFamily="2" charset="2"/>
+              </a:rPr>
+              <a:t>NLP </a:t>
+            </a:r>
+            <a:br>
+              <a:rPr lang="pt-BR" dirty="0" smtClean="0">
+                <a:sym typeface="Wingdings" pitchFamily="2" charset="2"/>
+              </a:rPr>
+            </a:br>
+            <a:r>
+              <a:rPr lang="pt-BR" dirty="0" smtClean="0">
+                <a:sym typeface="Wingdings" pitchFamily="2" charset="2"/>
+              </a:rPr>
+              <a:t/>
+            </a:r>
+            <a:br>
+              <a:rPr lang="pt-BR" dirty="0" smtClean="0">
+                <a:sym typeface="Wingdings" pitchFamily="2" charset="2"/>
+              </a:rPr>
+            </a:br>
+            <a:r>
+              <a:rPr lang="pt-BR" dirty="0" smtClean="0">
+                <a:sym typeface="Wingdings" pitchFamily="2" charset="2"/>
+              </a:rPr>
+              <a:t/>
+            </a:r>
+            <a:br>
+              <a:rPr lang="pt-BR" dirty="0" smtClean="0">
+                <a:sym typeface="Wingdings" pitchFamily="2" charset="2"/>
+              </a:rPr>
+            </a:br>
+            <a:endParaRPr lang="pt-BR" dirty="0"/>
+          </a:p>
+          <a:p>
+            <a:pPr marL="0" indent="0">
+              <a:buNone/>
+            </a:pPr>
+            <a:endParaRPr dirty="0" smtClean="0"/>
+          </a:p>
+          <a:p>
+            <a:pPr marL="0" indent="0">
+              <a:buNone/>
+            </a:pPr>
+            <a:endParaRPr dirty="0"/>
+          </a:p>
+        </p:txBody>
+      </p:sp>
+      <p:pic>
+        <p:nvPicPr>
+          <p:cNvPr id="9218" name="Picture 2"/>
+          <p:cNvPicPr>
+            <a:picLocks noChangeAspect="1" noChangeArrowheads="1"/>
+          </p:cNvPicPr>
+          <p:nvPr/>
+        </p:nvPicPr>
+        <p:blipFill>
+          <a:blip r:embed="rId2">
+            <a:extLst>
+              <a:ext uri="{28A0092B-C50C-407E-A947-70E740481C1C}">
+                <a14:useLocalDpi xmlns:a14="http://schemas.microsoft.com/office/drawing/2010/main" val="0"/>
+              </a:ext>
+            </a:extLst>
+          </a:blip>
+          <a:srcRect/>
+          <a:stretch>
+            <a:fillRect/>
+          </a:stretch>
+        </p:blipFill>
+        <p:spPr bwMode="auto">
+          <a:xfrm>
+            <a:off x="720725" y="2159000"/>
+            <a:ext cx="7345363" cy="3848100"/>
+          </a:xfrm>
+          <a:prstGeom prst="rect">
+            <a:avLst/>
+          </a:prstGeom>
+          <a:noFill/>
+          <a:ln>
+            <a:noFill/>
+          </a:ln>
+          <a:effectLst/>
+          <a:extLst>
+            <a:ext uri="{909E8E84-426E-40DD-AFC4-6F175D3DCCD1}">
+              <a14:hiddenFill xmlns:a14="http://schemas.microsoft.com/office/drawing/2010/main">
+                <a:solidFill>
+                  <a:schemeClr val="accent1"/>
+                </a:solidFill>
+              </a14:hiddenFill>
+            </a:ext>
+            <a:ext uri="{91240B29-F687-4F45-9708-019B960494DF}">
+              <a14:hiddenLine xmlns:a14="http://schemas.microsoft.com/office/drawing/2010/main" w="9525">
+                <a:solidFill>
+                  <a:schemeClr val="tx1"/>
+                </a:solidFill>
+                <a:miter lim="800000"/>
+                <a:headEnd/>
+                <a:tailEnd/>
+              </a14:hiddenLine>
+            </a:ext>
+            <a:ext uri="{AF507438-7753-43E0-B8FC-AC1667EBCBE1}">
+              <a14:hiddenEffects xmlns:a14="http://schemas.microsoft.com/office/drawing/2010/main">
+                <a:effectLst>
+                  <a:outerShdw dist="35921" dir="2700000" algn="ctr" rotWithShape="0">
+                    <a:schemeClr val="bg2"/>
+                  </a:outerShdw>
+                </a:effectLst>
+              </a14:hiddenEffects>
+            </a:ext>
+          </a:extLst>
+        </p:spPr>
+      </p:pic>
+      <p:pic>
+        <p:nvPicPr>
+          <p:cNvPr id="2051" name="Picture 3"/>
+          <p:cNvPicPr>
+            <a:picLocks noChangeAspect="1" noChangeArrowheads="1"/>
+          </p:cNvPicPr>
+          <p:nvPr/>
+        </p:nvPicPr>
+        <p:blipFill>
+          <a:blip r:embed="rId3">
+            <a:extLst>
+              <a:ext uri="{28A0092B-C50C-407E-A947-70E740481C1C}">
+                <a14:useLocalDpi xmlns:a14="http://schemas.microsoft.com/office/drawing/2010/main" val="0"/>
+              </a:ext>
+            </a:extLst>
+          </a:blip>
+          <a:srcRect/>
+          <a:stretch>
+            <a:fillRect/>
+          </a:stretch>
+        </p:blipFill>
+        <p:spPr bwMode="auto">
+          <a:xfrm>
+            <a:off x="4751388" y="3950286"/>
+            <a:ext cx="3314700" cy="2056814"/>
+          </a:xfrm>
+          <a:prstGeom prst="rect">
+            <a:avLst/>
+          </a:prstGeom>
+          <a:noFill/>
+          <a:ln>
+            <a:noFill/>
+          </a:ln>
+          <a:effectLst/>
+          <a:extLst>
+            <a:ext uri="{909E8E84-426E-40DD-AFC4-6F175D3DCCD1}">
+              <a14:hiddenFill xmlns:a14="http://schemas.microsoft.com/office/drawing/2010/main">
+                <a:solidFill>
+                  <a:schemeClr val="accent1"/>
+                </a:solidFill>
+              </a14:hiddenFill>
+            </a:ext>
+            <a:ext uri="{91240B29-F687-4F45-9708-019B960494DF}">
+              <a14:hiddenLine xmlns:a14="http://schemas.microsoft.com/office/drawing/2010/main" w="9525">
+                <a:solidFill>
+                  <a:schemeClr val="tx1"/>
+                </a:solidFill>
+                <a:miter lim="800000"/>
+                <a:headEnd/>
+                <a:tailEnd/>
+              </a14:hiddenLine>
+            </a:ext>
+            <a:ext uri="{AF507438-7753-43E0-B8FC-AC1667EBCBE1}">
+              <a14:hiddenEffects xmlns:a14="http://schemas.microsoft.com/office/drawing/2010/main">
+                <a:effectLst>
+                  <a:outerShdw dist="35921" dir="2700000" algn="ctr" rotWithShape="0">
+                    <a:schemeClr val="bg2"/>
+                  </a:outerShdw>
+                </a:effectLst>
+              </a14:hiddenEffects>
+            </a:ext>
+          </a:extLst>
+        </p:spPr>
+      </p:pic>
+    </p:spTree>
+    <p:extLst>
+      <p:ext uri="{BB962C8B-B14F-4D97-AF65-F5344CB8AC3E}">
+        <p14:creationId xmlns:p14="http://schemas.microsoft.com/office/powerpoint/2010/main" val="1028558144"/>
+      </p:ext>
+    </p:extLst>
+  </p:cSld>
+  <p:clrMapOvr>
+    <a:masterClrMapping/>
+  </p:clrMapOvr>
+</p:sld>
+</file>
+
+<file path=ppt/slides/slide13.xml><?xml version="1.0" encoding="utf-8"?>
+<p:sld xmlns:a="http://schemas.openxmlformats.org/drawingml/2006/main" xmlns:r="http://schemas.openxmlformats.org/officeDocument/2006/relationships" xmlns:p="http://schemas.openxmlformats.org/presentationml/2006/main">
+  <p:cSld>
+    <p:spTree>
+      <p:nvGrpSpPr>
+        <p:cNvPr id="1" name=""/>
+        <p:cNvGrpSpPr/>
+        <p:nvPr/>
+      </p:nvGrpSpPr>
+      <p:grpSpPr>
+        <a:xfrm>
+          <a:off x="0" y="0"/>
+          <a:ext cx="0" cy="0"/>
+          <a:chOff x="0" y="0"/>
+          <a:chExt cx="0" cy="0"/>
+        </a:xfrm>
+      </p:grpSpPr>
+      <p:sp>
+        <p:nvSpPr>
+          <p:cNvPr id="2" name="Title 1"/>
+          <p:cNvSpPr>
+            <a:spLocks noGrp="1"/>
+          </p:cNvSpPr>
+          <p:nvPr>
+            <p:ph type="title"/>
+          </p:nvPr>
+        </p:nvSpPr>
+        <p:spPr/>
+        <p:txBody>
+          <a:bodyPr/>
+          <a:lstStyle/>
+          <a:p>
+            <a:pPr marL="0" indent="0"/>
+            <a:r>
+              <a:rPr dirty="0"/>
+              <a:t>⚙️ </a:t>
+            </a:r>
+            <a:r>
+              <a:rPr lang="pt-BR" dirty="0"/>
+              <a:t>Distribuição de </a:t>
+            </a:r>
+            <a:r>
+              <a:rPr lang="pt-BR" dirty="0" smtClean="0"/>
+              <a:t>Score</a:t>
+            </a:r>
+            <a:endParaRPr lang="pt-BR" dirty="0"/>
+          </a:p>
+        </p:txBody>
+      </p:sp>
+      <p:sp>
+        <p:nvSpPr>
+          <p:cNvPr id="3" name="Content Placeholder 2"/>
+          <p:cNvSpPr>
+            <a:spLocks noGrp="1"/>
+          </p:cNvSpPr>
+          <p:nvPr>
+            <p:ph idx="1"/>
+          </p:nvPr>
+        </p:nvSpPr>
+        <p:spPr/>
+        <p:txBody>
+          <a:bodyPr/>
+          <a:lstStyle/>
+          <a:p>
+            <a:pPr marL="0" indent="0">
+              <a:buNone/>
+            </a:pPr>
+            <a:r>
+              <a:rPr lang="pt-BR" dirty="0" smtClean="0"/>
+              <a:t>Distribuição </a:t>
+            </a:r>
+            <a:r>
+              <a:rPr lang="pt-BR" dirty="0"/>
+              <a:t>de </a:t>
+            </a:r>
+            <a:r>
+              <a:rPr lang="pt-BR" dirty="0" smtClean="0"/>
+              <a:t>notas</a:t>
+            </a:r>
+            <a:endParaRPr dirty="0" smtClean="0"/>
+          </a:p>
+          <a:p>
+            <a:pPr marL="0" indent="0">
+              <a:buNone/>
+            </a:pPr>
+            <a:endParaRPr dirty="0"/>
+          </a:p>
+        </p:txBody>
+      </p:sp>
+      <p:pic>
+        <p:nvPicPr>
+          <p:cNvPr id="3074" name="Picture 2"/>
+          <p:cNvPicPr>
+            <a:picLocks noChangeAspect="1" noChangeArrowheads="1"/>
+          </p:cNvPicPr>
+          <p:nvPr/>
+        </p:nvPicPr>
+        <p:blipFill>
+          <a:blip r:embed="rId2">
+            <a:extLst>
+              <a:ext uri="{28A0092B-C50C-407E-A947-70E740481C1C}">
+                <a14:useLocalDpi xmlns:a14="http://schemas.microsoft.com/office/drawing/2010/main" val="0"/>
+              </a:ext>
+            </a:extLst>
+          </a:blip>
+          <a:srcRect/>
+          <a:stretch>
+            <a:fillRect/>
+          </a:stretch>
+        </p:blipFill>
+        <p:spPr bwMode="auto">
+          <a:xfrm>
+            <a:off x="177800" y="2178049"/>
+            <a:ext cx="4660900" cy="3833813"/>
+          </a:xfrm>
+          <a:prstGeom prst="rect">
+            <a:avLst/>
+          </a:prstGeom>
+          <a:noFill/>
+          <a:ln>
+            <a:noFill/>
+          </a:ln>
+          <a:effectLst/>
+          <a:extLst>
+            <a:ext uri="{909E8E84-426E-40DD-AFC4-6F175D3DCCD1}">
+              <a14:hiddenFill xmlns:a14="http://schemas.microsoft.com/office/drawing/2010/main">
+                <a:solidFill>
+                  <a:schemeClr val="accent1"/>
+                </a:solidFill>
+              </a14:hiddenFill>
+            </a:ext>
+            <a:ext uri="{91240B29-F687-4F45-9708-019B960494DF}">
+              <a14:hiddenLine xmlns:a14="http://schemas.microsoft.com/office/drawing/2010/main" w="9525">
+                <a:solidFill>
+                  <a:schemeClr val="tx1"/>
+                </a:solidFill>
+                <a:miter lim="800000"/>
+                <a:headEnd/>
+                <a:tailEnd/>
+              </a14:hiddenLine>
+            </a:ext>
+            <a:ext uri="{AF507438-7753-43E0-B8FC-AC1667EBCBE1}">
+              <a14:hiddenEffects xmlns:a14="http://schemas.microsoft.com/office/drawing/2010/main">
+                <a:effectLst>
+                  <a:outerShdw dist="35921" dir="2700000" algn="ctr" rotWithShape="0">
+                    <a:schemeClr val="bg2"/>
+                  </a:outerShdw>
+                </a:effectLst>
+              </a14:hiddenEffects>
+            </a:ext>
+          </a:extLst>
+        </p:spPr>
+      </p:pic>
+      <p:pic>
+        <p:nvPicPr>
+          <p:cNvPr id="3075" name="Picture 3"/>
+          <p:cNvPicPr>
+            <a:picLocks noChangeAspect="1" noChangeArrowheads="1"/>
+          </p:cNvPicPr>
+          <p:nvPr/>
+        </p:nvPicPr>
+        <p:blipFill>
+          <a:blip r:embed="rId3">
+            <a:extLst>
+              <a:ext uri="{28A0092B-C50C-407E-A947-70E740481C1C}">
+                <a14:useLocalDpi xmlns:a14="http://schemas.microsoft.com/office/drawing/2010/main" val="0"/>
+              </a:ext>
+            </a:extLst>
+          </a:blip>
+          <a:srcRect/>
+          <a:stretch>
+            <a:fillRect/>
+          </a:stretch>
+        </p:blipFill>
+        <p:spPr bwMode="auto">
+          <a:xfrm>
+            <a:off x="4838700" y="2204437"/>
+            <a:ext cx="4089400" cy="3807425"/>
+          </a:xfrm>
+          <a:prstGeom prst="rect">
+            <a:avLst/>
+          </a:prstGeom>
+          <a:noFill/>
+          <a:ln>
+            <a:noFill/>
+          </a:ln>
+          <a:effectLst/>
+          <a:extLst>
+            <a:ext uri="{909E8E84-426E-40DD-AFC4-6F175D3DCCD1}">
+              <a14:hiddenFill xmlns:a14="http://schemas.microsoft.com/office/drawing/2010/main">
+                <a:solidFill>
+                  <a:schemeClr val="accent1"/>
+                </a:solidFill>
+              </a14:hiddenFill>
+            </a:ext>
+            <a:ext uri="{91240B29-F687-4F45-9708-019B960494DF}">
+              <a14:hiddenLine xmlns:a14="http://schemas.microsoft.com/office/drawing/2010/main" w="9525">
+                <a:solidFill>
+                  <a:schemeClr val="tx1"/>
+                </a:solidFill>
+                <a:miter lim="800000"/>
+                <a:headEnd/>
+                <a:tailEnd/>
+              </a14:hiddenLine>
+            </a:ext>
+            <a:ext uri="{AF507438-7753-43E0-B8FC-AC1667EBCBE1}">
+              <a14:hiddenEffects xmlns:a14="http://schemas.microsoft.com/office/drawing/2010/main">
+                <a:effectLst>
+                  <a:outerShdw dist="35921" dir="2700000" algn="ctr" rotWithShape="0">
+                    <a:schemeClr val="bg2"/>
+                  </a:outerShdw>
+                </a:effectLst>
+              </a14:hiddenEffects>
+            </a:ext>
+          </a:extLst>
+        </p:spPr>
+      </p:pic>
+    </p:spTree>
+    <p:extLst>
+      <p:ext uri="{BB962C8B-B14F-4D97-AF65-F5344CB8AC3E}">
+        <p14:creationId xmlns:p14="http://schemas.microsoft.com/office/powerpoint/2010/main" val="3575301468"/>
+      </p:ext>
+    </p:extLst>
+  </p:cSld>
+  <p:clrMapOvr>
+    <a:masterClrMapping/>
+  </p:clrMapOvr>
+</p:sld>
+</file>
+
+<file path=ppt/slides/slide14.xml><?xml version="1.0" encoding="utf-8"?>
+<p:sld xmlns:a="http://schemas.openxmlformats.org/drawingml/2006/main" xmlns:r="http://schemas.openxmlformats.org/officeDocument/2006/relationships" xmlns:p="http://schemas.openxmlformats.org/presentationml/2006/main">
+  <p:cSld>
+    <p:spTree>
+      <p:nvGrpSpPr>
+        <p:cNvPr id="1" name=""/>
+        <p:cNvGrpSpPr/>
+        <p:nvPr/>
+      </p:nvGrpSpPr>
+      <p:grpSpPr>
+        <a:xfrm>
+          <a:off x="0" y="0"/>
+          <a:ext cx="0" cy="0"/>
+          <a:chOff x="0" y="0"/>
+          <a:chExt cx="0" cy="0"/>
+        </a:xfrm>
+      </p:grpSpPr>
+      <p:sp>
+        <p:nvSpPr>
+          <p:cNvPr id="2" name="Title 1"/>
+          <p:cNvSpPr>
+            <a:spLocks noGrp="1"/>
+          </p:cNvSpPr>
+          <p:nvPr>
+            <p:ph type="title"/>
+          </p:nvPr>
+        </p:nvSpPr>
+        <p:spPr/>
+        <p:txBody>
+          <a:bodyPr/>
+          <a:lstStyle/>
+          <a:p>
+            <a:r>
+              <a:rPr dirty="0"/>
+              <a:t>⚙️ </a:t>
+            </a:r>
+            <a:r>
+              <a:rPr lang="pt-BR" dirty="0"/>
+              <a:t>Score top 10 </a:t>
+            </a:r>
+            <a:r>
+              <a:rPr lang="pt-BR" dirty="0" smtClean="0"/>
+              <a:t>Autores</a:t>
+            </a:r>
+            <a:endParaRPr dirty="0"/>
+          </a:p>
+        </p:txBody>
+      </p:sp>
+      <p:sp>
+        <p:nvSpPr>
+          <p:cNvPr id="3" name="Content Placeholder 2"/>
+          <p:cNvSpPr>
+            <a:spLocks noGrp="1"/>
+          </p:cNvSpPr>
+          <p:nvPr>
+            <p:ph idx="1"/>
+          </p:nvPr>
+        </p:nvSpPr>
+        <p:spPr/>
+        <p:txBody>
+          <a:bodyPr/>
+          <a:lstStyle/>
+          <a:p>
+            <a:pPr marL="0" indent="0">
+              <a:buNone/>
+            </a:pPr>
+            <a:r>
+              <a:rPr lang="pt-BR" dirty="0" smtClean="0"/>
+              <a:t>Distribuição </a:t>
+            </a:r>
+            <a:r>
+              <a:rPr lang="pt-BR" dirty="0"/>
+              <a:t>de </a:t>
+            </a:r>
+            <a:r>
+              <a:rPr lang="pt-BR" dirty="0" smtClean="0"/>
+              <a:t>Score top 10 por Autores</a:t>
+            </a:r>
+            <a:endParaRPr dirty="0" smtClean="0"/>
+          </a:p>
+          <a:p>
+            <a:pPr marL="0" indent="0">
+              <a:buNone/>
+            </a:pPr>
+            <a:endParaRPr dirty="0"/>
+          </a:p>
+        </p:txBody>
+      </p:sp>
+      <p:pic>
+        <p:nvPicPr>
+          <p:cNvPr id="10242" name="Picture 2"/>
+          <p:cNvPicPr>
+            <a:picLocks noChangeAspect="1" noChangeArrowheads="1"/>
+          </p:cNvPicPr>
+          <p:nvPr/>
+        </p:nvPicPr>
+        <p:blipFill>
+          <a:blip r:embed="rId2">
+            <a:extLst>
+              <a:ext uri="{28A0092B-C50C-407E-A947-70E740481C1C}">
+                <a14:useLocalDpi xmlns:a14="http://schemas.microsoft.com/office/drawing/2010/main" val="0"/>
+              </a:ext>
+            </a:extLst>
+          </a:blip>
+          <a:srcRect/>
+          <a:stretch>
+            <a:fillRect/>
+          </a:stretch>
+        </p:blipFill>
+        <p:spPr bwMode="auto">
+          <a:xfrm>
+            <a:off x="569912" y="2046156"/>
+            <a:ext cx="7812088" cy="3287844"/>
+          </a:xfrm>
+          <a:prstGeom prst="rect">
+            <a:avLst/>
+          </a:prstGeom>
+          <a:noFill/>
+          <a:ln>
+            <a:noFill/>
+          </a:ln>
+          <a:effectLst/>
+          <a:extLst>
+            <a:ext uri="{909E8E84-426E-40DD-AFC4-6F175D3DCCD1}">
+              <a14:hiddenFill xmlns:a14="http://schemas.microsoft.com/office/drawing/2010/main">
+                <a:solidFill>
+                  <a:schemeClr val="accent1"/>
+                </a:solidFill>
+              </a14:hiddenFill>
+            </a:ext>
+            <a:ext uri="{91240B29-F687-4F45-9708-019B960494DF}">
+              <a14:hiddenLine xmlns:a14="http://schemas.microsoft.com/office/drawing/2010/main" w="9525">
+                <a:solidFill>
+                  <a:schemeClr val="tx1"/>
+                </a:solidFill>
+                <a:miter lim="800000"/>
+                <a:headEnd/>
+                <a:tailEnd/>
+              </a14:hiddenLine>
+            </a:ext>
+            <a:ext uri="{AF507438-7753-43E0-B8FC-AC1667EBCBE1}">
+              <a14:hiddenEffects xmlns:a14="http://schemas.microsoft.com/office/drawing/2010/main">
+                <a:effectLst>
+                  <a:outerShdw dist="35921" dir="2700000" algn="ctr" rotWithShape="0">
+                    <a:schemeClr val="bg2"/>
+                  </a:outerShdw>
+                </a:effectLst>
+              </a14:hiddenEffects>
+            </a:ext>
+          </a:extLst>
+        </p:spPr>
+      </p:pic>
+      <p:pic>
+        <p:nvPicPr>
+          <p:cNvPr id="10243" name="Picture 3"/>
+          <p:cNvPicPr>
+            <a:picLocks noChangeAspect="1" noChangeArrowheads="1"/>
+          </p:cNvPicPr>
+          <p:nvPr/>
+        </p:nvPicPr>
+        <p:blipFill>
+          <a:blip r:embed="rId3">
+            <a:extLst>
+              <a:ext uri="{28A0092B-C50C-407E-A947-70E740481C1C}">
+                <a14:useLocalDpi xmlns:a14="http://schemas.microsoft.com/office/drawing/2010/main" val="0"/>
+              </a:ext>
+            </a:extLst>
+          </a:blip>
+          <a:srcRect/>
+          <a:stretch>
+            <a:fillRect/>
+          </a:stretch>
+        </p:blipFill>
+        <p:spPr bwMode="auto">
+          <a:xfrm>
+            <a:off x="1549400" y="5307924"/>
+            <a:ext cx="5095875" cy="1257300"/>
+          </a:xfrm>
+          <a:prstGeom prst="rect">
+            <a:avLst/>
+          </a:prstGeom>
+          <a:noFill/>
+          <a:ln>
+            <a:noFill/>
+          </a:ln>
+          <a:effectLst/>
+          <a:extLst>
+            <a:ext uri="{909E8E84-426E-40DD-AFC4-6F175D3DCCD1}">
+              <a14:hiddenFill xmlns:a14="http://schemas.microsoft.com/office/drawing/2010/main">
+                <a:solidFill>
+                  <a:schemeClr val="accent1"/>
+                </a:solidFill>
+              </a14:hiddenFill>
+            </a:ext>
+            <a:ext uri="{91240B29-F687-4F45-9708-019B960494DF}">
+              <a14:hiddenLine xmlns:a14="http://schemas.microsoft.com/office/drawing/2010/main" w="9525">
+                <a:solidFill>
+                  <a:schemeClr val="tx1"/>
+                </a:solidFill>
+                <a:miter lim="800000"/>
+                <a:headEnd/>
+                <a:tailEnd/>
+              </a14:hiddenLine>
+            </a:ext>
+            <a:ext uri="{AF507438-7753-43E0-B8FC-AC1667EBCBE1}">
+              <a14:hiddenEffects xmlns:a14="http://schemas.microsoft.com/office/drawing/2010/main">
+                <a:effectLst>
+                  <a:outerShdw dist="35921" dir="2700000" algn="ctr" rotWithShape="0">
+                    <a:schemeClr val="bg2"/>
+                  </a:outerShdw>
+                </a:effectLst>
+              </a14:hiddenEffects>
+            </a:ext>
+          </a:extLst>
+        </p:spPr>
+      </p:pic>
+    </p:spTree>
+    <p:extLst>
+      <p:ext uri="{BB962C8B-B14F-4D97-AF65-F5344CB8AC3E}">
+        <p14:creationId xmlns:p14="http://schemas.microsoft.com/office/powerpoint/2010/main" val="3192643195"/>
+      </p:ext>
+    </p:extLst>
+  </p:cSld>
+  <p:clrMapOvr>
+    <a:masterClrMapping/>
+  </p:clrMapOvr>
+</p:sld>
+</file>
+
+<file path=ppt/slides/slide15.xml><?xml version="1.0" encoding="utf-8"?>
+<p:sld xmlns:a="http://schemas.openxmlformats.org/drawingml/2006/main" xmlns:r="http://schemas.openxmlformats.org/officeDocument/2006/relationships" xmlns:p="http://schemas.openxmlformats.org/presentationml/2006/main">
+  <p:cSld>
+    <p:spTree>
+      <p:nvGrpSpPr>
+        <p:cNvPr id="1" name=""/>
+        <p:cNvGrpSpPr/>
+        <p:nvPr/>
+      </p:nvGrpSpPr>
+      <p:grpSpPr>
+        <a:xfrm>
+          <a:off x="0" y="0"/>
+          <a:ext cx="0" cy="0"/>
+          <a:chOff x="0" y="0"/>
+          <a:chExt cx="0" cy="0"/>
+        </a:xfrm>
+      </p:grpSpPr>
+      <p:sp>
+        <p:nvSpPr>
+          <p:cNvPr id="2" name="Title 1"/>
+          <p:cNvSpPr>
+            <a:spLocks noGrp="1"/>
+          </p:cNvSpPr>
+          <p:nvPr>
+            <p:ph type="title"/>
+          </p:nvPr>
+        </p:nvSpPr>
+        <p:spPr/>
+        <p:txBody>
+          <a:bodyPr/>
+          <a:lstStyle/>
+          <a:p>
+            <a:r>
+              <a:rPr dirty="0"/>
+              <a:t>⚙️ </a:t>
+            </a:r>
+            <a:r>
+              <a:rPr lang="pt-BR" dirty="0" smtClean="0"/>
+              <a:t>Sentimento top </a:t>
+            </a:r>
+            <a:r>
+              <a:rPr lang="pt-BR" dirty="0"/>
+              <a:t>10 </a:t>
+            </a:r>
+            <a:r>
+              <a:rPr lang="pt-BR" dirty="0" smtClean="0"/>
+              <a:t>Editora</a:t>
+            </a:r>
+            <a:endParaRPr dirty="0"/>
+          </a:p>
+        </p:txBody>
+      </p:sp>
+      <p:sp>
+        <p:nvSpPr>
+          <p:cNvPr id="3" name="Content Placeholder 2"/>
+          <p:cNvSpPr>
+            <a:spLocks noGrp="1"/>
+          </p:cNvSpPr>
+          <p:nvPr>
+            <p:ph idx="1"/>
+          </p:nvPr>
+        </p:nvSpPr>
+        <p:spPr/>
+        <p:txBody>
+          <a:bodyPr/>
+          <a:lstStyle/>
+          <a:p>
+            <a:pPr marL="0" indent="0">
+              <a:buNone/>
+            </a:pPr>
+            <a:r>
+              <a:rPr lang="pt-BR" dirty="0" smtClean="0"/>
+              <a:t>Distribuição </a:t>
+            </a:r>
+            <a:r>
+              <a:rPr lang="pt-BR" dirty="0"/>
+              <a:t>de </a:t>
+            </a:r>
+            <a:r>
+              <a:rPr lang="pt-BR" dirty="0" smtClean="0"/>
+              <a:t>Sentimento top 10 por </a:t>
+            </a:r>
+            <a:r>
+              <a:rPr lang="pt-BR" dirty="0"/>
+              <a:t>Editora</a:t>
+            </a:r>
+            <a:endParaRPr dirty="0" smtClean="0"/>
+          </a:p>
+          <a:p>
+            <a:pPr marL="0" indent="0">
+              <a:buNone/>
+            </a:pPr>
+            <a:endParaRPr dirty="0"/>
+          </a:p>
+        </p:txBody>
+      </p:sp>
+      <p:pic>
+        <p:nvPicPr>
+          <p:cNvPr id="6" name="Picture 2"/>
+          <p:cNvPicPr>
+            <a:picLocks noChangeAspect="1" noChangeArrowheads="1"/>
+          </p:cNvPicPr>
+          <p:nvPr/>
+        </p:nvPicPr>
+        <p:blipFill>
+          <a:blip r:embed="rId2">
+            <a:extLst>
+              <a:ext uri="{28A0092B-C50C-407E-A947-70E740481C1C}">
+                <a14:useLocalDpi xmlns:a14="http://schemas.microsoft.com/office/drawing/2010/main" val="0"/>
+              </a:ext>
+            </a:extLst>
+          </a:blip>
+          <a:srcRect/>
+          <a:stretch>
+            <a:fillRect/>
+          </a:stretch>
+        </p:blipFill>
+        <p:spPr bwMode="auto">
+          <a:xfrm>
+            <a:off x="0" y="2346324"/>
+            <a:ext cx="8991600" cy="2860675"/>
+          </a:xfrm>
+          <a:prstGeom prst="rect">
+            <a:avLst/>
+          </a:prstGeom>
+          <a:noFill/>
+          <a:ln>
+            <a:noFill/>
+          </a:ln>
+          <a:effectLst/>
+          <a:extLst>
+            <a:ext uri="{909E8E84-426E-40DD-AFC4-6F175D3DCCD1}">
+              <a14:hiddenFill xmlns:a14="http://schemas.microsoft.com/office/drawing/2010/main">
+                <a:solidFill>
+                  <a:schemeClr val="accent1"/>
+                </a:solidFill>
+              </a14:hiddenFill>
+            </a:ext>
+            <a:ext uri="{91240B29-F687-4F45-9708-019B960494DF}">
+              <a14:hiddenLine xmlns:a14="http://schemas.microsoft.com/office/drawing/2010/main" w="9525">
+                <a:solidFill>
+                  <a:schemeClr val="tx1"/>
+                </a:solidFill>
+                <a:miter lim="800000"/>
+                <a:headEnd/>
+                <a:tailEnd/>
+              </a14:hiddenLine>
+            </a:ext>
+            <a:ext uri="{AF507438-7753-43E0-B8FC-AC1667EBCBE1}">
+              <a14:hiddenEffects xmlns:a14="http://schemas.microsoft.com/office/drawing/2010/main">
+                <a:effectLst>
+                  <a:outerShdw dist="35921" dir="2700000" algn="ctr" rotWithShape="0">
+                    <a:schemeClr val="bg2"/>
+                  </a:outerShdw>
+                </a:effectLst>
+              </a14:hiddenEffects>
+            </a:ext>
+          </a:extLst>
+        </p:spPr>
+      </p:pic>
+      <p:pic>
+        <p:nvPicPr>
+          <p:cNvPr id="14338" name="Picture 2"/>
+          <p:cNvPicPr>
+            <a:picLocks noChangeAspect="1" noChangeArrowheads="1"/>
+          </p:cNvPicPr>
+          <p:nvPr/>
+        </p:nvPicPr>
+        <p:blipFill>
+          <a:blip r:embed="rId3">
+            <a:extLst>
+              <a:ext uri="{28A0092B-C50C-407E-A947-70E740481C1C}">
+                <a14:useLocalDpi xmlns:a14="http://schemas.microsoft.com/office/drawing/2010/main" val="0"/>
+              </a:ext>
+            </a:extLst>
+          </a:blip>
+          <a:srcRect/>
+          <a:stretch>
+            <a:fillRect/>
+          </a:stretch>
+        </p:blipFill>
+        <p:spPr bwMode="auto">
+          <a:xfrm>
+            <a:off x="812800" y="5206998"/>
+            <a:ext cx="7523249" cy="1447801"/>
+          </a:xfrm>
+          <a:prstGeom prst="rect">
+            <a:avLst/>
+          </a:prstGeom>
+          <a:noFill/>
+          <a:ln>
+            <a:noFill/>
+          </a:ln>
+          <a:effectLst/>
+          <a:extLst>
+            <a:ext uri="{909E8E84-426E-40DD-AFC4-6F175D3DCCD1}">
+              <a14:hiddenFill xmlns:a14="http://schemas.microsoft.com/office/drawing/2010/main">
+                <a:solidFill>
+                  <a:schemeClr val="accent1"/>
+                </a:solidFill>
+              </a14:hiddenFill>
+            </a:ext>
+            <a:ext uri="{91240B29-F687-4F45-9708-019B960494DF}">
+              <a14:hiddenLine xmlns:a14="http://schemas.microsoft.com/office/drawing/2010/main" w="9525">
+                <a:solidFill>
+                  <a:schemeClr val="tx1"/>
+                </a:solidFill>
+                <a:miter lim="800000"/>
+                <a:headEnd/>
+                <a:tailEnd/>
+              </a14:hiddenLine>
+            </a:ext>
+            <a:ext uri="{AF507438-7753-43E0-B8FC-AC1667EBCBE1}">
+              <a14:hiddenEffects xmlns:a14="http://schemas.microsoft.com/office/drawing/2010/main">
+                <a:effectLst>
+                  <a:outerShdw dist="35921" dir="2700000" algn="ctr" rotWithShape="0">
+                    <a:schemeClr val="bg2"/>
+                  </a:outerShdw>
+                </a:effectLst>
+              </a14:hiddenEffects>
+            </a:ext>
+          </a:extLst>
+        </p:spPr>
+      </p:pic>
+    </p:spTree>
+    <p:extLst>
+      <p:ext uri="{BB962C8B-B14F-4D97-AF65-F5344CB8AC3E}">
+        <p14:creationId xmlns:p14="http://schemas.microsoft.com/office/powerpoint/2010/main" val="3473232508"/>
+      </p:ext>
+    </p:extLst>
+  </p:cSld>
+  <p:clrMapOvr>
+    <a:masterClrMapping/>
+  </p:clrMapOvr>
+</p:sld>
+</file>
+
+<file path=ppt/slides/slide16.xml><?xml version="1.0" encoding="utf-8"?>
+<p:sld xmlns:a="http://schemas.openxmlformats.org/drawingml/2006/main" xmlns:r="http://schemas.openxmlformats.org/officeDocument/2006/relationships" xmlns:p="http://schemas.openxmlformats.org/presentationml/2006/main">
+  <p:cSld>
+    <p:spTree>
+      <p:nvGrpSpPr>
+        <p:cNvPr id="1" name=""/>
+        <p:cNvGrpSpPr/>
+        <p:nvPr/>
+      </p:nvGrpSpPr>
+      <p:grpSpPr>
+        <a:xfrm>
+          <a:off x="0" y="0"/>
+          <a:ext cx="0" cy="0"/>
+          <a:chOff x="0" y="0"/>
+          <a:chExt cx="0" cy="0"/>
+        </a:xfrm>
+      </p:grpSpPr>
+      <p:sp>
+        <p:nvSpPr>
+          <p:cNvPr id="2" name="Title 1"/>
+          <p:cNvSpPr>
+            <a:spLocks noGrp="1"/>
+          </p:cNvSpPr>
+          <p:nvPr>
+            <p:ph type="title"/>
+          </p:nvPr>
+        </p:nvSpPr>
+        <p:spPr/>
+        <p:txBody>
+          <a:bodyPr/>
+          <a:lstStyle/>
+          <a:p>
+            <a:r>
+              <a:rPr dirty="0"/>
+              <a:t>📊 </a:t>
+            </a:r>
+            <a:r>
+              <a:rPr lang="pt-BR" dirty="0" smtClean="0"/>
+              <a:t>   </a:t>
+            </a:r>
+            <a:r>
+              <a:rPr dirty="0" smtClean="0"/>
+              <a:t>EDA </a:t>
+            </a:r>
+            <a:r>
+              <a:rPr dirty="0"/>
+              <a:t>- Insights </a:t>
+            </a:r>
+            <a:r>
+              <a:rPr dirty="0" err="1"/>
+              <a:t>Visuais</a:t>
+            </a:r>
+            <a:endParaRPr dirty="0"/>
+          </a:p>
+        </p:txBody>
+      </p:sp>
+      <p:sp>
+        <p:nvSpPr>
+          <p:cNvPr id="3" name="Content Placeholder 2"/>
+          <p:cNvSpPr>
+            <a:spLocks noGrp="1"/>
+          </p:cNvSpPr>
+          <p:nvPr>
+            <p:ph idx="1"/>
+          </p:nvPr>
+        </p:nvSpPr>
+        <p:spPr/>
+        <p:txBody>
+          <a:bodyPr/>
+          <a:lstStyle/>
+          <a:p>
+            <a:r>
+              <a:rPr dirty="0"/>
+              <a:t>✔️ </a:t>
+            </a:r>
+            <a:r>
+              <a:rPr dirty="0" err="1"/>
+              <a:t>Distribuição</a:t>
+            </a:r>
+            <a:r>
+              <a:rPr dirty="0"/>
+              <a:t> de scores com </a:t>
+            </a:r>
+            <a:r>
+              <a:rPr dirty="0" err="1"/>
+              <a:t>picos</a:t>
+            </a:r>
+            <a:r>
+              <a:rPr dirty="0"/>
+              <a:t> </a:t>
+            </a:r>
+            <a:r>
+              <a:rPr dirty="0" err="1"/>
+              <a:t>positivos</a:t>
+            </a:r>
+            <a:endParaRPr dirty="0"/>
+          </a:p>
+          <a:p>
+            <a:r>
+              <a:rPr dirty="0"/>
+              <a:t>✔️ </a:t>
+            </a:r>
+            <a:r>
+              <a:rPr dirty="0" err="1"/>
+              <a:t>Autores</a:t>
+            </a:r>
+            <a:r>
+              <a:rPr dirty="0"/>
+              <a:t> com </a:t>
+            </a:r>
+            <a:r>
+              <a:rPr dirty="0" err="1"/>
+              <a:t>maior</a:t>
+            </a:r>
+            <a:r>
+              <a:rPr dirty="0"/>
+              <a:t> volume de reviews</a:t>
+            </a:r>
+          </a:p>
+          <a:p>
+            <a:r>
+              <a:rPr dirty="0"/>
+              <a:t>✔️ </a:t>
+            </a:r>
+            <a:r>
+              <a:rPr dirty="0" err="1"/>
+              <a:t>Sentimentos</a:t>
+            </a:r>
+            <a:r>
+              <a:rPr dirty="0"/>
+              <a:t> </a:t>
+            </a:r>
+            <a:r>
+              <a:rPr dirty="0" err="1"/>
+              <a:t>divergentes</a:t>
+            </a:r>
+            <a:r>
+              <a:rPr dirty="0"/>
+              <a:t> </a:t>
+            </a:r>
+            <a:r>
+              <a:rPr dirty="0" err="1"/>
+              <a:t>por</a:t>
+            </a:r>
+            <a:r>
+              <a:rPr dirty="0"/>
+              <a:t> </a:t>
+            </a:r>
+            <a:r>
+              <a:rPr dirty="0" err="1"/>
+              <a:t>categoria</a:t>
+            </a:r>
+            <a:endParaRPr dirty="0"/>
+          </a:p>
+        </p:txBody>
+      </p:sp>
+      <p:pic>
+        <p:nvPicPr>
+          <p:cNvPr id="17410" name="Picture 2"/>
+          <p:cNvPicPr>
+            <a:picLocks noChangeAspect="1" noChangeArrowheads="1"/>
+          </p:cNvPicPr>
+          <p:nvPr/>
+        </p:nvPicPr>
+        <p:blipFill>
+          <a:blip r:embed="rId2">
+            <a:extLst>
+              <a:ext uri="{28A0092B-C50C-407E-A947-70E740481C1C}">
+                <a14:useLocalDpi xmlns:a14="http://schemas.microsoft.com/office/drawing/2010/main" val="0"/>
+              </a:ext>
+            </a:extLst>
+          </a:blip>
+          <a:srcRect/>
+          <a:stretch>
+            <a:fillRect/>
+          </a:stretch>
+        </p:blipFill>
+        <p:spPr bwMode="auto">
+          <a:xfrm>
+            <a:off x="330087" y="3375025"/>
+            <a:ext cx="8356713" cy="3203575"/>
+          </a:xfrm>
+          <a:prstGeom prst="rect">
+            <a:avLst/>
+          </a:prstGeom>
+          <a:noFill/>
+          <a:ln>
+            <a:noFill/>
+          </a:ln>
+          <a:effectLst/>
+          <a:extLst>
+            <a:ext uri="{909E8E84-426E-40DD-AFC4-6F175D3DCCD1}">
+              <a14:hiddenFill xmlns:a14="http://schemas.microsoft.com/office/drawing/2010/main">
+                <a:solidFill>
+                  <a:schemeClr val="accent1"/>
+                </a:solidFill>
+              </a14:hiddenFill>
+            </a:ext>
+            <a:ext uri="{91240B29-F687-4F45-9708-019B960494DF}">
+              <a14:hiddenLine xmlns:a14="http://schemas.microsoft.com/office/drawing/2010/main" w="9525">
+                <a:solidFill>
+                  <a:schemeClr val="tx1"/>
+                </a:solidFill>
+                <a:miter lim="800000"/>
+                <a:headEnd/>
+                <a:tailEnd/>
+              </a14:hiddenLine>
+            </a:ext>
+            <a:ext uri="{AF507438-7753-43E0-B8FC-AC1667EBCBE1}">
+              <a14:hiddenEffects xmlns:a14="http://schemas.microsoft.com/office/drawing/2010/main">
+                <a:effectLst>
+                  <a:outerShdw dist="35921" dir="2700000" algn="ctr" rotWithShape="0">
+                    <a:schemeClr val="bg2"/>
+                  </a:outerShdw>
+                </a:effectLst>
+              </a14:hiddenEffects>
+            </a:ext>
+          </a:extLst>
+        </p:spPr>
+      </p:pic>
+    </p:spTree>
+    <p:extLst>
+      <p:ext uri="{BB962C8B-B14F-4D97-AF65-F5344CB8AC3E}">
+        <p14:creationId xmlns:p14="http://schemas.microsoft.com/office/powerpoint/2010/main" val="1983803190"/>
+      </p:ext>
+    </p:extLst>
+  </p:cSld>
+  <p:clrMapOvr>
+    <a:masterClrMapping/>
+  </p:clrMapOvr>
+</p:sld>
+</file>
+
+<file path=ppt/slides/slide17.xml><?xml version="1.0" encoding="utf-8"?>
+<p:sld xmlns:a="http://schemas.openxmlformats.org/drawingml/2006/main" xmlns:r="http://schemas.openxmlformats.org/officeDocument/2006/relationships" xmlns:p="http://schemas.openxmlformats.org/presentationml/2006/main">
+  <p:cSld>
+    <p:spTree>
+      <p:nvGrpSpPr>
+        <p:cNvPr id="1" name=""/>
+        <p:cNvGrpSpPr/>
+        <p:nvPr/>
+      </p:nvGrpSpPr>
+      <p:grpSpPr>
+        <a:xfrm>
+          <a:off x="0" y="0"/>
+          <a:ext cx="0" cy="0"/>
+          <a:chOff x="0" y="0"/>
+          <a:chExt cx="0" cy="0"/>
+        </a:xfrm>
+      </p:grpSpPr>
+      <p:sp>
+        <p:nvSpPr>
+          <p:cNvPr id="2" name="Title 1"/>
+          <p:cNvSpPr>
+            <a:spLocks noGrp="1"/>
+          </p:cNvSpPr>
+          <p:nvPr>
+            <p:ph type="title"/>
+          </p:nvPr>
+        </p:nvSpPr>
+        <p:spPr/>
+        <p:txBody>
+          <a:bodyPr/>
+          <a:lstStyle/>
+          <a:p>
+            <a:r>
+              <a:rPr dirty="0"/>
+              <a:t>⚙️ </a:t>
+            </a:r>
+            <a:r>
+              <a:rPr lang="pt-BR" dirty="0"/>
+              <a:t>T</a:t>
+            </a:r>
+            <a:r>
+              <a:rPr lang="pt-BR" dirty="0" smtClean="0"/>
+              <a:t>op </a:t>
+            </a:r>
+            <a:r>
+              <a:rPr lang="pt-BR" dirty="0"/>
+              <a:t>10 Categoria</a:t>
+            </a:r>
+            <a:endParaRPr dirty="0"/>
+          </a:p>
+        </p:txBody>
+      </p:sp>
+      <p:sp>
+        <p:nvSpPr>
+          <p:cNvPr id="3" name="Content Placeholder 2"/>
+          <p:cNvSpPr>
+            <a:spLocks noGrp="1"/>
+          </p:cNvSpPr>
+          <p:nvPr>
+            <p:ph idx="1"/>
+          </p:nvPr>
+        </p:nvSpPr>
+        <p:spPr/>
+        <p:txBody>
+          <a:bodyPr/>
+          <a:lstStyle/>
+          <a:p>
+            <a:pPr marL="0" indent="0">
+              <a:buNone/>
+            </a:pPr>
+            <a:r>
+              <a:rPr lang="pt-BR" dirty="0" smtClean="0"/>
+              <a:t>                          Distribuição top 10 Categoria</a:t>
+            </a:r>
+            <a:endParaRPr dirty="0" smtClean="0"/>
+          </a:p>
+          <a:p>
+            <a:pPr marL="0" indent="0">
+              <a:buNone/>
+            </a:pPr>
+            <a:endParaRPr dirty="0"/>
+          </a:p>
+        </p:txBody>
+      </p:sp>
+      <p:pic>
+        <p:nvPicPr>
+          <p:cNvPr id="11266" name="Picture 2"/>
+          <p:cNvPicPr>
+            <a:picLocks noChangeAspect="1" noChangeArrowheads="1"/>
+          </p:cNvPicPr>
+          <p:nvPr/>
+        </p:nvPicPr>
+        <p:blipFill>
+          <a:blip r:embed="rId2">
+            <a:extLst>
+              <a:ext uri="{28A0092B-C50C-407E-A947-70E740481C1C}">
+                <a14:useLocalDpi xmlns:a14="http://schemas.microsoft.com/office/drawing/2010/main" val="0"/>
+              </a:ext>
+            </a:extLst>
+          </a:blip>
+          <a:srcRect/>
+          <a:stretch>
+            <a:fillRect/>
+          </a:stretch>
+        </p:blipFill>
+        <p:spPr bwMode="auto">
+          <a:xfrm>
+            <a:off x="695324" y="2171700"/>
+            <a:ext cx="7254876" cy="3378200"/>
+          </a:xfrm>
+          <a:prstGeom prst="rect">
+            <a:avLst/>
+          </a:prstGeom>
+          <a:noFill/>
+          <a:ln>
+            <a:noFill/>
+          </a:ln>
+          <a:effectLst/>
+          <a:extLst>
+            <a:ext uri="{909E8E84-426E-40DD-AFC4-6F175D3DCCD1}">
+              <a14:hiddenFill xmlns:a14="http://schemas.microsoft.com/office/drawing/2010/main">
+                <a:solidFill>
+                  <a:schemeClr val="accent1"/>
+                </a:solidFill>
+              </a14:hiddenFill>
+            </a:ext>
+            <a:ext uri="{91240B29-F687-4F45-9708-019B960494DF}">
+              <a14:hiddenLine xmlns:a14="http://schemas.microsoft.com/office/drawing/2010/main" w="9525">
+                <a:solidFill>
+                  <a:schemeClr val="tx1"/>
+                </a:solidFill>
+                <a:miter lim="800000"/>
+                <a:headEnd/>
+                <a:tailEnd/>
+              </a14:hiddenLine>
+            </a:ext>
+            <a:ext uri="{AF507438-7753-43E0-B8FC-AC1667EBCBE1}">
+              <a14:hiddenEffects xmlns:a14="http://schemas.microsoft.com/office/drawing/2010/main">
+                <a:effectLst>
+                  <a:outerShdw dist="35921" dir="2700000" algn="ctr" rotWithShape="0">
+                    <a:schemeClr val="bg2"/>
+                  </a:outerShdw>
+                </a:effectLst>
+              </a14:hiddenEffects>
+            </a:ext>
+          </a:extLst>
+        </p:spPr>
+      </p:pic>
+      <p:pic>
+        <p:nvPicPr>
+          <p:cNvPr id="11267" name="Picture 3"/>
+          <p:cNvPicPr>
+            <a:picLocks noChangeAspect="1" noChangeArrowheads="1"/>
+          </p:cNvPicPr>
+          <p:nvPr/>
+        </p:nvPicPr>
+        <p:blipFill>
+          <a:blip r:embed="rId3">
+            <a:extLst>
+              <a:ext uri="{28A0092B-C50C-407E-A947-70E740481C1C}">
+                <a14:useLocalDpi xmlns:a14="http://schemas.microsoft.com/office/drawing/2010/main" val="0"/>
+              </a:ext>
+            </a:extLst>
+          </a:blip>
+          <a:srcRect/>
+          <a:stretch>
+            <a:fillRect/>
+          </a:stretch>
+        </p:blipFill>
+        <p:spPr bwMode="auto">
+          <a:xfrm>
+            <a:off x="974724" y="5818188"/>
+            <a:ext cx="6040437" cy="981075"/>
+          </a:xfrm>
+          <a:prstGeom prst="rect">
+            <a:avLst/>
+          </a:prstGeom>
+          <a:noFill/>
+          <a:ln>
+            <a:noFill/>
+          </a:ln>
+          <a:effectLst/>
+          <a:extLst>
+            <a:ext uri="{909E8E84-426E-40DD-AFC4-6F175D3DCCD1}">
+              <a14:hiddenFill xmlns:a14="http://schemas.microsoft.com/office/drawing/2010/main">
+                <a:solidFill>
+                  <a:schemeClr val="accent1"/>
+                </a:solidFill>
+              </a14:hiddenFill>
+            </a:ext>
+            <a:ext uri="{91240B29-F687-4F45-9708-019B960494DF}">
+              <a14:hiddenLine xmlns:a14="http://schemas.microsoft.com/office/drawing/2010/main" w="9525">
+                <a:solidFill>
+                  <a:schemeClr val="tx1"/>
+                </a:solidFill>
+                <a:miter lim="800000"/>
+                <a:headEnd/>
+                <a:tailEnd/>
+              </a14:hiddenLine>
+            </a:ext>
+            <a:ext uri="{AF507438-7753-43E0-B8FC-AC1667EBCBE1}">
+              <a14:hiddenEffects xmlns:a14="http://schemas.microsoft.com/office/drawing/2010/main">
+                <a:effectLst>
+                  <a:outerShdw dist="35921" dir="2700000" algn="ctr" rotWithShape="0">
+                    <a:schemeClr val="bg2"/>
+                  </a:outerShdw>
+                </a:effectLst>
+              </a14:hiddenEffects>
+            </a:ext>
+          </a:extLst>
+        </p:spPr>
+      </p:pic>
+    </p:spTree>
+    <p:extLst>
+      <p:ext uri="{BB962C8B-B14F-4D97-AF65-F5344CB8AC3E}">
+        <p14:creationId xmlns:p14="http://schemas.microsoft.com/office/powerpoint/2010/main" val="3506052226"/>
+      </p:ext>
+    </p:extLst>
+  </p:cSld>
+  <p:clrMapOvr>
+    <a:masterClrMapping/>
+  </p:clrMapOvr>
+</p:sld>
+</file>
+
+<file path=ppt/slides/slide18.xml><?xml version="1.0" encoding="utf-8"?>
+<p:sld xmlns:a="http://schemas.openxmlformats.org/drawingml/2006/main" xmlns:r="http://schemas.openxmlformats.org/officeDocument/2006/relationships" xmlns:p="http://schemas.openxmlformats.org/presentationml/2006/main">
+  <p:cSld>
+    <p:spTree>
+      <p:nvGrpSpPr>
+        <p:cNvPr id="1" name=""/>
+        <p:cNvGrpSpPr/>
+        <p:nvPr/>
+      </p:nvGrpSpPr>
+      <p:grpSpPr>
+        <a:xfrm>
+          <a:off x="0" y="0"/>
+          <a:ext cx="0" cy="0"/>
+          <a:chOff x="0" y="0"/>
+          <a:chExt cx="0" cy="0"/>
+        </a:xfrm>
+      </p:grpSpPr>
+      <p:sp>
+        <p:nvSpPr>
+          <p:cNvPr id="2" name="Title 1"/>
+          <p:cNvSpPr>
+            <a:spLocks noGrp="1"/>
+          </p:cNvSpPr>
+          <p:nvPr>
+            <p:ph type="title"/>
+          </p:nvPr>
+        </p:nvSpPr>
+        <p:spPr/>
+        <p:txBody>
+          <a:bodyPr/>
+          <a:lstStyle/>
+          <a:p>
+            <a:r>
+              <a:rPr dirty="0"/>
+              <a:t>⚙️ </a:t>
+            </a:r>
+            <a:r>
+              <a:rPr lang="pt-BR" dirty="0"/>
+              <a:t>⚙️ Top 10 </a:t>
+            </a:r>
+            <a:r>
+              <a:rPr lang="pt-BR" dirty="0" smtClean="0"/>
+              <a:t>Livros</a:t>
+            </a:r>
+            <a:endParaRPr dirty="0"/>
+          </a:p>
+        </p:txBody>
+      </p:sp>
+      <p:sp>
+        <p:nvSpPr>
+          <p:cNvPr id="3" name="Content Placeholder 2"/>
+          <p:cNvSpPr>
+            <a:spLocks noGrp="1"/>
+          </p:cNvSpPr>
+          <p:nvPr>
+            <p:ph idx="1"/>
+          </p:nvPr>
+        </p:nvSpPr>
+        <p:spPr/>
+        <p:txBody>
+          <a:bodyPr/>
+          <a:lstStyle/>
+          <a:p>
+            <a:pPr marL="0" indent="0">
+              <a:buNone/>
+            </a:pPr>
+            <a:endParaRPr dirty="0"/>
+          </a:p>
+        </p:txBody>
+      </p:sp>
+      <p:pic>
+        <p:nvPicPr>
+          <p:cNvPr id="12290" name="Picture 2"/>
+          <p:cNvPicPr>
+            <a:picLocks noChangeAspect="1" noChangeArrowheads="1"/>
+          </p:cNvPicPr>
+          <p:nvPr/>
+        </p:nvPicPr>
+        <p:blipFill>
+          <a:blip r:embed="rId2">
+            <a:extLst>
+              <a:ext uri="{28A0092B-C50C-407E-A947-70E740481C1C}">
+                <a14:useLocalDpi xmlns:a14="http://schemas.microsoft.com/office/drawing/2010/main" val="0"/>
+              </a:ext>
+            </a:extLst>
+          </a:blip>
+          <a:srcRect/>
+          <a:stretch>
+            <a:fillRect/>
+          </a:stretch>
+        </p:blipFill>
+        <p:spPr bwMode="auto">
+          <a:xfrm>
+            <a:off x="457200" y="1317624"/>
+            <a:ext cx="7524750" cy="4117975"/>
+          </a:xfrm>
+          <a:prstGeom prst="rect">
+            <a:avLst/>
+          </a:prstGeom>
+          <a:noFill/>
+          <a:ln>
+            <a:noFill/>
+          </a:ln>
+          <a:effectLst/>
+          <a:extLst>
+            <a:ext uri="{909E8E84-426E-40DD-AFC4-6F175D3DCCD1}">
+              <a14:hiddenFill xmlns:a14="http://schemas.microsoft.com/office/drawing/2010/main">
+                <a:solidFill>
+                  <a:schemeClr val="accent1"/>
+                </a:solidFill>
+              </a14:hiddenFill>
+            </a:ext>
+            <a:ext uri="{91240B29-F687-4F45-9708-019B960494DF}">
+              <a14:hiddenLine xmlns:a14="http://schemas.microsoft.com/office/drawing/2010/main" w="9525">
+                <a:solidFill>
+                  <a:schemeClr val="tx1"/>
+                </a:solidFill>
+                <a:miter lim="800000"/>
+                <a:headEnd/>
+                <a:tailEnd/>
+              </a14:hiddenLine>
+            </a:ext>
+            <a:ext uri="{AF507438-7753-43E0-B8FC-AC1667EBCBE1}">
+              <a14:hiddenEffects xmlns:a14="http://schemas.microsoft.com/office/drawing/2010/main">
+                <a:effectLst>
+                  <a:outerShdw dist="35921" dir="2700000" algn="ctr" rotWithShape="0">
+                    <a:schemeClr val="bg2"/>
+                  </a:outerShdw>
+                </a:effectLst>
+              </a14:hiddenEffects>
+            </a:ext>
+          </a:extLst>
+        </p:spPr>
+      </p:pic>
+      <p:pic>
+        <p:nvPicPr>
+          <p:cNvPr id="12291" name="Picture 3"/>
+          <p:cNvPicPr>
+            <a:picLocks noChangeAspect="1" noChangeArrowheads="1"/>
+          </p:cNvPicPr>
+          <p:nvPr/>
+        </p:nvPicPr>
+        <p:blipFill>
+          <a:blip r:embed="rId3">
+            <a:extLst>
+              <a:ext uri="{28A0092B-C50C-407E-A947-70E740481C1C}">
+                <a14:useLocalDpi xmlns:a14="http://schemas.microsoft.com/office/drawing/2010/main" val="0"/>
+              </a:ext>
+            </a:extLst>
+          </a:blip>
+          <a:srcRect/>
+          <a:stretch>
+            <a:fillRect/>
+          </a:stretch>
+        </p:blipFill>
+        <p:spPr bwMode="auto">
+          <a:xfrm>
+            <a:off x="1622425" y="5270500"/>
+            <a:ext cx="5897563" cy="1028700"/>
+          </a:xfrm>
+          <a:prstGeom prst="rect">
+            <a:avLst/>
+          </a:prstGeom>
+          <a:noFill/>
+          <a:ln>
+            <a:noFill/>
+          </a:ln>
+          <a:effectLst/>
+          <a:extLst>
+            <a:ext uri="{909E8E84-426E-40DD-AFC4-6F175D3DCCD1}">
+              <a14:hiddenFill xmlns:a14="http://schemas.microsoft.com/office/drawing/2010/main">
+                <a:solidFill>
+                  <a:schemeClr val="accent1"/>
+                </a:solidFill>
+              </a14:hiddenFill>
+            </a:ext>
+            <a:ext uri="{91240B29-F687-4F45-9708-019B960494DF}">
+              <a14:hiddenLine xmlns:a14="http://schemas.microsoft.com/office/drawing/2010/main" w="9525">
+                <a:solidFill>
+                  <a:schemeClr val="tx1"/>
+                </a:solidFill>
+                <a:miter lim="800000"/>
+                <a:headEnd/>
+                <a:tailEnd/>
+              </a14:hiddenLine>
+            </a:ext>
+            <a:ext uri="{AF507438-7753-43E0-B8FC-AC1667EBCBE1}">
+              <a14:hiddenEffects xmlns:a14="http://schemas.microsoft.com/office/drawing/2010/main">
+                <a:effectLst>
+                  <a:outerShdw dist="35921" dir="2700000" algn="ctr" rotWithShape="0">
+                    <a:schemeClr val="bg2"/>
+                  </a:outerShdw>
+                </a:effectLst>
+              </a14:hiddenEffects>
+            </a:ext>
+          </a:extLst>
+        </p:spPr>
+      </p:pic>
+    </p:spTree>
+    <p:extLst>
+      <p:ext uri="{BB962C8B-B14F-4D97-AF65-F5344CB8AC3E}">
+        <p14:creationId xmlns:p14="http://schemas.microsoft.com/office/powerpoint/2010/main" val="3332844045"/>
+      </p:ext>
+    </p:extLst>
+  </p:cSld>
+  <p:clrMapOvr>
+    <a:masterClrMapping/>
+  </p:clrMapOvr>
+</p:sld>
+</file>
+
+<file path=ppt/slides/slide19.xml><?xml version="1.0" encoding="utf-8"?>
+<p:sld xmlns:a="http://schemas.openxmlformats.org/drawingml/2006/main" xmlns:r="http://schemas.openxmlformats.org/officeDocument/2006/relationships" xmlns:p="http://schemas.openxmlformats.org/presentationml/2006/main">
+  <p:cSld>
+    <p:spTree>
+      <p:nvGrpSpPr>
+        <p:cNvPr id="1" name=""/>
+        <p:cNvGrpSpPr/>
+        <p:nvPr/>
+      </p:nvGrpSpPr>
+      <p:grpSpPr>
+        <a:xfrm>
+          <a:off x="0" y="0"/>
+          <a:ext cx="0" cy="0"/>
+          <a:chOff x="0" y="0"/>
+          <a:chExt cx="0" cy="0"/>
+        </a:xfrm>
+      </p:grpSpPr>
+      <p:sp>
+        <p:nvSpPr>
+          <p:cNvPr id="2" name="Title 1"/>
+          <p:cNvSpPr>
+            <a:spLocks noGrp="1"/>
+          </p:cNvSpPr>
+          <p:nvPr>
+            <p:ph type="title"/>
+          </p:nvPr>
+        </p:nvSpPr>
+        <p:spPr>
+          <a:xfrm>
+            <a:off x="228600" y="274638"/>
+            <a:ext cx="8229600" cy="1143000"/>
+          </a:xfrm>
+        </p:spPr>
+        <p:txBody>
+          <a:bodyPr>
+            <a:normAutofit fontScale="90000"/>
+          </a:bodyPr>
+          <a:lstStyle/>
+          <a:p>
+            <a:r>
+              <a:rPr dirty="0"/>
+              <a:t>🤔 </a:t>
+            </a:r>
+            <a:r>
+              <a:rPr lang="pt-BR" dirty="0" smtClean="0"/>
+              <a:t>    </a:t>
+            </a:r>
+            <a:r>
+              <a:rPr lang="pt-BR" dirty="0"/>
+              <a:t>Notas Altas </a:t>
+            </a:r>
+            <a:r>
+              <a:rPr lang="pt-BR" dirty="0" smtClean="0"/>
+              <a:t>Sentimentos </a:t>
+            </a:r>
+            <a:r>
+              <a:rPr lang="pt-BR" dirty="0"/>
+              <a:t>Negativos</a:t>
+            </a:r>
+            <a:endParaRPr dirty="0"/>
+          </a:p>
+        </p:txBody>
+      </p:sp>
+      <p:pic>
+        <p:nvPicPr>
+          <p:cNvPr id="13315" name="Picture 3"/>
+          <p:cNvPicPr>
+            <a:picLocks noGrp="1" noChangeAspect="1" noChangeArrowheads="1"/>
+          </p:cNvPicPr>
+          <p:nvPr>
+            <p:ph idx="1"/>
+          </p:nvPr>
+        </p:nvPicPr>
+        <p:blipFill>
+          <a:blip r:embed="rId2">
+            <a:extLst>
+              <a:ext uri="{28A0092B-C50C-407E-A947-70E740481C1C}">
+                <a14:useLocalDpi xmlns:a14="http://schemas.microsoft.com/office/drawing/2010/main" val="0"/>
+              </a:ext>
+            </a:extLst>
+          </a:blip>
+          <a:srcRect/>
+          <a:stretch>
+            <a:fillRect/>
+          </a:stretch>
+        </p:blipFill>
+        <p:spPr bwMode="auto">
+          <a:xfrm>
+            <a:off x="585231" y="1924573"/>
+            <a:ext cx="7973538" cy="3877216"/>
+          </a:xfrm>
+          <a:prstGeom prst="rect">
+            <a:avLst/>
+          </a:prstGeom>
+          <a:noFill/>
+          <a:ln>
+            <a:noFill/>
+          </a:ln>
+          <a:effectLst/>
+          <a:extLst>
+            <a:ext uri="{909E8E84-426E-40DD-AFC4-6F175D3DCCD1}">
+              <a14:hiddenFill xmlns:a14="http://schemas.microsoft.com/office/drawing/2010/main">
+                <a:solidFill>
+                  <a:schemeClr val="accent1"/>
+                </a:solidFill>
+              </a14:hiddenFill>
+            </a:ext>
+            <a:ext uri="{91240B29-F687-4F45-9708-019B960494DF}">
+              <a14:hiddenLine xmlns:a14="http://schemas.microsoft.com/office/drawing/2010/main" w="9525">
+                <a:solidFill>
+                  <a:schemeClr val="tx1"/>
+                </a:solidFill>
+                <a:miter lim="800000"/>
+                <a:headEnd/>
+                <a:tailEnd/>
+              </a14:hiddenLine>
+            </a:ext>
+            <a:ext uri="{AF507438-7753-43E0-B8FC-AC1667EBCBE1}">
+              <a14:hiddenEffects xmlns:a14="http://schemas.microsoft.com/office/drawing/2010/main">
+                <a:effectLst>
+                  <a:outerShdw dist="35921" dir="2700000" algn="ctr" rotWithShape="0">
+                    <a:schemeClr val="bg2"/>
+                  </a:outerShdw>
+                </a:effectLst>
+              </a14:hiddenEffects>
+            </a:ext>
+          </a:extLst>
+        </p:spPr>
+      </p:pic>
+    </p:spTree>
+  </p:cSld>
+  <p:clrMapOvr>
+    <a:masterClrMapping/>
+  </p:clrMapOvr>
+</p:sld>
+</file>
+
+<file path=ppt/slides/slide2.xml><?xml version="1.0" encoding="utf-8"?>
+<p:sld xmlns:a="http://schemas.openxmlformats.org/drawingml/2006/main" xmlns:r="http://schemas.openxmlformats.org/officeDocument/2006/relationships" xmlns:p="http://schemas.openxmlformats.org/presentationml/2006/main">
+  <p:cSld>
+    <p:spTree>
+      <p:nvGrpSpPr>
+        <p:cNvPr id="1" name=""/>
+        <p:cNvGrpSpPr/>
+        <p:nvPr/>
+      </p:nvGrpSpPr>
+      <p:grpSpPr>
+        <a:xfrm>
+          <a:off x="0" y="0"/>
+          <a:ext cx="0" cy="0"/>
+          <a:chOff x="0" y="0"/>
+          <a:chExt cx="0" cy="0"/>
+        </a:xfrm>
+      </p:grpSpPr>
+      <p:sp>
+        <p:nvSpPr>
+          <p:cNvPr id="2" name="Title 1"/>
+          <p:cNvSpPr>
+            <a:spLocks noGrp="1"/>
+          </p:cNvSpPr>
+          <p:nvPr>
+            <p:ph type="title"/>
+          </p:nvPr>
+        </p:nvSpPr>
+        <p:spPr/>
+        <p:txBody>
+          <a:bodyPr/>
+          <a:lstStyle/>
+          <a:p>
+            <a:r>
+              <a:rPr dirty="0"/>
+              <a:t>🗺️ Roadmap</a:t>
+            </a:r>
+          </a:p>
+        </p:txBody>
+      </p:sp>
+      <p:sp>
+        <p:nvSpPr>
+          <p:cNvPr id="3" name="Content Placeholder 2"/>
+          <p:cNvSpPr>
+            <a:spLocks noGrp="1"/>
+          </p:cNvSpPr>
+          <p:nvPr>
+            <p:ph idx="1"/>
+          </p:nvPr>
+        </p:nvSpPr>
+        <p:spPr/>
+        <p:txBody>
+          <a:bodyPr/>
+          <a:lstStyle/>
+          <a:p>
+            <a:r>
+              <a:rPr dirty="0"/>
+              <a:t>✅ </a:t>
+            </a:r>
+            <a:r>
+              <a:rPr dirty="0" err="1"/>
+              <a:t>Análise</a:t>
+            </a:r>
+            <a:r>
+              <a:rPr dirty="0"/>
+              <a:t> </a:t>
+            </a:r>
+            <a:r>
+              <a:rPr dirty="0" err="1"/>
+              <a:t>Exploratória</a:t>
+            </a:r>
+            <a:r>
+              <a:rPr dirty="0"/>
+              <a:t> de Dados</a:t>
+            </a:r>
+          </a:p>
+          <a:p>
+            <a:r>
+              <a:rPr dirty="0"/>
+              <a:t>✅ </a:t>
+            </a:r>
+            <a:r>
+              <a:rPr dirty="0" err="1"/>
+              <a:t>Processamento</a:t>
+            </a:r>
+            <a:r>
+              <a:rPr dirty="0"/>
+              <a:t> de </a:t>
+            </a:r>
+            <a:r>
+              <a:rPr dirty="0" err="1"/>
+              <a:t>Texto</a:t>
+            </a:r>
+            <a:r>
+              <a:rPr dirty="0"/>
+              <a:t> (NLP)</a:t>
+            </a:r>
+          </a:p>
+          <a:p>
+            <a:r>
+              <a:rPr dirty="0"/>
+              <a:t>✅ </a:t>
+            </a:r>
+            <a:r>
+              <a:rPr dirty="0" err="1"/>
+              <a:t>Embeddings</a:t>
+            </a:r>
+            <a:r>
+              <a:rPr dirty="0"/>
+              <a:t> + FAISS </a:t>
+            </a:r>
+            <a:r>
+              <a:rPr dirty="0" err="1"/>
+              <a:t>para</a:t>
+            </a:r>
+            <a:r>
+              <a:rPr dirty="0"/>
+              <a:t> </a:t>
+            </a:r>
+            <a:r>
+              <a:rPr dirty="0" err="1"/>
+              <a:t>busca</a:t>
+            </a:r>
+            <a:endParaRPr dirty="0"/>
+          </a:p>
+          <a:p>
+            <a:r>
+              <a:rPr dirty="0"/>
+              <a:t>✅ </a:t>
+            </a:r>
+            <a:r>
+              <a:rPr dirty="0" err="1"/>
+              <a:t>Sumarização</a:t>
+            </a:r>
+            <a:r>
+              <a:rPr dirty="0"/>
+              <a:t> com LLM</a:t>
+            </a:r>
+          </a:p>
+          <a:p>
+            <a:r>
+              <a:rPr dirty="0"/>
+              <a:t>🔜 </a:t>
+            </a:r>
+            <a:r>
+              <a:rPr lang="pt-BR" dirty="0" smtClean="0"/>
+              <a:t>   </a:t>
+            </a:r>
+            <a:r>
+              <a:rPr dirty="0" err="1" smtClean="0"/>
+              <a:t>Integração</a:t>
+            </a:r>
+            <a:r>
+              <a:rPr dirty="0" smtClean="0"/>
+              <a:t> </a:t>
+            </a:r>
+            <a:r>
+              <a:rPr dirty="0"/>
+              <a:t>com </a:t>
+            </a:r>
+            <a:r>
+              <a:rPr lang="pt-BR" dirty="0"/>
+              <a:t>(</a:t>
+            </a:r>
+            <a:r>
+              <a:rPr lang="pt-BR" dirty="0" err="1"/>
+              <a:t>Streamlit</a:t>
+            </a:r>
+            <a:r>
+              <a:rPr lang="pt-BR" dirty="0"/>
+              <a:t>) </a:t>
+            </a:r>
+            <a:r>
+              <a:rPr dirty="0" smtClean="0"/>
+              <a:t>interface Web</a:t>
+            </a:r>
+            <a:endParaRPr dirty="0"/>
+          </a:p>
+          <a:p>
+            <a:r>
+              <a:rPr dirty="0"/>
+              <a:t>🔜 </a:t>
+            </a:r>
+            <a:r>
+              <a:rPr lang="pt-BR" dirty="0" smtClean="0"/>
+              <a:t>   </a:t>
+            </a:r>
+            <a:r>
+              <a:rPr dirty="0" smtClean="0"/>
+              <a:t>Dashboard </a:t>
+            </a:r>
+            <a:r>
+              <a:rPr dirty="0" err="1"/>
+              <a:t>para</a:t>
+            </a:r>
+            <a:r>
+              <a:rPr dirty="0"/>
+              <a:t> </a:t>
+            </a:r>
+            <a:r>
+              <a:rPr dirty="0" err="1"/>
+              <a:t>curadoria</a:t>
+            </a:r>
+            <a:r>
+              <a:rPr dirty="0"/>
+              <a:t> </a:t>
+            </a:r>
+            <a:r>
+              <a:rPr dirty="0" err="1"/>
+              <a:t>inteligente</a:t>
+            </a:r>
+            <a:endParaRPr dirty="0"/>
+          </a:p>
+        </p:txBody>
+      </p:sp>
+    </p:spTree>
+  </p:cSld>
+  <p:clrMapOvr>
+    <a:masterClrMapping/>
+  </p:clrMapOvr>
+</p:sld>
+</file>
+
+<file path=ppt/slides/slide20.xml><?xml version="1.0" encoding="utf-8"?>
+<p:sld xmlns:a="http://schemas.openxmlformats.org/drawingml/2006/main" xmlns:r="http://schemas.openxmlformats.org/officeDocument/2006/relationships" xmlns:p="http://schemas.openxmlformats.org/presentationml/2006/main">
+  <p:cSld>
+    <p:spTree>
+      <p:nvGrpSpPr>
+        <p:cNvPr id="1" name=""/>
+        <p:cNvGrpSpPr/>
+        <p:nvPr/>
+      </p:nvGrpSpPr>
+      <p:grpSpPr>
+        <a:xfrm>
+          <a:off x="0" y="0"/>
+          <a:ext cx="0" cy="0"/>
+          <a:chOff x="0" y="0"/>
+          <a:chExt cx="0" cy="0"/>
+        </a:xfrm>
+      </p:grpSpPr>
+      <p:sp>
+        <p:nvSpPr>
+          <p:cNvPr id="2" name="Title 1"/>
+          <p:cNvSpPr>
+            <a:spLocks noGrp="1"/>
+          </p:cNvSpPr>
+          <p:nvPr>
+            <p:ph type="title"/>
+          </p:nvPr>
+        </p:nvSpPr>
+        <p:spPr/>
+        <p:txBody>
+          <a:bodyPr/>
+          <a:lstStyle/>
+          <a:p>
+            <a:r>
+              <a:rPr dirty="0"/>
+              <a:t>📊 </a:t>
+            </a:r>
+            <a:r>
+              <a:rPr lang="pt-BR" dirty="0" smtClean="0"/>
+              <a:t>   </a:t>
+            </a:r>
+            <a:r>
+              <a:rPr dirty="0" smtClean="0"/>
+              <a:t>EDA </a:t>
+            </a:r>
+            <a:r>
+              <a:rPr dirty="0"/>
+              <a:t>- Insights </a:t>
+            </a:r>
+            <a:r>
+              <a:rPr dirty="0" err="1"/>
+              <a:t>Visuais</a:t>
+            </a:r>
+            <a:endParaRPr dirty="0"/>
+          </a:p>
+        </p:txBody>
+      </p:sp>
+      <p:sp>
+        <p:nvSpPr>
+          <p:cNvPr id="3" name="Content Placeholder 2"/>
+          <p:cNvSpPr>
+            <a:spLocks noGrp="1"/>
+          </p:cNvSpPr>
+          <p:nvPr>
+            <p:ph idx="1"/>
+          </p:nvPr>
+        </p:nvSpPr>
+        <p:spPr/>
+        <p:txBody>
+          <a:bodyPr/>
+          <a:lstStyle/>
+          <a:p>
+            <a:r>
+              <a:rPr dirty="0"/>
+              <a:t>✔️ </a:t>
+            </a:r>
+            <a:r>
+              <a:rPr dirty="0" err="1"/>
+              <a:t>Distribuição</a:t>
+            </a:r>
+            <a:r>
+              <a:rPr dirty="0"/>
+              <a:t> de scores com </a:t>
+            </a:r>
+            <a:r>
+              <a:rPr dirty="0" err="1"/>
+              <a:t>picos</a:t>
+            </a:r>
+            <a:r>
+              <a:rPr dirty="0"/>
+              <a:t> </a:t>
+            </a:r>
+            <a:r>
+              <a:rPr dirty="0" err="1"/>
+              <a:t>positivos</a:t>
+            </a:r>
+            <a:endParaRPr dirty="0"/>
+          </a:p>
+          <a:p>
+            <a:r>
+              <a:rPr dirty="0"/>
+              <a:t>✔️ </a:t>
+            </a:r>
+            <a:r>
+              <a:rPr dirty="0" err="1"/>
+              <a:t>Autores</a:t>
+            </a:r>
+            <a:r>
+              <a:rPr dirty="0"/>
+              <a:t> com </a:t>
+            </a:r>
+            <a:r>
+              <a:rPr dirty="0" err="1"/>
+              <a:t>maior</a:t>
+            </a:r>
+            <a:r>
+              <a:rPr dirty="0"/>
+              <a:t> volume de reviews</a:t>
+            </a:r>
+          </a:p>
+          <a:p>
+            <a:r>
+              <a:rPr dirty="0"/>
+              <a:t>✔️ </a:t>
+            </a:r>
+            <a:r>
+              <a:rPr dirty="0" err="1"/>
+              <a:t>Sentimentos</a:t>
+            </a:r>
+            <a:r>
+              <a:rPr dirty="0"/>
+              <a:t> </a:t>
+            </a:r>
+            <a:r>
+              <a:rPr dirty="0" err="1" smtClean="0"/>
+              <a:t>divergentes</a:t>
+            </a:r>
+            <a:r>
+              <a:rPr dirty="0" smtClean="0"/>
+              <a:t> </a:t>
+            </a:r>
+            <a:r>
+              <a:rPr dirty="0" err="1"/>
+              <a:t>por</a:t>
+            </a:r>
+            <a:r>
+              <a:rPr dirty="0"/>
+              <a:t> </a:t>
+            </a:r>
+            <a:r>
+              <a:rPr dirty="0" err="1" smtClean="0"/>
+              <a:t>categoria</a:t>
+            </a:r>
+            <a:r>
+              <a:rPr lang="pt-BR" dirty="0"/>
+              <a:t/>
+            </a:r>
+            <a:br>
+              <a:rPr lang="pt-BR" dirty="0"/>
+            </a:br>
+            <a:r>
+              <a:rPr lang="pt-BR" dirty="0"/>
+              <a:t>✔️ Sentimentos </a:t>
+            </a:r>
+            <a:r>
+              <a:rPr lang="pt-BR" dirty="0" smtClean="0"/>
+              <a:t>por </a:t>
+            </a:r>
+            <a:r>
+              <a:rPr lang="pt-BR" dirty="0"/>
+              <a:t>Editora</a:t>
+            </a:r>
+            <a:endParaRPr dirty="0"/>
+          </a:p>
+        </p:txBody>
+      </p:sp>
+    </p:spTree>
+    <p:extLst>
+      <p:ext uri="{BB962C8B-B14F-4D97-AF65-F5344CB8AC3E}">
+        <p14:creationId xmlns:p14="http://schemas.microsoft.com/office/powerpoint/2010/main" val="1526708901"/>
+      </p:ext>
+    </p:extLst>
+  </p:cSld>
+  <p:clrMapOvr>
+    <a:masterClrMapping/>
+  </p:clrMapOvr>
+</p:sld>
+</file>
+
+<file path=ppt/slides/slide21.xml><?xml version="1.0" encoding="utf-8"?>
+<p:sld xmlns:a="http://schemas.openxmlformats.org/drawingml/2006/main" xmlns:r="http://schemas.openxmlformats.org/officeDocument/2006/relationships" xmlns:p="http://schemas.openxmlformats.org/presentationml/2006/main">
+  <p:cSld>
+    <p:spTree>
+      <p:nvGrpSpPr>
+        <p:cNvPr id="1" name=""/>
+        <p:cNvGrpSpPr/>
+        <p:nvPr/>
+      </p:nvGrpSpPr>
+      <p:grpSpPr>
+        <a:xfrm>
+          <a:off x="0" y="0"/>
+          <a:ext cx="0" cy="0"/>
+          <a:chOff x="0" y="0"/>
+          <a:chExt cx="0" cy="0"/>
+        </a:xfrm>
+      </p:grpSpPr>
+      <p:sp>
+        <p:nvSpPr>
+          <p:cNvPr id="2" name="Title 1"/>
+          <p:cNvSpPr>
+            <a:spLocks noGrp="1"/>
+          </p:cNvSpPr>
+          <p:nvPr>
+            <p:ph type="title"/>
+          </p:nvPr>
+        </p:nvSpPr>
+        <p:spPr>
+          <a:xfrm>
+            <a:off x="228600" y="274638"/>
+            <a:ext cx="8229600" cy="1143000"/>
+          </a:xfrm>
+        </p:spPr>
+        <p:txBody>
+          <a:bodyPr/>
+          <a:lstStyle/>
+          <a:p>
+            <a:r>
+              <a:rPr dirty="0"/>
+              <a:t>🤔 </a:t>
+            </a:r>
+            <a:r>
+              <a:rPr lang="pt-BR" dirty="0" smtClean="0"/>
+              <a:t>    </a:t>
+            </a:r>
+            <a:r>
+              <a:rPr dirty="0" err="1" smtClean="0"/>
+              <a:t>Hipóteses</a:t>
+            </a:r>
+            <a:r>
+              <a:rPr dirty="0" smtClean="0"/>
+              <a:t> </a:t>
+            </a:r>
+            <a:r>
+              <a:rPr dirty="0" err="1"/>
+              <a:t>Testadas</a:t>
+            </a:r>
+            <a:endParaRPr dirty="0"/>
+          </a:p>
+        </p:txBody>
+      </p:sp>
+      <p:sp>
+        <p:nvSpPr>
+          <p:cNvPr id="3" name="Content Placeholder 2"/>
+          <p:cNvSpPr>
+            <a:spLocks noGrp="1"/>
+          </p:cNvSpPr>
+          <p:nvPr>
+            <p:ph idx="1"/>
+          </p:nvPr>
+        </p:nvSpPr>
+        <p:spPr/>
+        <p:txBody>
+          <a:bodyPr/>
+          <a:lstStyle/>
+          <a:p>
+            <a:r>
+              <a:rPr dirty="0"/>
+              <a:t>- </a:t>
+            </a:r>
+            <a:r>
+              <a:rPr dirty="0" err="1"/>
+              <a:t>Há</a:t>
+            </a:r>
+            <a:r>
+              <a:rPr dirty="0"/>
+              <a:t> </a:t>
+            </a:r>
+            <a:r>
+              <a:rPr dirty="0" err="1"/>
+              <a:t>discrepância</a:t>
+            </a:r>
+            <a:r>
+              <a:rPr dirty="0"/>
+              <a:t> entre nota e </a:t>
+            </a:r>
+            <a:r>
+              <a:rPr dirty="0" err="1"/>
+              <a:t>sentimento</a:t>
+            </a:r>
+            <a:r>
+              <a:rPr dirty="0"/>
+              <a:t> textual</a:t>
+            </a:r>
+          </a:p>
+          <a:p>
+            <a:r>
+              <a:rPr dirty="0"/>
+              <a:t>- </a:t>
+            </a:r>
+            <a:r>
+              <a:rPr dirty="0" err="1"/>
+              <a:t>Autores</a:t>
+            </a:r>
+            <a:r>
+              <a:rPr dirty="0"/>
+              <a:t> </a:t>
+            </a:r>
+            <a:r>
+              <a:rPr dirty="0" err="1"/>
+              <a:t>mais</a:t>
+            </a:r>
+            <a:r>
+              <a:rPr dirty="0"/>
+              <a:t> </a:t>
+            </a:r>
+            <a:r>
+              <a:rPr dirty="0" err="1"/>
+              <a:t>comentados</a:t>
+            </a:r>
+            <a:r>
+              <a:rPr dirty="0"/>
+              <a:t> </a:t>
+            </a:r>
+            <a:r>
+              <a:rPr dirty="0" err="1"/>
+              <a:t>nem</a:t>
+            </a:r>
+            <a:r>
+              <a:rPr dirty="0"/>
+              <a:t> </a:t>
+            </a:r>
+            <a:r>
+              <a:rPr dirty="0" err="1"/>
+              <a:t>sempre</a:t>
+            </a:r>
+            <a:r>
+              <a:rPr dirty="0"/>
+              <a:t> </a:t>
+            </a:r>
+            <a:r>
+              <a:rPr dirty="0" err="1"/>
+              <a:t>têm</a:t>
+            </a:r>
+            <a:r>
+              <a:rPr dirty="0"/>
+              <a:t> </a:t>
+            </a:r>
+            <a:r>
+              <a:rPr dirty="0" err="1"/>
+              <a:t>melhor</a:t>
+            </a:r>
+            <a:r>
+              <a:rPr dirty="0"/>
+              <a:t> </a:t>
+            </a:r>
+            <a:r>
+              <a:rPr dirty="0" err="1"/>
+              <a:t>avaliação</a:t>
+            </a:r>
+            <a:endParaRPr dirty="0"/>
+          </a:p>
+          <a:p>
+            <a:r>
+              <a:rPr dirty="0"/>
+              <a:t>- </a:t>
+            </a:r>
+            <a:r>
+              <a:rPr dirty="0" err="1"/>
+              <a:t>Gêneros</a:t>
+            </a:r>
+            <a:r>
+              <a:rPr dirty="0"/>
+              <a:t> </a:t>
+            </a:r>
+            <a:r>
+              <a:rPr dirty="0" err="1"/>
+              <a:t>específicos</a:t>
+            </a:r>
+            <a:r>
+              <a:rPr dirty="0"/>
+              <a:t> </a:t>
+            </a:r>
+            <a:r>
+              <a:rPr dirty="0" err="1"/>
+              <a:t>têm</a:t>
+            </a:r>
+            <a:r>
+              <a:rPr dirty="0"/>
+              <a:t> </a:t>
+            </a:r>
+            <a:r>
+              <a:rPr dirty="0" err="1"/>
+              <a:t>polarizações</a:t>
+            </a:r>
+            <a:r>
+              <a:rPr dirty="0"/>
+              <a:t> </a:t>
+            </a:r>
+            <a:r>
+              <a:rPr dirty="0" err="1"/>
+              <a:t>emocionais</a:t>
+            </a:r>
+            <a:endParaRPr dirty="0"/>
+          </a:p>
+        </p:txBody>
+      </p:sp>
+    </p:spTree>
+    <p:extLst>
+      <p:ext uri="{BB962C8B-B14F-4D97-AF65-F5344CB8AC3E}">
+        <p14:creationId xmlns:p14="http://schemas.microsoft.com/office/powerpoint/2010/main" val="1762500414"/>
+      </p:ext>
+    </p:extLst>
+  </p:cSld>
+  <p:clrMapOvr>
+    <a:masterClrMapping/>
+  </p:clrMapOvr>
+</p:sld>
+</file>
+
+<file path=ppt/slides/slide22.xml><?xml version="1.0" encoding="utf-8"?>
+<p:sld xmlns:a="http://schemas.openxmlformats.org/drawingml/2006/main" xmlns:r="http://schemas.openxmlformats.org/officeDocument/2006/relationships" xmlns:p="http://schemas.openxmlformats.org/presentationml/2006/main">
+  <p:cSld>
+    <p:spTree>
+      <p:nvGrpSpPr>
+        <p:cNvPr id="1" name=""/>
+        <p:cNvGrpSpPr/>
+        <p:nvPr/>
+      </p:nvGrpSpPr>
+      <p:grpSpPr>
+        <a:xfrm>
+          <a:off x="0" y="0"/>
+          <a:ext cx="0" cy="0"/>
+          <a:chOff x="0" y="0"/>
+          <a:chExt cx="0" cy="0"/>
+        </a:xfrm>
+      </p:grpSpPr>
+      <p:sp>
+        <p:nvSpPr>
+          <p:cNvPr id="2" name="Title 1"/>
+          <p:cNvSpPr>
+            <a:spLocks noGrp="1"/>
+          </p:cNvSpPr>
+          <p:nvPr>
+            <p:ph type="title"/>
+          </p:nvPr>
+        </p:nvSpPr>
+        <p:spPr/>
+        <p:txBody>
+          <a:bodyPr/>
+          <a:lstStyle/>
+          <a:p>
+            <a:r>
+              <a:rPr dirty="0"/>
+              <a:t>⚙️ </a:t>
+            </a:r>
+            <a:r>
+              <a:rPr lang="pt-BR" dirty="0" err="1"/>
+              <a:t>W</a:t>
+            </a:r>
+            <a:r>
+              <a:rPr lang="pt-BR" dirty="0" err="1" smtClean="0"/>
+              <a:t>ordcloud</a:t>
+            </a:r>
+            <a:r>
+              <a:rPr lang="pt-BR" dirty="0" smtClean="0"/>
+              <a:t> Positivo</a:t>
+            </a:r>
+            <a:endParaRPr dirty="0"/>
+          </a:p>
+        </p:txBody>
+      </p:sp>
+      <p:sp>
+        <p:nvSpPr>
+          <p:cNvPr id="3" name="Content Placeholder 2"/>
+          <p:cNvSpPr>
+            <a:spLocks noGrp="1"/>
+          </p:cNvSpPr>
+          <p:nvPr>
+            <p:ph idx="1"/>
+          </p:nvPr>
+        </p:nvSpPr>
+        <p:spPr/>
+        <p:txBody>
+          <a:bodyPr/>
+          <a:lstStyle/>
+          <a:p>
+            <a:r>
+              <a:rPr dirty="0"/>
+              <a:t>1. </a:t>
+            </a:r>
+            <a:r>
+              <a:rPr dirty="0" err="1"/>
+              <a:t>Limpeza</a:t>
+            </a:r>
+            <a:r>
+              <a:rPr dirty="0"/>
+              <a:t> e </a:t>
+            </a:r>
+            <a:r>
+              <a:rPr dirty="0" err="1"/>
+              <a:t>normalização</a:t>
+            </a:r>
+            <a:r>
+              <a:rPr dirty="0"/>
+              <a:t> dos </a:t>
+            </a:r>
+            <a:r>
+              <a:rPr dirty="0" err="1" smtClean="0"/>
+              <a:t>textos</a:t>
+            </a:r>
+            <a:endParaRPr lang="pt-BR" dirty="0" smtClean="0"/>
+          </a:p>
+          <a:p>
+            <a:r>
+              <a:rPr lang="pt-BR" dirty="0" smtClean="0">
+                <a:sym typeface="Wingdings" pitchFamily="2" charset="2"/>
+              </a:rPr>
+              <a:t>NLP </a:t>
             </a:r>
             <a:r>
               <a:rPr lang="pt-BR" dirty="0" err="1"/>
@@ -3381,7 +6866,7 @@
 </p:sld>
 </file>
 
-<file path=ppt/slides/slide11.xml><?xml version="1.0" encoding="utf-8"?>
+<file path=ppt/slides/slide23.xml><?xml version="1.0" encoding="utf-8"?>
 <p:sld xmlns:a="http://schemas.openxmlformats.org/drawingml/2006/main" xmlns:r="http://schemas.openxmlformats.org/officeDocument/2006/relationships" xmlns:p="http://schemas.openxmlformats.org/presentationml/2006/main">
   <p:cSld>
     <p:spTree>
@@ -3414,8 +6899,22 @@
           <a:lstStyle/>
           <a:p>
             <a:r>
-              <a:t>⚙️ Pipeline de Solução</a:t>
-            </a:r>
+              <a:rPr dirty="0"/>
+              <a:t>⚙️ </a:t>
+            </a:r>
+            <a:r>
+              <a:rPr lang="pt-BR" dirty="0" err="1"/>
+              <a:t>Wordcloud</a:t>
+            </a:r>
+            <a:r>
+              <a:rPr lang="pt-BR" dirty="0"/>
+              <a:t> </a:t>
+            </a:r>
+            <a:r>
+              <a:rPr lang="pt-BR" dirty="0" smtClean="0"/>
+              <a:t>Negativo</a:t>
+            </a:r>
+            <a:endParaRPr dirty="0"/>
           </a:p>
         </p:txBody>
       </p:sp>
@@ -3461,15 +6960,11 @@
             <a:endParaRPr dirty="0"/>
           </a:p>
           <a:p>
-            <a:r>
-              <a:rPr lang="pt-BR" dirty="0" smtClean="0"/>
-              <a:t>Script EDA_NLP_Livros.py </a:t>
-            </a:r>
             <a:r>
               <a:rPr lang="pt-BR" dirty="0" smtClean="0">
                 <a:sym typeface="Wingdings" pitchFamily="2" charset="2"/>
               </a:rPr>
-              <a:t> NLP </a:t>
+              <a:t>NLP </a:t>
             </a:r>
             <a:r>
               <a:rPr lang="pt-BR" dirty="0" err="1"/>
@@ -3571,7 +7066,7 @@
 </p:sld>
 </file>
 
-<file path=ppt/slides/slide12.xml><?xml version="1.0" encoding="utf-8"?>
+<file path=ppt/slides/slide24.xml><?xml version="1.0" encoding="utf-8"?>
 <p:sld xmlns:a="http://schemas.openxmlformats.org/drawingml/2006/main" xmlns:r="http://schemas.openxmlformats.org/officeDocument/2006/relationships" xmlns:p="http://schemas.openxmlformats.org/presentationml/2006/main">
   <p:cSld>
     <p:spTree>
@@ -3598,583 +7093,20 @@
             <p:ph type="title"/>
           </p:nvPr>
         </p:nvSpPr>
-        <p:spPr>
-          <a:xfrm>
-            <a:off x="228600" y="274638"/>
-            <a:ext cx="8229600" cy="1143000"/>
-          </a:xfrm>
-        </p:spPr>
-        <p:txBody>
-          <a:bodyPr/>
+        <p:spPr/>
+        <p:txBody>
+          <a:bodyPr>
+            <a:normAutofit fontScale="90000"/>
+          </a:bodyPr>
           <a:lstStyle/>
           <a:p>
             <a:r>
-              <a:rPr dirty="0"/>
-              <a:t>🤔 </a:t>
-            </a:r>
-            <a:r>
               <a:rPr lang="pt-BR" dirty="0" smtClean="0"/>
-              <a:t>    </a:t>
-            </a:r>
-            <a:r>
-              <a:rPr dirty="0" err="1" smtClean="0"/>
-              <a:t>Hipóteses</a:t>
-            </a:r>
-            <a:r>
-              <a:rPr dirty="0" smtClean="0"/>
-              <a:t> </a:t>
-            </a:r>
-            <a:r>
-              <a:rPr dirty="0" err="1"/>
-              <a:t>Testadas</a:t>
-            </a:r>
-            <a:endParaRPr dirty="0"/>
-          </a:p>
-        </p:txBody>
-      </p:sp>
-      <p:sp>
-        <p:nvSpPr>
-          <p:cNvPr id="3" name="Content Placeholder 2"/>
-          <p:cNvSpPr>
-            <a:spLocks noGrp="1"/>
-          </p:cNvSpPr>
-          <p:nvPr>
-            <p:ph idx="1"/>
-          </p:nvPr>
-        </p:nvSpPr>
-        <p:spPr/>
-        <p:txBody>
-          <a:bodyPr/>
-          <a:lstStyle/>
-          <a:p>
-            <a:r>
-              <a:rPr dirty="0"/>
-              <a:t>- </a:t>
-            </a:r>
-            <a:r>
-              <a:rPr dirty="0" err="1"/>
-              <a:t>Há</a:t>
-            </a:r>
-            <a:r>
-              <a:rPr dirty="0"/>
-              <a:t> </a:t>
-            </a:r>
-            <a:r>
-              <a:rPr dirty="0" err="1"/>
-              <a:t>discrepância</a:t>
-            </a:r>
-            <a:r>
-              <a:rPr dirty="0"/>
-              <a:t> entre nota e </a:t>
-            </a:r>
-            <a:r>
-              <a:rPr dirty="0" err="1"/>
-              <a:t>sentimento</a:t>
-            </a:r>
-            <a:r>
-              <a:rPr dirty="0"/>
-              <a:t> textual</a:t>
-            </a:r>
-          </a:p>
-          <a:p>
-            <a:r>
-              <a:rPr dirty="0"/>
-              <a:t>- </a:t>
-            </a:r>
-            <a:r>
-              <a:rPr dirty="0" err="1"/>
-              <a:t>Autores</a:t>
-            </a:r>
-            <a:r>
-              <a:rPr dirty="0"/>
-              <a:t> </a:t>
-            </a:r>
-            <a:r>
-              <a:rPr dirty="0" err="1"/>
-              <a:t>mais</a:t>
-            </a:r>
-            <a:r>
-              <a:rPr dirty="0"/>
-              <a:t> </a:t>
-            </a:r>
-            <a:r>
-              <a:rPr dirty="0" err="1"/>
-              <a:t>comentados</a:t>
-            </a:r>
-            <a:r>
-              <a:rPr dirty="0"/>
-              <a:t> </a:t>
-            </a:r>
-            <a:r>
-              <a:rPr dirty="0" err="1"/>
-              <a:t>nem</a:t>
-            </a:r>
-            <a:r>
-              <a:rPr dirty="0"/>
-              <a:t> </a:t>
-            </a:r>
-            <a:r>
-              <a:rPr dirty="0" err="1"/>
-              <a:t>sempre</a:t>
-            </a:r>
-            <a:r>
-              <a:rPr dirty="0"/>
-              <a:t> </a:t>
-            </a:r>
-            <a:r>
-              <a:rPr dirty="0" err="1"/>
-              <a:t>têm</a:t>
-            </a:r>
-            <a:r>
-              <a:rPr dirty="0"/>
-              <a:t> </a:t>
-            </a:r>
-            <a:r>
-              <a:rPr dirty="0" err="1"/>
-              <a:t>melhor</a:t>
-            </a:r>
-            <a:r>
-              <a:rPr dirty="0"/>
-              <a:t> </a:t>
-            </a:r>
-            <a:r>
-              <a:rPr dirty="0" err="1"/>
-              <a:t>avaliação</a:t>
-            </a:r>
-            <a:endParaRPr dirty="0"/>
-          </a:p>
-          <a:p>
-            <a:r>
-              <a:rPr dirty="0"/>
-              <a:t>- </a:t>
-            </a:r>
-            <a:r>
-              <a:rPr dirty="0" err="1"/>
-              <a:t>Gêneros</a:t>
-            </a:r>
-            <a:r>
-              <a:rPr dirty="0"/>
-              <a:t> </a:t>
-            </a:r>
-            <a:r>
-              <a:rPr dirty="0" err="1"/>
-              <a:t>específicos</a:t>
-            </a:r>
-            <a:r>
-              <a:rPr dirty="0"/>
-              <a:t> </a:t>
-            </a:r>
-            <a:r>
-              <a:rPr dirty="0" err="1"/>
-              <a:t>têm</a:t>
-            </a:r>
-            <a:r>
-              <a:rPr dirty="0"/>
-              <a:t> </a:t>
-            </a:r>
-            <a:r>
-              <a:rPr dirty="0" err="1"/>
-              <a:t>polarizações</a:t>
-            </a:r>
-            <a:r>
-              <a:rPr dirty="0"/>
-              <a:t> </a:t>
-            </a:r>
-            <a:r>
-              <a:rPr dirty="0" err="1"/>
-              <a:t>emocionais</a:t>
-            </a:r>
-            <a:endParaRPr dirty="0"/>
-          </a:p>
-        </p:txBody>
-      </p:sp>
-    </p:spTree>
-  </p:cSld>
-  <p:clrMapOvr>
-    <a:masterClrMapping/>
-  </p:clrMapOvr>
-</p:sld>
-</file>
-
-<file path=ppt/slides/slide13.xml><?xml version="1.0" encoding="utf-8"?>
-<p:sld xmlns:a="http://schemas.openxmlformats.org/drawingml/2006/main" xmlns:r="http://schemas.openxmlformats.org/officeDocument/2006/relationships" xmlns:p="http://schemas.openxmlformats.org/presentationml/2006/main">
-  <p:cSld>
-    <p:spTree>
-      <p:nvGrpSpPr>
-        <p:cNvPr id="1" name=""/>
-        <p:cNvGrpSpPr/>
-        <p:nvPr/>
-      </p:nvGrpSpPr>
-      <p:grpSpPr>
-        <a:xfrm>
-          <a:off x="0" y="0"/>
-          <a:ext cx="0" cy="0"/>
-          <a:chOff x="0" y="0"/>
-          <a:chExt cx="0" cy="0"/>
-        </a:xfrm>
-      </p:grpSpPr>
-      <p:sp>
-        <p:nvSpPr>
-          <p:cNvPr id="2" name="Title 1"/>
-          <p:cNvSpPr>
-            <a:spLocks noGrp="1"/>
-          </p:cNvSpPr>
-          <p:nvPr>
-            <p:ph type="title"/>
-          </p:nvPr>
-        </p:nvSpPr>
-        <p:spPr/>
-        <p:txBody>
-          <a:bodyPr/>
-          <a:lstStyle/>
-          <a:p>
-            <a:r>
-              <a:rPr dirty="0"/>
-              <a:t>📊 </a:t>
-            </a:r>
-            <a:r>
-              <a:rPr lang="pt-BR" dirty="0" smtClean="0"/>
-              <a:t>   </a:t>
-            </a:r>
-            <a:r>
-              <a:rPr dirty="0" smtClean="0"/>
-              <a:t>EDA </a:t>
-            </a:r>
-            <a:r>
-              <a:rPr dirty="0"/>
-              <a:t>- Insights </a:t>
-            </a:r>
-            <a:r>
-              <a:rPr dirty="0" err="1"/>
-              <a:t>Visuais</a:t>
-            </a:r>
-            <a:endParaRPr dirty="0"/>
-          </a:p>
-        </p:txBody>
-      </p:sp>
-      <p:sp>
-        <p:nvSpPr>
-          <p:cNvPr id="3" name="Content Placeholder 2"/>
-          <p:cNvSpPr>
-            <a:spLocks noGrp="1"/>
-          </p:cNvSpPr>
-          <p:nvPr>
-            <p:ph idx="1"/>
-          </p:nvPr>
-        </p:nvSpPr>
-        <p:spPr/>
-        <p:txBody>
-          <a:bodyPr/>
-          <a:lstStyle/>
-          <a:p>
-            <a:r>
-              <a:rPr dirty="0"/>
-              <a:t>✔️ </a:t>
-            </a:r>
-            <a:r>
-              <a:rPr dirty="0" err="1"/>
-              <a:t>Distribuição</a:t>
-            </a:r>
-            <a:r>
-              <a:rPr dirty="0"/>
-              <a:t> de scores com </a:t>
-            </a:r>
-            <a:r>
-              <a:rPr dirty="0" err="1"/>
-              <a:t>picos</a:t>
-            </a:r>
-            <a:r>
-              <a:rPr dirty="0"/>
-              <a:t> </a:t>
-            </a:r>
-            <a:r>
-              <a:rPr dirty="0" err="1"/>
-              <a:t>positivos</a:t>
-            </a:r>
-            <a:endParaRPr dirty="0"/>
-          </a:p>
-          <a:p>
-            <a:r>
-              <a:rPr dirty="0"/>
-              <a:t>✔️ </a:t>
-            </a:r>
-            <a:r>
-              <a:rPr dirty="0" err="1"/>
-              <a:t>Autores</a:t>
-            </a:r>
-            <a:r>
-              <a:rPr dirty="0"/>
-              <a:t> com </a:t>
-            </a:r>
-            <a:r>
-              <a:rPr dirty="0" err="1"/>
-              <a:t>maior</a:t>
-            </a:r>
-            <a:r>
-              <a:rPr dirty="0"/>
-              <a:t> volume de reviews</a:t>
-            </a:r>
-          </a:p>
-          <a:p>
-            <a:r>
-              <a:rPr dirty="0"/>
-              <a:t>✔️ </a:t>
-            </a:r>
-            <a:r>
-              <a:rPr dirty="0" err="1"/>
-              <a:t>Sentimentos</a:t>
-            </a:r>
-            <a:r>
-              <a:rPr dirty="0"/>
-              <a:t> </a:t>
-            </a:r>
-            <a:r>
-              <a:rPr dirty="0" err="1"/>
-              <a:t>divergentes</a:t>
-            </a:r>
-            <a:r>
-              <a:rPr dirty="0"/>
-              <a:t> </a:t>
-            </a:r>
-            <a:r>
-              <a:rPr dirty="0" err="1"/>
-              <a:t>por</a:t>
-            </a:r>
-            <a:r>
-              <a:rPr dirty="0"/>
-              <a:t> </a:t>
-            </a:r>
-            <a:r>
-              <a:rPr dirty="0" err="1"/>
-              <a:t>categoria</a:t>
-            </a:r>
-            <a:endParaRPr dirty="0"/>
-          </a:p>
-        </p:txBody>
-      </p:sp>
-      <p:pic>
-        <p:nvPicPr>
-          <p:cNvPr id="17410" name="Picture 2"/>
-          <p:cNvPicPr>
-            <a:picLocks noChangeAspect="1" noChangeArrowheads="1"/>
-          </p:cNvPicPr>
-          <p:nvPr/>
-        </p:nvPicPr>
-        <p:blipFill>
-          <a:blip r:embed="rId2">
-            <a:extLst>
-              <a:ext uri="{28A0092B-C50C-407E-A947-70E740481C1C}">
-                <a14:useLocalDpi xmlns:a14="http://schemas.microsoft.com/office/drawing/2010/main" val="0"/>
-              </a:ext>
-            </a:extLst>
-          </a:blip>
-          <a:srcRect/>
-          <a:stretch>
-            <a:fillRect/>
-          </a:stretch>
-        </p:blipFill>
-        <p:spPr bwMode="auto">
-          <a:xfrm>
-            <a:off x="330087" y="3375025"/>
-            <a:ext cx="8356713" cy="3203575"/>
-          </a:xfrm>
-          <a:prstGeom prst="rect">
-            <a:avLst/>
-          </a:prstGeom>
-          <a:noFill/>
-          <a:ln>
-            <a:noFill/>
-          </a:ln>
-          <a:effectLst/>
-          <a:extLst>
-            <a:ext uri="{909E8E84-426E-40DD-AFC4-6F175D3DCCD1}">
-              <a14:hiddenFill xmlns:a14="http://schemas.microsoft.com/office/drawing/2010/main">
-                <a:solidFill>
-                  <a:schemeClr val="accent1"/>
-                </a:solidFill>
-              </a14:hiddenFill>
-            </a:ext>
-            <a:ext uri="{91240B29-F687-4F45-9708-019B960494DF}">
-              <a14:hiddenLine xmlns:a14="http://schemas.microsoft.com/office/drawing/2010/main" w="9525">
-                <a:solidFill>
-                  <a:schemeClr val="tx1"/>
-                </a:solidFill>
-                <a:miter lim="800000"/>
-                <a:headEnd/>
-                <a:tailEnd/>
-              </a14:hiddenLine>
-            </a:ext>
-            <a:ext uri="{AF507438-7753-43E0-B8FC-AC1667EBCBE1}">
-              <a14:hiddenEffects xmlns:a14="http://schemas.microsoft.com/office/drawing/2010/main">
-                <a:effectLst>
-                  <a:outerShdw dist="35921" dir="2700000" algn="ctr" rotWithShape="0">
-                    <a:schemeClr val="bg2"/>
-                  </a:outerShdw>
-                </a:effectLst>
-              </a14:hiddenEffects>
-            </a:ext>
-          </a:extLst>
-        </p:spPr>
-      </p:pic>
-    </p:spTree>
-  </p:cSld>
-  <p:clrMapOvr>
-    <a:masterClrMapping/>
-  </p:clrMapOvr>
-</p:sld>
-</file>
-
-<file path=ppt/slides/slide14.xml><?xml version="1.0" encoding="utf-8"?>
-<p:sld xmlns:a="http://schemas.openxmlformats.org/drawingml/2006/main" xmlns:r="http://schemas.openxmlformats.org/officeDocument/2006/relationships" xmlns:p="http://schemas.openxmlformats.org/presentationml/2006/main">
-  <p:cSld>
-    <p:spTree>
-      <p:nvGrpSpPr>
-        <p:cNvPr id="1" name=""/>
-        <p:cNvGrpSpPr/>
-        <p:nvPr/>
-      </p:nvGrpSpPr>
-      <p:grpSpPr>
-        <a:xfrm>
-          <a:off x="0" y="0"/>
-          <a:ext cx="0" cy="0"/>
-          <a:chOff x="0" y="0"/>
-          <a:chExt cx="0" cy="0"/>
-        </a:xfrm>
-      </p:grpSpPr>
-      <p:sp>
-        <p:nvSpPr>
-          <p:cNvPr id="2" name="Title 1"/>
-          <p:cNvSpPr>
-            <a:spLocks noGrp="1"/>
-          </p:cNvSpPr>
-          <p:nvPr>
-            <p:ph type="title"/>
-          </p:nvPr>
-        </p:nvSpPr>
-        <p:spPr/>
-        <p:txBody>
-          <a:bodyPr/>
-          <a:lstStyle/>
-          <a:p>
-            <a:r>
-              <a:rPr dirty="0"/>
-              <a:t>📊 </a:t>
-            </a:r>
-            <a:r>
-              <a:rPr lang="pt-BR" dirty="0" smtClean="0"/>
-              <a:t>   </a:t>
-            </a:r>
-            <a:r>
-              <a:rPr dirty="0" smtClean="0"/>
-              <a:t>EDA </a:t>
-            </a:r>
-            <a:r>
-              <a:rPr dirty="0"/>
-              <a:t>- Insights </a:t>
-            </a:r>
-            <a:r>
-              <a:rPr dirty="0" err="1"/>
-              <a:t>Visuais</a:t>
-            </a:r>
-            <a:endParaRPr dirty="0"/>
-          </a:p>
-        </p:txBody>
-      </p:sp>
-      <p:sp>
-        <p:nvSpPr>
-          <p:cNvPr id="3" name="Content Placeholder 2"/>
-          <p:cNvSpPr>
-            <a:spLocks noGrp="1"/>
-          </p:cNvSpPr>
-          <p:nvPr>
-            <p:ph idx="1"/>
-          </p:nvPr>
-        </p:nvSpPr>
-        <p:spPr/>
-        <p:txBody>
-          <a:bodyPr/>
-          <a:lstStyle/>
-          <a:p>
-            <a:r>
-              <a:rPr dirty="0"/>
-              <a:t>✔️ </a:t>
-            </a:r>
-            <a:r>
-              <a:rPr dirty="0" err="1"/>
-              <a:t>Distribuição</a:t>
-            </a:r>
-            <a:r>
-              <a:rPr dirty="0"/>
-              <a:t> de scores com </a:t>
-            </a:r>
-            <a:r>
-              <a:rPr dirty="0" err="1"/>
-              <a:t>picos</a:t>
-            </a:r>
-            <a:r>
-              <a:rPr dirty="0"/>
-              <a:t> </a:t>
-            </a:r>
-            <a:r>
-              <a:rPr dirty="0" err="1"/>
-              <a:t>positivos</a:t>
-            </a:r>
-            <a:endParaRPr dirty="0"/>
-          </a:p>
-          <a:p>
-            <a:r>
-              <a:rPr dirty="0"/>
-              <a:t>✔️ </a:t>
-            </a:r>
-            <a:r>
-              <a:rPr dirty="0" err="1"/>
-              <a:t>Autores</a:t>
-            </a:r>
-            <a:r>
-              <a:rPr dirty="0"/>
-              <a:t> com </a:t>
-            </a:r>
-            <a:r>
-              <a:rPr dirty="0" err="1"/>
-              <a:t>maior</a:t>
-            </a:r>
-            <a:r>
-              <a:rPr dirty="0"/>
-              <a:t> volume de reviews</a:t>
-            </a:r>
-          </a:p>
-          <a:p>
-            <a:r>
-              <a:rPr dirty="0"/>
-              <a:t>✔️ </a:t>
-            </a:r>
-            <a:r>
-              <a:rPr dirty="0" err="1"/>
-              <a:t>Sentimentos</a:t>
-            </a:r>
-            <a:r>
-              <a:rPr dirty="0"/>
-              <a:t> </a:t>
-            </a:r>
-            <a:r>
-              <a:rPr dirty="0" err="1" smtClean="0"/>
-              <a:t>divergentes</a:t>
-            </a:r>
-            <a:r>
-              <a:rPr dirty="0" smtClean="0"/>
-              <a:t> </a:t>
-            </a:r>
-            <a:r>
-              <a:rPr dirty="0" err="1"/>
-              <a:t>por</a:t>
-            </a:r>
-            <a:r>
-              <a:rPr dirty="0"/>
-              <a:t> </a:t>
-            </a:r>
-            <a:r>
-              <a:rPr dirty="0" err="1" smtClean="0"/>
-              <a:t>categoria</a:t>
+              <a:t>Modelo LLM </a:t>
+            </a:r>
+            <a:r>
+              <a:rPr lang="pt-BR" dirty="0" err="1" smtClean="0"/>
+              <a:t>SentenceTransformer</a:t>
             </a:r>
             <a:r>
               <a:rPr lang="pt-BR" dirty="0"/>
@@ -4183,151 +7115,6 @@
             <a:br>
               <a:rPr lang="pt-BR" dirty="0"/>
             </a:br>
-            <a:r>
-              <a:rPr lang="pt-BR" dirty="0"/>
-              <a:t>✔️ Sentimentos </a:t>
-            </a:r>
-            <a:r>
-              <a:rPr lang="pt-BR" dirty="0" smtClean="0"/>
-              <a:t>por </a:t>
-            </a:r>
-            <a:r>
-              <a:rPr lang="pt-BR" dirty="0"/>
-              <a:t>Editora</a:t>
-            </a:r>
-            <a:endParaRPr dirty="0"/>
-          </a:p>
-        </p:txBody>
-      </p:sp>
-      <p:pic>
-        <p:nvPicPr>
-          <p:cNvPr id="21506" name="Picture 2"/>
-          <p:cNvPicPr>
-            <a:picLocks noChangeAspect="1" noChangeArrowheads="1"/>
-          </p:cNvPicPr>
-          <p:nvPr/>
-        </p:nvPicPr>
-        <p:blipFill>
-          <a:blip r:embed="rId2">
-            <a:extLst>
-              <a:ext uri="{28A0092B-C50C-407E-A947-70E740481C1C}">
-                <a14:useLocalDpi xmlns:a14="http://schemas.microsoft.com/office/drawing/2010/main" val="0"/>
-              </a:ext>
-            </a:extLst>
-          </a:blip>
-          <a:srcRect/>
-          <a:stretch>
-            <a:fillRect/>
-          </a:stretch>
-        </p:blipFill>
-        <p:spPr bwMode="auto">
-          <a:xfrm>
-            <a:off x="101600" y="3870324"/>
-            <a:ext cx="8991600" cy="2860675"/>
-          </a:xfrm>
-          <a:prstGeom prst="rect">
-            <a:avLst/>
-          </a:prstGeom>
-          <a:noFill/>
-          <a:ln>
-            <a:noFill/>
-          </a:ln>
-          <a:effectLst/>
-          <a:extLst>
-            <a:ext uri="{909E8E84-426E-40DD-AFC4-6F175D3DCCD1}">
-              <a14:hiddenFill xmlns:a14="http://schemas.microsoft.com/office/drawing/2010/main">
-                <a:solidFill>
-                  <a:schemeClr val="accent1"/>
-                </a:solidFill>
-              </a14:hiddenFill>
-            </a:ext>
-            <a:ext uri="{91240B29-F687-4F45-9708-019B960494DF}">
-              <a14:hiddenLine xmlns:a14="http://schemas.microsoft.com/office/drawing/2010/main" w="9525">
-                <a:solidFill>
-                  <a:schemeClr val="tx1"/>
-                </a:solidFill>
-                <a:miter lim="800000"/>
-                <a:headEnd/>
-                <a:tailEnd/>
-              </a14:hiddenLine>
-            </a:ext>
-            <a:ext uri="{AF507438-7753-43E0-B8FC-AC1667EBCBE1}">
-              <a14:hiddenEffects xmlns:a14="http://schemas.microsoft.com/office/drawing/2010/main">
-                <a:effectLst>
-                  <a:outerShdw dist="35921" dir="2700000" algn="ctr" rotWithShape="0">
-                    <a:schemeClr val="bg2"/>
-                  </a:outerShdw>
-                </a:effectLst>
-              </a14:hiddenEffects>
-            </a:ext>
-          </a:extLst>
-        </p:spPr>
-      </p:pic>
-    </p:spTree>
-    <p:extLst>
-      <p:ext uri="{BB962C8B-B14F-4D97-AF65-F5344CB8AC3E}">
-        <p14:creationId xmlns:p14="http://schemas.microsoft.com/office/powerpoint/2010/main" val="1526708901"/>
-      </p:ext>
-    </p:extLst>
-  </p:cSld>
-  <p:clrMapOvr>
-    <a:masterClrMapping/>
-  </p:clrMapOvr>
-</p:sld>
-</file>
-
-<file path=ppt/slides/slide15.xml><?xml version="1.0" encoding="utf-8"?>
-<p:sld xmlns:a="http://schemas.openxmlformats.org/drawingml/2006/main" xmlns:r="http://schemas.openxmlformats.org/officeDocument/2006/relationships" xmlns:p="http://schemas.openxmlformats.org/presentationml/2006/main">
-  <p:cSld>
-    <p:spTree>
-      <p:nvGrpSpPr>
-        <p:cNvPr id="1" name=""/>
-        <p:cNvGrpSpPr/>
-        <p:nvPr/>
-      </p:nvGrpSpPr>
-      <p:grpSpPr>
-        <a:xfrm>
-          <a:off x="0" y="0"/>
-          <a:ext cx="0" cy="0"/>
-          <a:chOff x="0" y="0"/>
-          <a:chExt cx="0" cy="0"/>
-        </a:xfrm>
-      </p:grpSpPr>
-      <p:sp>
-        <p:nvSpPr>
-          <p:cNvPr id="2" name="Title 1"/>
-          <p:cNvSpPr>
-            <a:spLocks noGrp="1"/>
-          </p:cNvSpPr>
-          <p:nvPr>
-            <p:ph type="title"/>
-          </p:nvPr>
-        </p:nvSpPr>
-        <p:spPr/>
-        <p:txBody>
-          <a:bodyPr/>
-          <a:lstStyle/>
-          <a:p>
-            <a:r>
-              <a:rPr dirty="0"/>
-              <a:t>🧠 </a:t>
-            </a:r>
-            <a:r>
-              <a:rPr lang="pt-BR" dirty="0" smtClean="0"/>
-              <a:t>    </a:t>
-            </a:r>
-            <a:r>
-              <a:rPr dirty="0" smtClean="0"/>
-              <a:t>Q&amp;A </a:t>
-            </a:r>
-            <a:r>
-              <a:rPr dirty="0"/>
-              <a:t>e </a:t>
-            </a:r>
-            <a:r>
-              <a:rPr dirty="0" err="1"/>
-              <a:t>Sumarização</a:t>
-            </a:r>
             <a:endParaRPr dirty="0"/>
           </a:p>
         </p:txBody>
@@ -4483,70 +7270,6 @@
           </a:p>
         </p:txBody>
       </p:sp>
-      <p:pic>
-        <p:nvPicPr>
-          <p:cNvPr id="9218" name="Picture 2"/>
-          <p:cNvPicPr>
-            <a:picLocks noChangeAspect="1" noChangeArrowheads="1"/>
-          </p:cNvPicPr>
-          <p:nvPr/>
-        </p:nvPicPr>
-        <p:blipFill>
-          <a:blip r:embed="rId2">
-            <a:extLst>
-              <a:ext uri="{28A0092B-C50C-407E-A947-70E740481C1C}">
-                <a14:useLocalDpi xmlns:a14="http://schemas.microsoft.com/office/drawing/2010/main" val="0"/>
-              </a:ext>
-            </a:extLst>
-          </a:blip>
-          <a:srcRect/>
-          <a:stretch>
-            <a:fillRect/>
-          </a:stretch>
-        </p:blipFill>
-        <p:spPr bwMode="auto">
-          <a:xfrm>
-            <a:off x="1262062" y="274638"/>
-            <a:ext cx="1362075" cy="1138237"/>
-          </a:xfrm>
-          <a:prstGeom prst="rect">
-            <a:avLst/>
-          </a:prstGeom>
-          <a:noFill/>
-          <a:ln>
-            <a:noFill/>
-          </a:ln>
-          <a:effectLst/>
-          <a:extLst>
-            <a:ext uri="{909E8E84-426E-40DD-AFC4-6F175D3DCCD1}">
-              <a14:hiddenFill xmlns:a14="http://schemas.microsoft.com/office/drawing/2010/main">
-                <a:solidFill>
-                  <a:schemeClr val="accent1"/>
-                </a:solidFill>
-              </a14:hiddenFill>
-            </a:ext>
-            <a:ext uri="{91240B29-F687-4F45-9708-019B960494DF}">
-              <a14:hiddenLine xmlns:a14="http://schemas.microsoft.com/office/drawing/2010/main" w="9525">
-                <a:solidFill>
-                  <a:schemeClr val="tx1"/>
-                </a:solidFill>
-                <a:miter lim="800000"/>
-                <a:headEnd/>
-                <a:tailEnd/>
-              </a14:hiddenLine>
-            </a:ext>
-            <a:ext uri="{AF507438-7753-43E0-B8FC-AC1667EBCBE1}">
-              <a14:hiddenEffects xmlns:a14="http://schemas.microsoft.com/office/drawing/2010/main">
-                <a:effectLst>
-                  <a:outerShdw dist="35921" dir="2700000" algn="ctr" rotWithShape="0">
-                    <a:schemeClr val="bg2"/>
-                  </a:outerShdw>
-                </a:effectLst>
-              </a14:hiddenEffects>
-            </a:ext>
-          </a:extLst>
-        </p:spPr>
-      </p:pic>
       <p:pic>
         <p:nvPicPr>
           <p:cNvPr id="9220" name="Picture 4"/>
@@ -4556,7 +7279,7 @@
           <p:nvPr/>
         </p:nvPicPr>
         <p:blipFill>
-          <a:blip r:embed="rId3">
+          <a:blip r:embed="rId2">
             <a:extLst>
               <a:ext uri="{28A0092B-C50C-407E-A947-70E740481C1C}">
                 <a14:useLocalDpi xmlns:a14="http://schemas.microsoft.com/office/drawing/2010/main" val="0"/>
@@ -4611,6 +7334,70 @@
           </a:extLst>
         </p:spPr>
       </p:pic>
+      <p:pic>
+        <p:nvPicPr>
+          <p:cNvPr id="6" name="Picture 2"/>
+          <p:cNvPicPr>
+            <a:picLocks noChangeAspect="1" noChangeArrowheads="1"/>
+          </p:cNvPicPr>
+          <p:nvPr/>
+        </p:nvPicPr>
+        <p:blipFill>
+          <a:blip r:embed="rId3">
+            <a:extLst>
+              <a:ext uri="{28A0092B-C50C-407E-A947-70E740481C1C}">
+                <a14:useLocalDpi xmlns:a14="http://schemas.microsoft.com/office/drawing/2010/main" val="0"/>
+              </a:ext>
+            </a:extLst>
+          </a:blip>
+          <a:srcRect/>
+          <a:stretch>
+            <a:fillRect/>
+          </a:stretch>
+        </p:blipFill>
+        <p:spPr bwMode="auto">
+          <a:xfrm>
+            <a:off x="-111125" y="96837"/>
+            <a:ext cx="1089025" cy="910059"/>
+          </a:xfrm>
+          <a:prstGeom prst="rect">
+            <a:avLst/>
+          </a:prstGeom>
+          <a:noFill/>
+          <a:ln>
+            <a:noFill/>
+          </a:ln>
+          <a:effectLst/>
+          <a:extLst>
+            <a:ext uri="{909E8E84-426E-40DD-AFC4-6F175D3DCCD1}">
+              <a14:hiddenFill xmlns:a14="http://schemas.microsoft.com/office/drawing/2010/main">
+                <a:solidFill>
+                  <a:schemeClr val="accent1"/>
+                </a:solidFill>
+              </a14:hiddenFill>
+            </a:ext>
+            <a:ext uri="{91240B29-F687-4F45-9708-019B960494DF}">
+              <a14:hiddenLine xmlns:a14="http://schemas.microsoft.com/office/drawing/2010/main" w="9525">
+                <a:solidFill>
+                  <a:schemeClr val="tx1"/>
+                </a:solidFill>
+                <a:miter lim="800000"/>
+                <a:headEnd/>
+                <a:tailEnd/>
+              </a14:hiddenLine>
+            </a:ext>
+            <a:ext uri="{AF507438-7753-43E0-B8FC-AC1667EBCBE1}">
+              <a14:hiddenEffects xmlns:a14="http://schemas.microsoft.com/office/drawing/2010/main">
+                <a:effectLst>
+                  <a:outerShdw dist="35921" dir="2700000" algn="ctr" rotWithShape="0">
+                    <a:schemeClr val="bg2"/>
+                  </a:outerShdw>
+                </a:effectLst>
+              </a14:hiddenEffects>
+            </a:ext>
+          </a:extLst>
+        </p:spPr>
+      </p:pic>
     </p:spTree>
   </p:cSld>
   <p:clrMapOvr>
@@ -4619,7 +7406,7 @@
 </p:sld>
 </file>
 
-<file path=ppt/slides/slide16.xml><?xml version="1.0" encoding="utf-8"?>
+<file path=ppt/slides/slide25.xml><?xml version="1.0" encoding="utf-8"?>
 <p:sld xmlns:a="http://schemas.openxmlformats.org/drawingml/2006/main" xmlns:r="http://schemas.openxmlformats.org/officeDocument/2006/relationships" xmlns:p="http://schemas.openxmlformats.org/presentationml/2006/main">
   <p:cSld>
     <p:spTree>
@@ -4660,18 +7447,9 @@
               <a:t>    </a:t>
             </a:r>
             <a:r>
-              <a:rPr dirty="0" smtClean="0"/>
-              <a:t>Q&amp;A </a:t>
-            </a:r>
-            <a:r>
-              <a:rPr dirty="0"/>
-              <a:t>e </a:t>
-            </a:r>
-            <a:r>
-              <a:rPr dirty="0" err="1"/>
-              <a:t>Sumarização</a:t>
-            </a:r>
-            <a:endParaRPr dirty="0"/>
+              <a:rPr lang="pt-BR" dirty="0"/>
+              <a:t>Criar índice FAISS</a:t>
+            </a:r>
           </a:p>
         </p:txBody>
       </p:sp>
@@ -4691,117 +7469,36 @@
           <a:lstStyle/>
           <a:p>
             <a:r>
-              <a:rPr dirty="0"/>
-              <a:t>- </a:t>
-            </a:r>
-            <a:r>
-              <a:rPr dirty="0" err="1"/>
-              <a:t>Busca</a:t>
-            </a:r>
-            <a:r>
-              <a:rPr dirty="0"/>
+              <a:rPr dirty="0" smtClean="0"/>
               <a:t> </a:t>
             </a:r>
             <a:r>
-              <a:rPr dirty="0" err="1"/>
-              <a:t>por</a:t>
-            </a:r>
-            <a:r>
-              <a:rPr dirty="0"/>
+              <a:rPr lang="pt-BR" dirty="0" smtClean="0"/>
+              <a:t>Para agilizar </a:t>
+            </a:r>
+            <a:r>
+              <a:rPr dirty="0" err="1" smtClean="0"/>
+              <a:t>Sumarização</a:t>
+            </a:r>
+            <a:r>
+              <a:rPr dirty="0" smtClean="0"/>
               <a:t> </a:t>
             </a:r>
             <a:r>
               <a:rPr dirty="0" err="1"/>
-              <a:t>autor</a:t>
-            </a:r>
-            <a:r>
-              <a:rPr dirty="0"/>
-              <a:t>/</a:t>
-            </a:r>
-            <a:r>
-              <a:rPr dirty="0" err="1"/>
-              <a:t>gênero</a:t>
-            </a:r>
-            <a:r>
-              <a:rPr dirty="0"/>
-              <a:t> via </a:t>
-            </a:r>
-            <a:r>
-              <a:rPr dirty="0" err="1"/>
-              <a:t>linguagem</a:t>
-            </a:r>
-            <a:r>
-              <a:rPr dirty="0"/>
-              <a:t> natural</a:t>
-            </a:r>
-          </a:p>
-          <a:p>
-            <a:r>
-              <a:rPr dirty="0"/>
-              <a:t>- </a:t>
-            </a:r>
-            <a:r>
-              <a:rPr dirty="0" err="1"/>
-              <a:t>Sumarização</a:t>
-            </a:r>
-            <a:r>
-              <a:rPr dirty="0"/>
+              <a:t>automática</a:t>
+            </a:r>
+            <a:r>
+              <a:rPr dirty="0"/>
+              <a:t> com </a:t>
+            </a:r>
+            <a:r>
+              <a:rPr dirty="0" smtClean="0"/>
+              <a:t>LLM</a:t>
+            </a:r>
+            <a:r>
+              <a:rPr lang="pt-BR" dirty="0" smtClean="0"/>
               <a:t> </a:t>
-            </a:r>
-            <a:r>
-              <a:rPr dirty="0" err="1"/>
-              <a:t>automática</a:t>
-            </a:r>
-            <a:r>
-              <a:rPr dirty="0"/>
-              <a:t> com LLM</a:t>
-            </a:r>
-          </a:p>
-          <a:p>
-            <a:r>
-              <a:rPr dirty="0"/>
-              <a:t>- Interface </a:t>
-            </a:r>
-            <a:r>
-              <a:rPr dirty="0" err="1"/>
-              <a:t>pronta</a:t>
-            </a:r>
-            <a:r>
-              <a:rPr dirty="0"/>
-              <a:t> </a:t>
-            </a:r>
-            <a:r>
-              <a:rPr dirty="0" err="1"/>
-              <a:t>para</a:t>
-            </a:r>
-            <a:r>
-              <a:rPr dirty="0"/>
-              <a:t> </a:t>
-            </a:r>
-            <a:r>
-              <a:rPr dirty="0" err="1"/>
-              <a:t>consulta</a:t>
-            </a:r>
-            <a:r>
-              <a:rPr dirty="0"/>
-              <a:t> </a:t>
-            </a:r>
-            <a:r>
-              <a:rPr dirty="0" err="1" smtClean="0"/>
-              <a:t>inteligente</a:t>
-            </a:r>
-            <a:r>
-              <a:rPr lang="pt-BR" dirty="0" smtClean="0"/>
-              <a:t/>
-            </a:r>
-            <a:br>
-              <a:rPr lang="pt-BR" dirty="0" smtClean="0"/>
-            </a:br>
-            <a:r>
-              <a:rPr lang="pt-BR" dirty="0" smtClean="0">
-                <a:sym typeface="Wingdings" pitchFamily="2" charset="2"/>
-              </a:rPr>
-              <a:t> </a:t>
             </a:r>
             <a:r>
               <a:rPr lang="pt-BR" dirty="0" err="1" smtClean="0"/>
@@ -4809,7 +7506,11 @@
             </a:r>
             <a:r>
               <a:rPr lang="pt-BR" dirty="0" smtClean="0"/>
-              <a:t> -- IndexFlatL2</a:t>
+              <a:t> </a:t>
+            </a:r>
+            <a:r>
+              <a:rPr lang="pt-BR" dirty="0" smtClean="0"/>
+              <a:t>-- IndexFlatL2</a:t>
             </a:r>
             <a:endParaRPr lang="pt-BR" dirty="0"/>
           </a:p>
@@ -4841,7 +7542,7 @@
         </p:blipFill>
         <p:spPr bwMode="auto">
           <a:xfrm>
-            <a:off x="1262062" y="274638"/>
+            <a:off x="779462" y="274638"/>
             <a:ext cx="1362075" cy="1138237"/>
           </a:xfrm>
           <a:prstGeom prst="rect">
@@ -4905,7 +7606,7 @@
         </p:blipFill>
         <p:spPr bwMode="auto">
           <a:xfrm>
-            <a:off x="355600" y="4221163"/>
+            <a:off x="355600" y="3616326"/>
             <a:ext cx="8468566" cy="2509837"/>
           </a:xfrm>
           <a:prstGeom prst="rect">
@@ -4959,7 +7660,7 @@
 </p:sld>
 </file>
 
-<file path=ppt/slides/slide17.xml><?xml version="1.0" encoding="utf-8"?>
+<file path=ppt/slides/slide26.xml><?xml version="1.0" encoding="utf-8"?>
 <p:sld xmlns:a="http://schemas.openxmlformats.org/drawingml/2006/main" xmlns:r="http://schemas.openxmlformats.org/officeDocument/2006/relationships" xmlns:p="http://schemas.openxmlformats.org/presentationml/2006/main">
   <p:cSld>
     <p:spTree>
@@ -4997,19 +7698,19 @@
             </a:r>
             <a:r>
               <a:rPr lang="pt-BR" dirty="0" smtClean="0"/>
-              <a:t>    </a:t>
+              <a:t>   </a:t>
+            </a:r>
+            <a:r>
+              <a:rPr lang="pt-BR" dirty="0" err="1" smtClean="0"/>
+              <a:t>Func</a:t>
+            </a:r>
+            <a:r>
+              <a:rPr lang="pt-BR" dirty="0" smtClean="0"/>
+              <a:t> de Busca </a:t>
             </a:r>
             <a:r>
               <a:rPr dirty="0" smtClean="0"/>
-              <a:t>Q&amp;A </a:t>
-            </a:r>
-            <a:r>
-              <a:rPr dirty="0"/>
-              <a:t>e </a:t>
-            </a:r>
-            <a:r>
-              <a:rPr dirty="0" err="1"/>
-              <a:t>Sumarização</a:t>
+              <a:t>Q&amp;A</a:t>
             </a:r>
             <a:endParaRPr dirty="0"/>
           </a:p>
@@ -5043,40 +7744,27 @@
               <a:t> </a:t>
             </a:r>
             <a:r>
-              <a:rPr dirty="0" err="1"/>
-              <a:t>por</a:t>
-            </a:r>
-            <a:r>
-              <a:rPr dirty="0"/>
+              <a:rPr lang="pt-BR" dirty="0" err="1" smtClean="0"/>
+              <a:t>Semantica</a:t>
+            </a:r>
+            <a:r>
+              <a:rPr lang="pt-BR" dirty="0" smtClean="0"/>
+              <a:t> pega 3 resultados</a:t>
+            </a:r>
+            <a:br>
+              <a:rPr lang="pt-BR" dirty="0" smtClean="0"/>
+            </a:br>
+            <a:r>
+              <a:rPr lang="pt-BR" dirty="0" err="1" smtClean="0"/>
+              <a:t>reviews</a:t>
+            </a:r>
+            <a:r>
+              <a:rPr lang="pt-BR" dirty="0" smtClean="0"/>
               <a:t> </a:t>
             </a:r>
             <a:r>
-              <a:rPr dirty="0" err="1"/>
-              <a:t>autor</a:t>
-            </a:r>
-            <a:r>
-              <a:rPr dirty="0"/>
-              <a:t>/</a:t>
-            </a:r>
-            <a:r>
-              <a:rPr dirty="0" err="1"/>
-              <a:t>gênero</a:t>
-            </a:r>
-            <a:r>
-              <a:rPr dirty="0"/>
-              <a:t> via </a:t>
-            </a:r>
-            <a:r>
-              <a:rPr dirty="0" err="1"/>
-              <a:t>linguagem</a:t>
-            </a:r>
-            <a:r>
-              <a:rPr dirty="0"/>
-              <a:t> </a:t>
-            </a:r>
-            <a:r>
-              <a:rPr dirty="0" smtClean="0"/>
-              <a:t>natural</a:t>
+              <a:rPr lang="pt-BR" dirty="0"/>
+              <a:t>relevantes a retornar (padrão = 3)</a:t>
             </a:r>
             <a:r>
               <a:rPr lang="pt-BR" dirty="0" smtClean="0"/>
@@ -5230,7 +7918,7 @@
 </p:sld>
 </file>
 
-<file path=ppt/slides/slide18.xml><?xml version="1.0" encoding="utf-8"?>
+<file path=ppt/slides/slide27.xml><?xml version="1.0" encoding="utf-8"?>
 <p:sld xmlns:a="http://schemas.openxmlformats.org/drawingml/2006/main" xmlns:r="http://schemas.openxmlformats.org/officeDocument/2006/relationships" xmlns:p="http://schemas.openxmlformats.org/presentationml/2006/main">
   <p:cSld>
     <p:spTree>
@@ -5271,16 +7959,20 @@
               <a:t>    </a:t>
             </a:r>
             <a:r>
+              <a:rPr lang="pt-BR" dirty="0" smtClean="0"/>
+              <a:t>Busca </a:t>
+            </a:r>
+            <a:r>
+              <a:rPr lang="pt-BR" dirty="0" err="1" smtClean="0"/>
+              <a:t>Reviews</a:t>
+            </a:r>
+            <a:r>
+              <a:rPr lang="pt-BR" dirty="0" smtClean="0"/>
+              <a:t> </a:t>
+            </a:r>
+            <a:r>
               <a:rPr dirty="0" smtClean="0"/>
-              <a:t>Q&amp;A </a:t>
-            </a:r>
-            <a:r>
-              <a:rPr dirty="0"/>
-              <a:t>e </a:t>
-            </a:r>
-            <a:r>
-              <a:rPr dirty="0" err="1"/>
-              <a:t>Sumarização</a:t>
+              <a:t>Q&amp;A</a:t>
             </a:r>
             <a:endParaRPr dirty="0"/>
           </a:p>
@@ -5314,28 +8006,8 @@
               <a:t> </a:t>
             </a:r>
             <a:r>
-              <a:rPr dirty="0" err="1"/>
-              <a:t>por</a:t>
-            </a:r>
-            <a:r>
-              <a:rPr dirty="0"/>
-              <a:t> </a:t>
-            </a:r>
-            <a:r>
-              <a:rPr dirty="0" err="1"/>
-              <a:t>autor</a:t>
-            </a:r>
-            <a:r>
-              <a:rPr dirty="0"/>
-              <a:t>/</a:t>
-            </a:r>
-            <a:r>
-              <a:rPr dirty="0" err="1"/>
-              <a:t>gênero</a:t>
-            </a:r>
-            <a:r>
-              <a:rPr dirty="0"/>
-              <a:t> via </a:t>
+              <a:rPr dirty="0" smtClean="0"/>
+              <a:t>via </a:t>
             </a:r>
             <a:r>
               <a:rPr dirty="0" err="1"/>
@@ -5495,7 +8167,7 @@
 </p:sld>
 </file>
 
-<file path=ppt/slides/slide19.xml><?xml version="1.0" encoding="utf-8"?>
+<file path=ppt/slides/slide28.xml><?xml version="1.0" encoding="utf-8"?>
 <p:sld xmlns:a="http://schemas.openxmlformats.org/drawingml/2006/main" xmlns:r="http://schemas.openxmlformats.org/officeDocument/2006/relationships" xmlns:p="http://schemas.openxmlformats.org/presentationml/2006/main">
   <p:cSld>
     <p:spTree>
@@ -5536,16 +8208,12 @@
               <a:t>    </a:t>
             </a:r>
             <a:r>
+              <a:rPr lang="pt-BR" dirty="0" smtClean="0"/>
+              <a:t>Uso </a:t>
+            </a:r>
+            <a:r>
               <a:rPr dirty="0" smtClean="0"/>
-              <a:t>Q&amp;A </a:t>
-            </a:r>
-            <a:r>
-              <a:rPr dirty="0"/>
-              <a:t>e </a:t>
-            </a:r>
-            <a:r>
-              <a:rPr dirty="0" err="1"/>
-              <a:t>Sumarização</a:t>
+              <a:t>Q&amp;A</a:t>
             </a:r>
             <a:endParaRPr dirty="0"/>
           </a:p>
@@ -5579,40 +8247,16 @@
               <a:t> </a:t>
             </a:r>
             <a:r>
-              <a:rPr dirty="0" err="1"/>
-              <a:t>por</a:t>
-            </a:r>
-            <a:r>
-              <a:rPr dirty="0"/>
+              <a:rPr dirty="0" err="1" smtClean="0"/>
+              <a:t>linguagem</a:t>
+            </a:r>
+            <a:r>
+              <a:rPr dirty="0" smtClean="0"/>
+              <a:t> natural</a:t>
+            </a:r>
+            <a:r>
+              <a:rPr lang="pt-BR" dirty="0" smtClean="0"/>
               <a:t> </a:t>
-            </a:r>
-            <a:r>
-              <a:rPr dirty="0" err="1"/>
-              <a:t>autor</a:t>
-            </a:r>
-            <a:r>
-              <a:rPr dirty="0"/>
-              <a:t>/</a:t>
-            </a:r>
-            <a:r>
-              <a:rPr dirty="0" err="1"/>
-              <a:t>gênero</a:t>
-            </a:r>
-            <a:r>
-              <a:rPr dirty="0"/>
-              <a:t> via </a:t>
-            </a:r>
-            <a:r>
-              <a:rPr dirty="0" err="1"/>
-              <a:t>linguagem</a:t>
-            </a:r>
-            <a:r>
-              <a:rPr dirty="0"/>
-              <a:t> </a:t>
-            </a:r>
-            <a:r>
-              <a:rPr dirty="0" smtClean="0"/>
-              <a:t>natural</a:t>
             </a:r>
             <a:endParaRPr lang="pt-BR" dirty="0" smtClean="0"/>
           </a:p>
@@ -5762,7 +8406,7 @@
 </p:sld>
 </file>
 
-<file path=ppt/slides/slide2.xml><?xml version="1.0" encoding="utf-8"?>
+<file path=ppt/slides/slide29.xml><?xml version="1.0" encoding="utf-8"?>
 <p:sld xmlns:a="http://schemas.openxmlformats.org/drawingml/2006/main" xmlns:r="http://schemas.openxmlformats.org/officeDocument/2006/relationships" xmlns:p="http://schemas.openxmlformats.org/presentationml/2006/main">
   <p:cSld>
     <p:spTree>
@@ -5795,9 +8439,38 @@
           <a:lstStyle/>
           <a:p>
             <a:r>
-              <a:rPr dirty="0"/>
-              <a:t>🗺️ Roadmap</a:t>
-            </a:r>
+              <a:rPr lang="pt-BR" dirty="0" smtClean="0"/>
+              <a:t>         </a:t>
+            </a:r>
+            <a:r>
+              <a:rPr dirty="0" smtClean="0"/>
+              <a:t>🧠</a:t>
+            </a:r>
+            <a:r>
+              <a:rPr lang="pt-BR" dirty="0" smtClean="0"/>
+              <a:t> </a:t>
+            </a:r>
+            <a:r>
+              <a:rPr dirty="0" smtClean="0"/>
+              <a:t> </a:t>
+            </a:r>
+            <a:r>
+              <a:rPr lang="pt-BR" dirty="0" smtClean="0"/>
+              <a:t>   </a:t>
+            </a:r>
+            <a:r>
+              <a:rPr lang="pt-BR" dirty="0" err="1" smtClean="0"/>
+              <a:t>Fun</a:t>
+            </a:r>
+            <a:r>
+              <a:rPr lang="pt-BR" dirty="0" err="1" smtClean="0"/>
+              <a:t>c</a:t>
+            </a:r>
+            <a:r>
+              <a:rPr lang="pt-BR" dirty="0" smtClean="0"/>
+              <a:t> Sumarização</a:t>
+            </a:r>
+            <a:endParaRPr dirty="0"/>
           </a:p>
         </p:txBody>
       </p:sp>
@@ -5817,125 +8490,23 @@
           <a:lstStyle/>
           <a:p>
             <a:r>
-              <a:t>✅ Análise Exploratória de Dados</a:t>
-            </a:r>
-          </a:p>
-          <a:p>
-            <a:r>
-              <a:t>✅ Processamento de Texto (NLP)</a:t>
-            </a:r>
-          </a:p>
-          <a:p>
-            <a:r>
-              <a:t>✅ Embeddings + FAISS para busca</a:t>
-            </a:r>
-          </a:p>
-          <a:p>
-            <a:r>
-              <a:t>✅ Sumarização com LLM</a:t>
-            </a:r>
-          </a:p>
-          <a:p>
-            <a:r>
-              <a:t>🔜 Integração com interface Web</a:t>
-            </a:r>
-          </a:p>
-          <a:p>
-            <a:r>
-              <a:t>🔜 Dashboard para curadoria inteligente</a:t>
-            </a:r>
-          </a:p>
-        </p:txBody>
-      </p:sp>
-    </p:spTree>
-  </p:cSld>
-  <p:clrMapOvr>
-    <a:masterClrMapping/>
-  </p:clrMapOvr>
-</p:sld>
-</file>
-
-<file path=ppt/slides/slide20.xml><?xml version="1.0" encoding="utf-8"?>
-<p:sld xmlns:a="http://schemas.openxmlformats.org/drawingml/2006/main" xmlns:r="http://schemas.openxmlformats.org/officeDocument/2006/relationships" xmlns:p="http://schemas.openxmlformats.org/presentationml/2006/main">
-  <p:cSld>
-    <p:spTree>
-      <p:nvGrpSpPr>
-        <p:cNvPr id="1" name=""/>
-        <p:cNvGrpSpPr/>
-        <p:nvPr/>
-      </p:nvGrpSpPr>
-      <p:grpSpPr>
-        <a:xfrm>
-          <a:off x="0" y="0"/>
-          <a:ext cx="0" cy="0"/>
-          <a:chOff x="0" y="0"/>
-          <a:chExt cx="0" cy="0"/>
-        </a:xfrm>
-      </p:grpSpPr>
-      <p:sp>
-        <p:nvSpPr>
-          <p:cNvPr id="2" name="Title 1"/>
-          <p:cNvSpPr>
-            <a:spLocks noGrp="1"/>
-          </p:cNvSpPr>
-          <p:nvPr>
-            <p:ph type="title"/>
-          </p:nvPr>
-        </p:nvSpPr>
-        <p:spPr/>
-        <p:txBody>
-          <a:bodyPr/>
-          <a:lstStyle/>
-          <a:p>
-            <a:r>
-              <a:rPr dirty="0"/>
-              <a:t>🧠 </a:t>
-            </a:r>
-            <a:r>
-              <a:rPr lang="pt-BR" dirty="0" smtClean="0"/>
-              <a:t>    </a:t>
-            </a:r>
-            <a:r>
-              <a:rPr dirty="0" smtClean="0"/>
-              <a:t>Q&amp;A </a:t>
-            </a:r>
-            <a:r>
-              <a:rPr dirty="0"/>
-              <a:t>e </a:t>
-            </a:r>
-            <a:r>
-              <a:rPr dirty="0" err="1"/>
-              <a:t>Sumarização</a:t>
-            </a:r>
-            <a:endParaRPr dirty="0"/>
-          </a:p>
-        </p:txBody>
-      </p:sp>
-      <p:sp>
-        <p:nvSpPr>
-          <p:cNvPr id="3" name="Content Placeholder 2"/>
-          <p:cNvSpPr>
-            <a:spLocks noGrp="1"/>
-          </p:cNvSpPr>
-          <p:nvPr>
-            <p:ph idx="1"/>
-          </p:nvPr>
-        </p:nvSpPr>
-        <p:spPr/>
-        <p:txBody>
-          <a:bodyPr/>
-          <a:lstStyle/>
-          <a:p>
-            <a:r>
               <a:rPr dirty="0" smtClean="0"/>
               <a:t>- </a:t>
             </a:r>
             <a:r>
-              <a:rPr dirty="0" err="1"/>
+              <a:rPr lang="pt-BR" dirty="0" err="1" smtClean="0"/>
+              <a:t>Func</a:t>
+            </a:r>
+            <a:r>
+              <a:rPr lang="pt-BR" dirty="0" smtClean="0"/>
+              <a:t> de </a:t>
+            </a:r>
+            <a:r>
+              <a:rPr dirty="0" err="1" smtClean="0"/>
               <a:t>Sumarização</a:t>
             </a:r>
             <a:r>
-              <a:rPr dirty="0"/>
+              <a:rPr dirty="0" smtClean="0"/>
               <a:t> </a:t>
             </a:r>
             <a:r>
@@ -6057,7 +8628,7 @@
       </p:pic>
       <p:pic>
         <p:nvPicPr>
-          <p:cNvPr id="14338" name="Picture 2"/>
+          <p:cNvPr id="15363" name="Picture 3"/>
           <p:cNvPicPr>
             <a:picLocks noChangeAspect="1" noChangeArrowheads="1"/>
           </p:cNvPicPr>
@@ -6078,8 +8649,8 @@
         </p:blipFill>
         <p:spPr bwMode="auto">
           <a:xfrm>
-            <a:off x="781050" y="2741613"/>
-            <a:ext cx="7385050" cy="3721443"/>
+            <a:off x="406400" y="2735262"/>
+            <a:ext cx="8301486" cy="3830637"/>
           </a:xfrm>
           <a:prstGeom prst="rect">
             <a:avLst/>
@@ -6132,7 +8703,7 @@
 </p:sld>
 </file>
 
-<file path=ppt/slides/slide21.xml><?xml version="1.0" encoding="utf-8"?>
+<file path=ppt/slides/slide3.xml><?xml version="1.0" encoding="utf-8"?>
 <p:sld xmlns:a="http://schemas.openxmlformats.org/drawingml/2006/main" xmlns:r="http://schemas.openxmlformats.org/officeDocument/2006/relationships" xmlns:p="http://schemas.openxmlformats.org/presentationml/2006/main">
   <p:cSld>
     <p:spTree>
@@ -6165,26 +8736,8 @@
           <a:lstStyle/>
           <a:p>
             <a:r>
-              <a:rPr dirty="0"/>
-              <a:t>🧠 </a:t>
-            </a:r>
-            <a:r>
-              <a:rPr lang="pt-BR" dirty="0" smtClean="0"/>
-              <a:t>    </a:t>
-            </a:r>
-            <a:r>
-              <a:rPr dirty="0" smtClean="0"/>
-              <a:t>Q&amp;A </a:t>
-            </a:r>
-            <a:r>
-              <a:rPr dirty="0"/>
-              <a:t>e </a:t>
-            </a:r>
-            <a:r>
-              <a:rPr dirty="0" err="1"/>
-              <a:t>Sumarização</a:t>
-            </a:r>
-            <a:endParaRPr dirty="0"/>
+              <a:t>⚙️ Pipeline de Solução</a:t>
+            </a:r>
           </a:p>
         </p:txBody>
       </p:sp>
@@ -6204,58 +8757,133 @@
           <a:lstStyle/>
           <a:p>
             <a:r>
+              <a:rPr dirty="0"/>
+              <a:t>1. </a:t>
+            </a:r>
+            <a:r>
+              <a:rPr dirty="0" err="1"/>
+              <a:t>Limpeza</a:t>
+            </a:r>
+            <a:r>
+              <a:rPr dirty="0"/>
+              <a:t> e </a:t>
+            </a:r>
+            <a:r>
+              <a:rPr dirty="0" err="1"/>
+              <a:t>normalização</a:t>
+            </a:r>
+            <a:r>
+              <a:rPr dirty="0"/>
+              <a:t> dos </a:t>
+            </a:r>
+            <a:r>
+              <a:rPr dirty="0" err="1"/>
+              <a:t>textos</a:t>
+            </a:r>
+            <a:endParaRPr dirty="0"/>
+          </a:p>
+          <a:p>
+            <a:r>
+              <a:rPr dirty="0"/>
+              <a:t>2. </a:t>
+            </a:r>
+            <a:r>
+              <a:rPr dirty="0" err="1"/>
+              <a:t>Análise</a:t>
+            </a:r>
+            <a:r>
+              <a:rPr dirty="0"/>
+              <a:t> de </a:t>
+            </a:r>
+            <a:r>
+              <a:rPr dirty="0" err="1"/>
+              <a:t>sentimentos</a:t>
+            </a:r>
+            <a:r>
+              <a:rPr dirty="0"/>
+              <a:t> (</a:t>
+            </a:r>
+            <a:r>
+              <a:rPr dirty="0" err="1"/>
+              <a:t>TextBlob</a:t>
+            </a:r>
+            <a:r>
+              <a:rPr dirty="0"/>
+              <a:t>)</a:t>
+            </a:r>
+          </a:p>
+          <a:p>
+            <a:r>
+              <a:rPr dirty="0"/>
+              <a:t>3. </a:t>
+            </a:r>
+            <a:r>
+              <a:rPr dirty="0" err="1"/>
+              <a:t>Embeddings</a:t>
+            </a:r>
+            <a:r>
+              <a:rPr dirty="0"/>
+              <a:t> </a:t>
+            </a:r>
+            <a:r>
+              <a:rPr dirty="0" err="1"/>
+              <a:t>semânticos</a:t>
+            </a:r>
+            <a:r>
+              <a:rPr dirty="0"/>
+              <a:t> (</a:t>
+            </a:r>
+            <a:r>
+              <a:rPr dirty="0" err="1"/>
+              <a:t>SentenceTransformer</a:t>
+            </a:r>
+            <a:r>
+              <a:rPr dirty="0"/>
+              <a:t>)</a:t>
+            </a:r>
+          </a:p>
+          <a:p>
+            <a:r>
+              <a:rPr dirty="0"/>
+              <a:t>4. </a:t>
+            </a:r>
+            <a:r>
+              <a:rPr dirty="0" err="1"/>
+              <a:t>Busca</a:t>
+            </a:r>
+            <a:r>
+              <a:rPr dirty="0"/>
+              <a:t> </a:t>
+            </a:r>
+            <a:r>
+              <a:rPr dirty="0" err="1"/>
+              <a:t>rápida</a:t>
+            </a:r>
+            <a:r>
+              <a:rPr dirty="0"/>
+              <a:t> com FAISS</a:t>
+            </a:r>
+          </a:p>
+          <a:p>
+            <a:r>
+              <a:rPr dirty="0"/>
+              <a:t>5. </a:t>
+            </a:r>
+            <a:r>
+              <a:rPr dirty="0" err="1"/>
+              <a:t>Sumarização</a:t>
+            </a:r>
+            <a:r>
+              <a:rPr dirty="0"/>
+              <a:t> com LLM (</a:t>
+            </a:r>
+            <a:r>
+              <a:rPr dirty="0" err="1"/>
+              <a:t>HuggingFace</a:t>
+            </a:r>
+            <a:r>
               <a:rPr dirty="0" smtClean="0"/>
-              <a:t>- </a:t>
-            </a:r>
-            <a:r>
-              <a:rPr dirty="0" err="1"/>
-              <a:t>Sumarização</a:t>
-            </a:r>
-            <a:r>
-              <a:rPr dirty="0"/>
-              <a:t> </a:t>
-            </a:r>
-            <a:r>
-              <a:rPr dirty="0" err="1"/>
-              <a:t>automática</a:t>
-            </a:r>
-            <a:r>
-              <a:rPr dirty="0"/>
-              <a:t> com LLM</a:t>
-            </a:r>
-          </a:p>
-          <a:p>
-            <a:r>
-              <a:rPr dirty="0"/>
-              <a:t>- Interface </a:t>
-            </a:r>
-            <a:r>
-              <a:rPr dirty="0" err="1"/>
-              <a:t>pronta</a:t>
-            </a:r>
-            <a:r>
-              <a:rPr dirty="0"/>
-              <a:t> </a:t>
-            </a:r>
-            <a:r>
-              <a:rPr dirty="0" err="1"/>
-              <a:t>para</a:t>
-            </a:r>
-            <a:r>
-              <a:rPr dirty="0"/>
-              <a:t> </a:t>
-            </a:r>
-            <a:r>
-              <a:rPr dirty="0" err="1"/>
-              <a:t>consulta</a:t>
-            </a:r>
-            <a:r>
-              <a:rPr dirty="0"/>
-              <a:t> </a:t>
-            </a:r>
-            <a:r>
-              <a:rPr dirty="0" err="1" smtClean="0"/>
-              <a:t>inteligente</a:t>
+              <a:t>)</a:t>
             </a:r>
             <a:r>
               <a:rPr lang="pt-BR" dirty="0" smtClean="0"/>
@@ -6265,43 +8893,140 @@
               <a:rPr lang="pt-BR" dirty="0" smtClean="0"/>
             </a:br>
             <a:r>
-              <a:rPr lang="pt-BR" sz="2400" dirty="0"/>
-              <a:t>pipeline("</a:t>
-            </a:r>
-            <a:r>
-              <a:rPr lang="pt-BR" sz="2400" dirty="0" err="1"/>
-              <a:t>summarization</a:t>
-            </a:r>
-            <a:r>
-              <a:rPr lang="pt-BR" sz="2400" dirty="0"/>
-              <a:t>", </a:t>
-            </a:r>
-            <a:r>
-              <a:rPr lang="pt-BR" sz="2400" dirty="0" err="1"/>
-              <a:t>model</a:t>
-            </a:r>
-            <a:r>
-              <a:rPr lang="pt-BR" sz="2400" dirty="0"/>
-              <a:t>="</a:t>
-            </a:r>
-            <a:r>
-              <a:rPr lang="pt-BR" sz="2400" dirty="0" err="1"/>
-              <a:t>facebook</a:t>
-            </a:r>
-            <a:r>
-              <a:rPr lang="pt-BR" sz="2400" dirty="0"/>
-              <a:t>/</a:t>
-            </a:r>
-            <a:r>
-              <a:rPr lang="pt-BR" sz="2400" dirty="0" err="1"/>
-              <a:t>bart-large-cnn</a:t>
-            </a:r>
-            <a:r>
-              <a:rPr lang="pt-BR" sz="2400" dirty="0"/>
-              <a:t>")</a:t>
-            </a:r>
-          </a:p>
-          <a:p>
+              <a:rPr lang="pt-BR" dirty="0" err="1" smtClean="0"/>
+              <a:t>Repositorio</a:t>
+            </a:r>
+            <a:r>
+              <a:rPr lang="pt-BR" dirty="0" smtClean="0"/>
+              <a:t>  </a:t>
+            </a:r>
+            <a:r>
+              <a:rPr lang="pt-BR" dirty="0" err="1" smtClean="0"/>
+              <a:t>GitHub</a:t>
+            </a:r>
+            <a:r>
+              <a:rPr lang="pt-BR" dirty="0" smtClean="0"/>
+              <a:t> da </a:t>
+            </a:r>
+            <a:r>
+              <a:rPr lang="pt-BR" dirty="0" err="1" smtClean="0"/>
+              <a:t>Poc</a:t>
+            </a:r>
+            <a:r>
+              <a:rPr lang="pt-BR" dirty="0" smtClean="0"/>
+              <a:t>:</a:t>
+            </a:r>
+            <a:r>
+              <a:rPr lang="pt-BR" dirty="0"/>
+              <a:t/>
+            </a:r>
+            <a:br>
+              <a:rPr lang="pt-BR" dirty="0"/>
+            </a:br>
+            <a:r>
+              <a:rPr lang="pt-BR" sz="2000" dirty="0"/>
+              <a:t>https://github.com/agnaldoars/A3Data_Desafio_Livros.git</a:t>
+            </a:r>
+            <a:endParaRPr sz="2000" dirty="0"/>
+          </a:p>
+        </p:txBody>
+      </p:sp>
+    </p:spTree>
+  </p:cSld>
+  <p:clrMapOvr>
+    <a:masterClrMapping/>
+  </p:clrMapOvr>
+</p:sld>
+</file>
+
+<file path=ppt/slides/slide30.xml><?xml version="1.0" encoding="utf-8"?>
+<p:sld xmlns:a="http://schemas.openxmlformats.org/drawingml/2006/main" xmlns:r="http://schemas.openxmlformats.org/officeDocument/2006/relationships" xmlns:p="http://schemas.openxmlformats.org/presentationml/2006/main">
+  <p:cSld>
+    <p:spTree>
+      <p:nvGrpSpPr>
+        <p:cNvPr id="1" name=""/>
+        <p:cNvGrpSpPr/>
+        <p:nvPr/>
+      </p:nvGrpSpPr>
+      <p:grpSpPr>
+        <a:xfrm>
+          <a:off x="0" y="0"/>
+          <a:ext cx="0" cy="0"/>
+          <a:chOff x="0" y="0"/>
+          <a:chExt cx="0" cy="0"/>
+        </a:xfrm>
+      </p:grpSpPr>
+      <p:sp>
+        <p:nvSpPr>
+          <p:cNvPr id="2" name="Title 1"/>
+          <p:cNvSpPr>
+            <a:spLocks noGrp="1"/>
+          </p:cNvSpPr>
+          <p:nvPr>
+            <p:ph type="title"/>
+          </p:nvPr>
+        </p:nvSpPr>
+        <p:spPr/>
+        <p:txBody>
+          <a:bodyPr/>
+          <a:lstStyle/>
+          <a:p>
+            <a:r>
+              <a:rPr dirty="0"/>
+              <a:t>🧠 </a:t>
+            </a:r>
+            <a:r>
+              <a:rPr lang="pt-BR" dirty="0" smtClean="0"/>
+              <a:t>    </a:t>
+            </a:r>
+            <a:r>
+              <a:rPr dirty="0" err="1" smtClean="0"/>
+              <a:t>Sumarização</a:t>
+            </a:r>
+            <a:endParaRPr dirty="0"/>
+          </a:p>
+        </p:txBody>
+      </p:sp>
+      <p:sp>
+        <p:nvSpPr>
+          <p:cNvPr id="3" name="Content Placeholder 2"/>
+          <p:cNvSpPr>
+            <a:spLocks noGrp="1"/>
+          </p:cNvSpPr>
+          <p:nvPr>
+            <p:ph idx="1"/>
+          </p:nvPr>
+        </p:nvSpPr>
+        <p:spPr/>
+        <p:txBody>
+          <a:bodyPr/>
+          <a:lstStyle/>
+          <a:p>
+            <a:r>
+              <a:rPr dirty="0" smtClean="0"/>
+              <a:t>- </a:t>
+            </a:r>
+            <a:r>
+              <a:rPr dirty="0" err="1"/>
+              <a:t>Sumarização</a:t>
+            </a:r>
+            <a:r>
+              <a:rPr dirty="0"/>
+              <a:t> </a:t>
+            </a:r>
+            <a:r>
+              <a:rPr dirty="0" err="1"/>
+              <a:t>automática</a:t>
+            </a:r>
+            <a:r>
+              <a:rPr dirty="0"/>
+              <a:t> com LLM</a:t>
+            </a:r>
+          </a:p>
+          <a:p>
+            <a:pPr marL="0" indent="0">
+              <a:buNone/>
+            </a:pPr>
             <a:r>
               <a:rPr lang="pt-BR" dirty="0" smtClean="0"/>
               <a:t/>
@@ -6379,7 +9104,7 @@
       </p:pic>
       <p:pic>
         <p:nvPicPr>
-          <p:cNvPr id="15363" name="Picture 3"/>
+          <p:cNvPr id="16386" name="Picture 2"/>
           <p:cNvPicPr>
             <a:picLocks noChangeAspect="1" noChangeArrowheads="1"/>
           </p:cNvPicPr>
@@ -6400,8 +9125,8 @@
         </p:blipFill>
         <p:spPr bwMode="auto">
           <a:xfrm>
-            <a:off x="609600" y="3344863"/>
-            <a:ext cx="7620000" cy="1341437"/>
+            <a:off x="457200" y="2128838"/>
+            <a:ext cx="7412037" cy="2638425"/>
           </a:xfrm>
           <a:prstGeom prst="rect">
             <a:avLst/>
@@ -6441,10 +9166,74 @@
           </a:extLst>
         </p:spPr>
       </p:pic>
+      <p:pic>
+        <p:nvPicPr>
+          <p:cNvPr id="16387" name="Picture 3"/>
+          <p:cNvPicPr>
+            <a:picLocks noChangeAspect="1" noChangeArrowheads="1"/>
+          </p:cNvPicPr>
+          <p:nvPr/>
+        </p:nvPicPr>
+        <p:blipFill>
+          <a:blip r:embed="rId4">
+            <a:extLst>
+              <a:ext uri="{28A0092B-C50C-407E-A947-70E740481C1C}">
+                <a14:useLocalDpi xmlns:a14="http://schemas.microsoft.com/office/drawing/2010/main" val="0"/>
+              </a:ext>
+            </a:extLst>
+          </a:blip>
+          <a:srcRect/>
+          <a:stretch>
+            <a:fillRect/>
+          </a:stretch>
+        </p:blipFill>
+        <p:spPr bwMode="auto">
+          <a:xfrm>
+            <a:off x="457200" y="4678363"/>
+            <a:ext cx="7412037" cy="1447800"/>
+          </a:xfrm>
+          <a:prstGeom prst="rect">
+            <a:avLst/>
+          </a:prstGeom>
+          <a:noFill/>
+          <a:ln>
+            <a:noFill/>
+          </a:ln>
+          <a:effectLst/>
+          <a:extLst>
+            <a:ext uri="{909E8E84-426E-40DD-AFC4-6F175D3DCCD1}">
+              <a14:hiddenFill xmlns:a14="http://schemas.microsoft.com/office/drawing/2010/main">
+                <a:solidFill>
+                  <a:schemeClr val="accent1"/>
+                </a:solidFill>
+              </a14:hiddenFill>
+            </a:ext>
+            <a:ext uri="{91240B29-F687-4F45-9708-019B960494DF}">
+              <a14:hiddenLine xmlns:a14="http://schemas.microsoft.com/office/drawing/2010/main" w="9525">
+                <a:solidFill>
+                  <a:schemeClr val="tx1"/>
+                </a:solidFill>
+                <a:miter lim="800000"/>
+                <a:headEnd/>
+                <a:tailEnd/>
+              </a14:hiddenLine>
+            </a:ext>
+            <a:ext uri="{AF507438-7753-43E0-B8FC-AC1667EBCBE1}">
+              <a14:hiddenEffects xmlns:a14="http://schemas.microsoft.com/office/drawing/2010/main">
+                <a:effectLst>
+                  <a:outerShdw dist="35921" dir="2700000" algn="ctr" rotWithShape="0">
+                    <a:schemeClr val="bg2"/>
+                  </a:outerShdw>
+                </a:effectLst>
+              </a14:hiddenEffects>
+            </a:ext>
+          </a:extLst>
+        </p:spPr>
+      </p:pic>
     </p:spTree>
     <p:extLst>
       <p:ext uri="{BB962C8B-B14F-4D97-AF65-F5344CB8AC3E}">
-        <p14:creationId xmlns:p14="http://schemas.microsoft.com/office/powerpoint/2010/main" val="4053738032"/>
+        <p14:creationId xmlns:p14="http://schemas.microsoft.com/office/powerpoint/2010/main" val="2073631866"/>
       </p:ext>
     </p:extLst>
   </p:cSld>
@@ -6454,7 +9243,7 @@
 </p:sld>
 </file>
 
-<file path=ppt/slides/slide22.xml><?xml version="1.0" encoding="utf-8"?>
+<file path=ppt/slides/slide31.xml><?xml version="1.0" encoding="utf-8"?>
 <p:sld xmlns:a="http://schemas.openxmlformats.org/drawingml/2006/main" xmlns:r="http://schemas.openxmlformats.org/officeDocument/2006/relationships" xmlns:p="http://schemas.openxmlformats.org/presentationml/2006/main">
   <p:cSld>
     <p:spTree>
@@ -6488,23 +9277,23 @@
           <a:p>
             <a:r>
               <a:rPr dirty="0"/>
-              <a:t>🧠 </a:t>
+              <a:t>📚 </a:t>
             </a:r>
             <a:r>
               <a:rPr lang="pt-BR" dirty="0" smtClean="0"/>
-              <a:t>    </a:t>
+              <a:t>   </a:t>
             </a:r>
             <a:r>
               <a:rPr dirty="0" smtClean="0"/>
-              <a:t>Q&amp;A </a:t>
-            </a:r>
-            <a:r>
-              <a:rPr dirty="0"/>
-              <a:t>e </a:t>
-            </a:r>
-            <a:r>
-              <a:rPr dirty="0" err="1"/>
-              <a:t>Sumarização</a:t>
+              <a:t>Bases </a:t>
+            </a:r>
+            <a:r>
+              <a:rPr dirty="0"/>
+              <a:t>de </a:t>
+            </a:r>
+            <a:r>
+              <a:rPr dirty="0" err="1"/>
+              <a:t>Conhecimento</a:t>
             </a:r>
             <a:endParaRPr dirty="0"/>
           </a:p>
@@ -6526,330 +9315,20 @@
           <a:lstStyle/>
           <a:p>
             <a:r>
+              <a:rPr dirty="0"/>
+              <a:t>• </a:t>
+            </a:r>
+            <a:r>
+              <a:rPr lang="pt-BR" dirty="0" smtClean="0"/>
+              <a:t>Base de Livros e </a:t>
+            </a:r>
+            <a:r>
               <a:rPr dirty="0" smtClean="0"/>
-              <a:t>- </a:t>
-            </a:r>
-            <a:r>
-              <a:rPr dirty="0" err="1"/>
-              <a:t>Sumarização</a:t>
-            </a:r>
-            <a:r>
-              <a:rPr dirty="0"/>
-              <a:t> </a:t>
-            </a:r>
-            <a:r>
-              <a:rPr dirty="0" err="1"/>
-              <a:t>automática</a:t>
-            </a:r>
-            <a:r>
-              <a:rPr dirty="0"/>
-              <a:t> com LLM</a:t>
-            </a:r>
-          </a:p>
-          <a:p>
-            <a:r>
-              <a:rPr dirty="0"/>
-              <a:t>- Interface </a:t>
-            </a:r>
-            <a:r>
-              <a:rPr dirty="0" err="1"/>
-              <a:t>pronta</a:t>
-            </a:r>
-            <a:r>
-              <a:rPr dirty="0"/>
-              <a:t> </a:t>
-            </a:r>
-            <a:r>
-              <a:rPr dirty="0" err="1"/>
-              <a:t>para</a:t>
-            </a:r>
-            <a:r>
-              <a:rPr dirty="0"/>
-              <a:t> </a:t>
-            </a:r>
-            <a:r>
-              <a:rPr dirty="0" err="1"/>
-              <a:t>consulta</a:t>
-            </a:r>
-            <a:r>
-              <a:rPr dirty="0"/>
-              <a:t> </a:t>
-            </a:r>
-            <a:r>
-              <a:rPr dirty="0" err="1" smtClean="0"/>
-              <a:t>inteligente</a:t>
-            </a:r>
-            <a:r>
-              <a:rPr lang="pt-BR" dirty="0" smtClean="0"/>
-              <a:t/>
-            </a:r>
-            <a:br>
-              <a:rPr lang="pt-BR" dirty="0" smtClean="0"/>
-            </a:br>
-            <a:r>
-              <a:rPr lang="pt-BR" sz="2400" dirty="0"/>
-              <a:t>pipeline("</a:t>
-            </a:r>
-            <a:r>
-              <a:rPr lang="pt-BR" sz="2400" dirty="0" err="1"/>
-              <a:t>summarization</a:t>
-            </a:r>
-            <a:r>
-              <a:rPr lang="pt-BR" sz="2400" dirty="0"/>
-              <a:t>", </a:t>
-            </a:r>
-            <a:r>
-              <a:rPr lang="pt-BR" sz="2400" dirty="0" err="1"/>
-              <a:t>model</a:t>
-            </a:r>
-            <a:r>
-              <a:rPr lang="pt-BR" sz="2400" dirty="0"/>
-              <a:t>="</a:t>
-            </a:r>
-            <a:r>
-              <a:rPr lang="pt-BR" sz="2400" dirty="0" err="1"/>
-              <a:t>facebook</a:t>
-            </a:r>
-            <a:r>
-              <a:rPr lang="pt-BR" sz="2400" dirty="0"/>
-              <a:t>/</a:t>
-            </a:r>
-            <a:r>
-              <a:rPr lang="pt-BR" sz="2400" dirty="0" err="1"/>
-              <a:t>bart-large-cnn</a:t>
-            </a:r>
-            <a:r>
-              <a:rPr lang="pt-BR" sz="2400" dirty="0"/>
-              <a:t>")</a:t>
-            </a:r>
-          </a:p>
-          <a:p>
-            <a:r>
-              <a:rPr lang="pt-BR" dirty="0" smtClean="0"/>
-              <a:t/>
-            </a:r>
-            <a:br>
-              <a:rPr lang="pt-BR" dirty="0" smtClean="0"/>
-            </a:br>
-            <a:endParaRPr dirty="0"/>
-          </a:p>
-        </p:txBody>
-      </p:sp>
-      <p:pic>
-        <p:nvPicPr>
-          <p:cNvPr id="9218" name="Picture 2"/>
-          <p:cNvPicPr>
-            <a:picLocks noChangeAspect="1" noChangeArrowheads="1"/>
-          </p:cNvPicPr>
-          <p:nvPr/>
-        </p:nvPicPr>
-        <p:blipFill>
-          <a:blip r:embed="rId2">
-            <a:extLst>
-              <a:ext uri="{28A0092B-C50C-407E-A947-70E740481C1C}">
-                <a14:useLocalDpi xmlns:a14="http://schemas.microsoft.com/office/drawing/2010/main" val="0"/>
-              </a:ext>
-            </a:extLst>
-          </a:blip>
-          <a:srcRect/>
-          <a:stretch>
-            <a:fillRect/>
-          </a:stretch>
-        </p:blipFill>
-        <p:spPr bwMode="auto">
-          <a:xfrm>
-            <a:off x="1262062" y="274638"/>
-            <a:ext cx="1362075" cy="1138237"/>
-          </a:xfrm>
-          <a:prstGeom prst="rect">
-            <a:avLst/>
-          </a:prstGeom>
-          <a:noFill/>
-          <a:ln>
-            <a:noFill/>
-          </a:ln>
-          <a:effectLst/>
-          <a:extLst>
-            <a:ext uri="{909E8E84-426E-40DD-AFC4-6F175D3DCCD1}">
-              <a14:hiddenFill xmlns:a14="http://schemas.microsoft.com/office/drawing/2010/main">
-                <a:solidFill>
-                  <a:schemeClr val="accent1"/>
-                </a:solidFill>
-              </a14:hiddenFill>
-            </a:ext>
-            <a:ext uri="{91240B29-F687-4F45-9708-019B960494DF}">
-              <a14:hiddenLine xmlns:a14="http://schemas.microsoft.com/office/drawing/2010/main" w="9525">
-                <a:solidFill>
-                  <a:schemeClr val="tx1"/>
-                </a:solidFill>
-                <a:miter lim="800000"/>
-                <a:headEnd/>
-                <a:tailEnd/>
-              </a14:hiddenLine>
-            </a:ext>
-            <a:ext uri="{AF507438-7753-43E0-B8FC-AC1667EBCBE1}">
-              <a14:hiddenEffects xmlns:a14="http://schemas.microsoft.com/office/drawing/2010/main">
-                <a:effectLst>
-                  <a:outerShdw dist="35921" dir="2700000" algn="ctr" rotWithShape="0">
-                    <a:schemeClr val="bg2"/>
-                  </a:outerShdw>
-                </a:effectLst>
-              </a14:hiddenEffects>
-            </a:ext>
-          </a:extLst>
-        </p:spPr>
-      </p:pic>
-      <p:pic>
-        <p:nvPicPr>
-          <p:cNvPr id="15362" name="Picture 2"/>
-          <p:cNvPicPr>
-            <a:picLocks noChangeAspect="1" noChangeArrowheads="1"/>
-          </p:cNvPicPr>
-          <p:nvPr/>
-        </p:nvPicPr>
-        <p:blipFill>
-          <a:blip r:embed="rId3">
-            <a:extLst>
-              <a:ext uri="{28A0092B-C50C-407E-A947-70E740481C1C}">
-                <a14:useLocalDpi xmlns:a14="http://schemas.microsoft.com/office/drawing/2010/main" val="0"/>
-              </a:ext>
-            </a:extLst>
-          </a:blip>
-          <a:srcRect/>
-          <a:stretch>
-            <a:fillRect/>
-          </a:stretch>
-        </p:blipFill>
-        <p:spPr bwMode="auto">
-          <a:xfrm>
-            <a:off x="304798" y="3124200"/>
-            <a:ext cx="8608547" cy="3479800"/>
-          </a:xfrm>
-          <a:prstGeom prst="rect">
-            <a:avLst/>
-          </a:prstGeom>
-          <a:noFill/>
-          <a:ln>
-            <a:noFill/>
-          </a:ln>
-          <a:effectLst/>
-          <a:extLst>
-            <a:ext uri="{909E8E84-426E-40DD-AFC4-6F175D3DCCD1}">
-              <a14:hiddenFill xmlns:a14="http://schemas.microsoft.com/office/drawing/2010/main">
-                <a:solidFill>
-                  <a:schemeClr val="accent1"/>
-                </a:solidFill>
-              </a14:hiddenFill>
-            </a:ext>
-            <a:ext uri="{91240B29-F687-4F45-9708-019B960494DF}">
-              <a14:hiddenLine xmlns:a14="http://schemas.microsoft.com/office/drawing/2010/main" w="9525">
-                <a:solidFill>
-                  <a:schemeClr val="tx1"/>
-                </a:solidFill>
-                <a:miter lim="800000"/>
-                <a:headEnd/>
-                <a:tailEnd/>
-              </a14:hiddenLine>
-            </a:ext>
-            <a:ext uri="{AF507438-7753-43E0-B8FC-AC1667EBCBE1}">
-              <a14:hiddenEffects xmlns:a14="http://schemas.microsoft.com/office/drawing/2010/main">
-                <a:effectLst>
-                  <a:outerShdw dist="35921" dir="2700000" algn="ctr" rotWithShape="0">
-                    <a:schemeClr val="bg2"/>
-                  </a:outerShdw>
-                </a:effectLst>
-              </a14:hiddenEffects>
-            </a:ext>
-          </a:extLst>
-        </p:spPr>
-      </p:pic>
-    </p:spTree>
-    <p:extLst>
-      <p:ext uri="{BB962C8B-B14F-4D97-AF65-F5344CB8AC3E}">
-        <p14:creationId xmlns:p14="http://schemas.microsoft.com/office/powerpoint/2010/main" val="2073631866"/>
-      </p:ext>
-    </p:extLst>
-  </p:cSld>
-  <p:clrMapOvr>
-    <a:masterClrMapping/>
-  </p:clrMapOvr>
-</p:sld>
-</file>
-
-<file path=ppt/slides/slide23.xml><?xml version="1.0" encoding="utf-8"?>
-<p:sld xmlns:a="http://schemas.openxmlformats.org/drawingml/2006/main" xmlns:r="http://schemas.openxmlformats.org/officeDocument/2006/relationships" xmlns:p="http://schemas.openxmlformats.org/presentationml/2006/main">
-  <p:cSld>
-    <p:spTree>
-      <p:nvGrpSpPr>
-        <p:cNvPr id="1" name=""/>
-        <p:cNvGrpSpPr/>
-        <p:nvPr/>
-      </p:nvGrpSpPr>
-      <p:grpSpPr>
-        <a:xfrm>
-          <a:off x="0" y="0"/>
-          <a:ext cx="0" cy="0"/>
-          <a:chOff x="0" y="0"/>
-          <a:chExt cx="0" cy="0"/>
-        </a:xfrm>
-      </p:grpSpPr>
-      <p:sp>
-        <p:nvSpPr>
-          <p:cNvPr id="2" name="Title 1"/>
-          <p:cNvSpPr>
-            <a:spLocks noGrp="1"/>
-          </p:cNvSpPr>
-          <p:nvPr>
-            <p:ph type="title"/>
-          </p:nvPr>
-        </p:nvSpPr>
-        <p:spPr/>
-        <p:txBody>
-          <a:bodyPr/>
-          <a:lstStyle/>
-          <a:p>
-            <a:r>
-              <a:rPr dirty="0"/>
-              <a:t>📚 </a:t>
-            </a:r>
-            <a:r>
-              <a:rPr lang="pt-BR" dirty="0" smtClean="0"/>
-              <a:t>   </a:t>
-            </a:r>
-            <a:r>
-              <a:rPr dirty="0" smtClean="0"/>
-              <a:t>Bases </a:t>
+              <a:t>Reviews </a:t>
             </a:r>
             <a:r>
               <a:rPr dirty="0"/>
               <a:t>de </a:t>
-            </a:r>
-            <a:r>
-              <a:rPr dirty="0" err="1"/>
-              <a:t>Conhecimento</a:t>
-            </a:r>
-            <a:endParaRPr dirty="0"/>
-          </a:p>
-        </p:txBody>
-      </p:sp>
-      <p:sp>
-        <p:nvSpPr>
-          <p:cNvPr id="3" name="Content Placeholder 2"/>
-          <p:cNvSpPr>
-            <a:spLocks noGrp="1"/>
-          </p:cNvSpPr>
-          <p:nvPr>
-            <p:ph idx="1"/>
-          </p:nvPr>
-        </p:nvSpPr>
-        <p:spPr/>
-        <p:txBody>
-          <a:bodyPr/>
-          <a:lstStyle/>
-          <a:p>
-            <a:r>
-              <a:rPr dirty="0"/>
-              <a:t>• Reviews de </a:t>
             </a:r>
             <a:r>
               <a:rPr dirty="0" err="1"/>
@@ -6948,7 +9427,7 @@
 </p:sld>
 </file>
 
-<file path=ppt/slides/slide24.xml><?xml version="1.0" encoding="utf-8"?>
+<file path=ppt/slides/slide32.xml><?xml version="1.0" encoding="utf-8"?>
 <p:sld xmlns:a="http://schemas.openxmlformats.org/drawingml/2006/main" xmlns:r="http://schemas.openxmlformats.org/officeDocument/2006/relationships" xmlns:p="http://schemas.openxmlformats.org/presentationml/2006/main">
   <p:cSld>
     <p:spTree>
@@ -7211,7 +9690,7 @@
 </p:sld>
 </file>
 
-<file path=ppt/slides/slide25.xml><?xml version="1.0" encoding="utf-8"?>
+<file path=ppt/slides/slide33.xml><?xml version="1.0" encoding="utf-8"?>
 <p:sld xmlns:a="http://schemas.openxmlformats.org/drawingml/2006/main" xmlns:r="http://schemas.openxmlformats.org/officeDocument/2006/relationships" xmlns:p="http://schemas.openxmlformats.org/presentationml/2006/main">
   <p:cSld>
     <p:spTree>
@@ -7471,7 +9950,7 @@
 </p:sld>
 </file>
 
-<file path=ppt/slides/slide26.xml><?xml version="1.0" encoding="utf-8"?>
+<file path=ppt/slides/slide34.xml><?xml version="1.0" encoding="utf-8"?>
 <p:sld xmlns:a="http://schemas.openxmlformats.org/drawingml/2006/main" xmlns:r="http://schemas.openxmlformats.org/officeDocument/2006/relationships" xmlns:p="http://schemas.openxmlformats.org/presentationml/2006/main">
   <p:cSld>
     <p:spTree>
@@ -7662,7 +10141,7 @@
       </p:sp>
       <p:pic>
         <p:nvPicPr>
-          <p:cNvPr id="16386" name="Picture 2"/>
+          <p:cNvPr id="17410" name="Picture 2"/>
           <p:cNvPicPr>
             <a:picLocks noChangeAspect="1" noChangeArrowheads="1"/>
           </p:cNvPicPr>
@@ -7683,8 +10162,8 @@
         </p:blipFill>
         <p:spPr bwMode="auto">
           <a:xfrm>
-            <a:off x="601663" y="3168650"/>
-            <a:ext cx="6592887" cy="1295400"/>
+            <a:off x="731838" y="1143000"/>
+            <a:ext cx="7535862" cy="3924300"/>
           </a:xfrm>
           <a:prstGeom prst="rect">
             <a:avLst/>
@@ -7724,70 +10203,6 @@
           </a:extLst>
         </p:spPr>
       </p:pic>
-      <p:pic>
-        <p:nvPicPr>
-          <p:cNvPr id="16387" name="Picture 3"/>
-          <p:cNvPicPr>
-            <a:picLocks noChangeAspect="1" noChangeArrowheads="1"/>
-          </p:cNvPicPr>
-          <p:nvPr/>
-        </p:nvPicPr>
-        <p:blipFill>
-          <a:blip r:embed="rId3">
-            <a:extLst>
-              <a:ext uri="{28A0092B-C50C-407E-A947-70E740481C1C}">
-                <a14:useLocalDpi xmlns:a14="http://schemas.microsoft.com/office/drawing/2010/main" val="0"/>
-              </a:ext>
-            </a:extLst>
-          </a:blip>
-          <a:srcRect/>
-          <a:stretch>
-            <a:fillRect/>
-          </a:stretch>
-        </p:blipFill>
-        <p:spPr bwMode="auto">
-          <a:xfrm>
-            <a:off x="88900" y="4419600"/>
-            <a:ext cx="8821737" cy="600075"/>
-          </a:xfrm>
-          <a:prstGeom prst="rect">
-            <a:avLst/>
-          </a:prstGeom>
-          <a:noFill/>
-          <a:ln>
-            <a:noFill/>
-          </a:ln>
-          <a:effectLst/>
-          <a:extLst>
-            <a:ext uri="{909E8E84-426E-40DD-AFC4-6F175D3DCCD1}">
-              <a14:hiddenFill xmlns:a14="http://schemas.microsoft.com/office/drawing/2010/main">
-                <a:solidFill>
-                  <a:schemeClr val="accent1"/>
-                </a:solidFill>
-              </a14:hiddenFill>
-            </a:ext>
-            <a:ext uri="{91240B29-F687-4F45-9708-019B960494DF}">
-              <a14:hiddenLine xmlns:a14="http://schemas.microsoft.com/office/drawing/2010/main" w="9525">
-                <a:solidFill>
-                  <a:schemeClr val="tx1"/>
-                </a:solidFill>
-                <a:miter lim="800000"/>
-                <a:headEnd/>
-                <a:tailEnd/>
-              </a14:hiddenLine>
-            </a:ext>
-            <a:ext uri="{AF507438-7753-43E0-B8FC-AC1667EBCBE1}">
-              <a14:hiddenEffects xmlns:a14="http://schemas.microsoft.com/office/drawing/2010/main">
-                <a:effectLst>
-                  <a:outerShdw dist="35921" dir="2700000" algn="ctr" rotWithShape="0">
-                    <a:schemeClr val="bg2"/>
-                  </a:outerShdw>
-                </a:effectLst>
-              </a14:hiddenEffects>
-            </a:ext>
-          </a:extLst>
-        </p:spPr>
-      </p:pic>
     </p:spTree>
   </p:cSld>
   <p:clrMapOvr>
@@ -7796,7 +10211,7 @@
 </p:sld>
 </file>
 
-<file path=ppt/slides/slide27.xml><?xml version="1.0" encoding="utf-8"?>
+<file path=ppt/slides/slide35.xml><?xml version="1.0" encoding="utf-8"?>
 <p:sld xmlns:a="http://schemas.openxmlformats.org/drawingml/2006/main" xmlns:r="http://schemas.openxmlformats.org/officeDocument/2006/relationships" xmlns:p="http://schemas.openxmlformats.org/presentationml/2006/main">
   <p:cSld>
     <p:spTree>
@@ -7893,8 +10308,28 @@
               <a:t> </a:t>
             </a:r>
             <a:r>
-              <a:rPr dirty="0" err="1"/>
+              <a:rPr dirty="0" err="1" smtClean="0"/>
               <a:t>analistas</a:t>
+            </a:r>
+            <a:r>
+              <a:rPr lang="pt-BR" dirty="0" smtClean="0"/>
+              <a:t>(</a:t>
+            </a:r>
+            <a:r>
+              <a:rPr lang="pt-BR" dirty="0" err="1" smtClean="0"/>
+              <a:t>StreamLit</a:t>
+            </a:r>
+            <a:r>
+              <a:rPr lang="pt-BR" dirty="0" smtClean="0"/>
+              <a:t>/</a:t>
+            </a:r>
+            <a:r>
+              <a:rPr lang="pt-BR" dirty="0" err="1" smtClean="0"/>
+              <a:t>Django</a:t>
+            </a:r>
+            <a:r>
+              <a:rPr lang="pt-BR" dirty="0" smtClean="0"/>
+              <a:t>)</a:t>
             </a:r>
             <a:endParaRPr dirty="0"/>
           </a:p>
@@ -8063,93 +10498,6 @@
           </a:p>
           <a:p>
             <a:endParaRPr dirty="0"/>
-          </a:p>
-        </p:txBody>
-      </p:sp>
-    </p:spTree>
-  </p:cSld>
-  <p:clrMapOvr>
-    <a:masterClrMapping/>
-  </p:clrMapOvr>
-</p:sld>
-</file>
-
-<file path=ppt/slides/slide3.xml><?xml version="1.0" encoding="utf-8"?>
-<p:sld xmlns:a="http://schemas.openxmlformats.org/drawingml/2006/main" xmlns:r="http://schemas.openxmlformats.org/officeDocument/2006/relationships" xmlns:p="http://schemas.openxmlformats.org/presentationml/2006/main">
-  <p:cSld>
-    <p:spTree>
-      <p:nvGrpSpPr>
-        <p:cNvPr id="1" name=""/>
-        <p:cNvGrpSpPr/>
-        <p:nvPr/>
-      </p:nvGrpSpPr>
-      <p:grpSpPr>
-        <a:xfrm>
-          <a:off x="0" y="0"/>
-          <a:ext cx="0" cy="0"/>
-          <a:chOff x="0" y="0"/>
-          <a:chExt cx="0" cy="0"/>
-        </a:xfrm>
-      </p:grpSpPr>
-      <p:sp>
-        <p:nvSpPr>
-          <p:cNvPr id="2" name="Title 1"/>
-          <p:cNvSpPr>
-            <a:spLocks noGrp="1"/>
-          </p:cNvSpPr>
-          <p:nvPr>
-            <p:ph type="title"/>
-          </p:nvPr>
-        </p:nvSpPr>
-        <p:spPr/>
-        <p:txBody>
-          <a:bodyPr/>
-          <a:lstStyle/>
-          <a:p>
-            <a:r>
-              <a:t>⚙️ Pipeline de Solução</a:t>
-            </a:r>
-          </a:p>
-        </p:txBody>
-      </p:sp>
-      <p:sp>
-        <p:nvSpPr>
-          <p:cNvPr id="3" name="Content Placeholder 2"/>
-          <p:cNvSpPr>
-            <a:spLocks noGrp="1"/>
-          </p:cNvSpPr>
-          <p:nvPr>
-            <p:ph idx="1"/>
-          </p:nvPr>
-        </p:nvSpPr>
-        <p:spPr/>
-        <p:txBody>
-          <a:bodyPr/>
-          <a:lstStyle/>
-          <a:p>
-            <a:r>
-              <a:t>1. Limpeza e normalização dos textos</a:t>
-            </a:r>
-          </a:p>
-          <a:p>
-            <a:r>
-              <a:t>2. Análise de sentimentos (TextBlob)</a:t>
-            </a:r>
-          </a:p>
-          <a:p>
-            <a:r>
-              <a:t>3. Embeddings semânticos (SentenceTransformer)</a:t>
-            </a:r>
-          </a:p>
-          <a:p>
-            <a:r>
-              <a:t>4. Busca rápida com FAISS</a:t>
-            </a:r>
-          </a:p>
-          <a:p>
-            <a:r>
-              <a:t>5. Sumarização com LLM (HuggingFace)</a:t>
-            </a:r>
           </a:p>
         </p:txBody>
       </p:sp>
@@ -8194,8 +10542,14 @@
           <a:lstStyle/>
           <a:p>
             <a:r>
-              <a:t>⚙️ Pipeline de Solução</a:t>
-            </a:r>
+              <a:rPr dirty="0"/>
+              <a:t>⚙️ </a:t>
+            </a:r>
+            <a:r>
+              <a:rPr lang="pt-BR" dirty="0"/>
+              <a:t>Carga dos dados </a:t>
+            </a:r>
+            <a:endParaRPr dirty="0"/>
           </a:p>
         </p:txBody>
       </p:sp>
@@ -8219,24 +10573,8 @@
               <a:t>1. </a:t>
             </a:r>
             <a:r>
-              <a:rPr dirty="0" err="1"/>
-              <a:t>Limpeza</a:t>
-            </a:r>
-            <a:r>
-              <a:rPr dirty="0"/>
-              <a:t> e </a:t>
-            </a:r>
-            <a:r>
-              <a:rPr dirty="0" err="1"/>
-              <a:t>normalização</a:t>
-            </a:r>
-            <a:r>
-              <a:rPr dirty="0"/>
-              <a:t> dos </a:t>
-            </a:r>
-            <a:r>
-              <a:rPr dirty="0" err="1"/>
-              <a:t>textos</a:t>
+              <a:rPr lang="pt-BR" dirty="0" smtClean="0"/>
+              <a:t>Carga dos dados e Conhecer/Tamanho</a:t>
             </a:r>
             <a:endParaRPr dirty="0"/>
           </a:p>
@@ -8249,15 +10587,15 @@
               <a:rPr lang="pt-BR" dirty="0" smtClean="0">
                 <a:sym typeface="Wingdings" pitchFamily="2" charset="2"/>
               </a:rPr>
-              <a:t>EDA 1</a:t>
+              <a:t></a:t>
+            </a:r>
+            <a:r>
+              <a:rPr lang="pt-BR" dirty="0" smtClean="0">
+                <a:sym typeface="Wingdings" pitchFamily="2" charset="2"/>
+              </a:rPr>
+              <a:t>EDA</a:t>
             </a:r>
             <a:endParaRPr lang="pt-BR" dirty="0"/>
-          </a:p>
-          <a:p>
-            <a:pPr marL="0" indent="0">
-              <a:buNone/>
-            </a:pPr>
-            <a:endParaRPr dirty="0" smtClean="0"/>
           </a:p>
           <a:p>
             <a:pPr marL="0" indent="0">
@@ -8270,70 +10608,6 @@
       <p:pic>
         <p:nvPicPr>
           <p:cNvPr id="1026" name="Picture 2"/>
-          <p:cNvPicPr>
-            <a:picLocks noChangeAspect="1" noChangeArrowheads="1"/>
-          </p:cNvPicPr>
-          <p:nvPr/>
-        </p:nvPicPr>
-        <p:blipFill>
-          <a:blip r:embed="rId2">
-            <a:extLst>
-              <a:ext uri="{28A0092B-C50C-407E-A947-70E740481C1C}">
-                <a14:useLocalDpi xmlns:a14="http://schemas.microsoft.com/office/drawing/2010/main" val="0"/>
-              </a:ext>
-            </a:extLst>
-          </a:blip>
-          <a:srcRect/>
-          <a:stretch>
-            <a:fillRect/>
-          </a:stretch>
-        </p:blipFill>
-        <p:spPr bwMode="auto">
-          <a:xfrm>
-            <a:off x="674688" y="2928938"/>
-            <a:ext cx="7140260" cy="1808162"/>
-          </a:xfrm>
-          <a:prstGeom prst="rect">
-            <a:avLst/>
-          </a:prstGeom>
-          <a:noFill/>
-          <a:ln>
-            <a:noFill/>
-          </a:ln>
-          <a:effectLst/>
-          <a:extLst>
-            <a:ext uri="{909E8E84-426E-40DD-AFC4-6F175D3DCCD1}">
-              <a14:hiddenFill xmlns:a14="http://schemas.microsoft.com/office/drawing/2010/main">
-                <a:solidFill>
-                  <a:schemeClr val="accent1"/>
-                </a:solidFill>
-              </a14:hiddenFill>
-            </a:ext>
-            <a:ext uri="{91240B29-F687-4F45-9708-019B960494DF}">
-              <a14:hiddenLine xmlns:a14="http://schemas.microsoft.com/office/drawing/2010/main" w="9525">
-                <a:solidFill>
-                  <a:schemeClr val="tx1"/>
-                </a:solidFill>
-                <a:miter lim="800000"/>
-                <a:headEnd/>
-                <a:tailEnd/>
-              </a14:hiddenLine>
-            </a:ext>
-            <a:ext uri="{AF507438-7753-43E0-B8FC-AC1667EBCBE1}">
-              <a14:hiddenEffects xmlns:a14="http://schemas.microsoft.com/office/drawing/2010/main">
-                <a:effectLst>
-                  <a:outerShdw dist="35921" dir="2700000" algn="ctr" rotWithShape="0">
-                    <a:schemeClr val="bg2"/>
-                  </a:outerShdw>
-                </a:effectLst>
-              </a14:hiddenEffects>
-            </a:ext>
-          </a:extLst>
-        </p:spPr>
-      </p:pic>
-      <p:pic>
-        <p:nvPicPr>
-          <p:cNvPr id="1027" name="Picture 3"/>
           <p:cNvPicPr>
             <a:picLocks noChangeAspect="1" noChangeArrowheads="1"/>
           </p:cNvPicPr>
@@ -8354,8 +10628,8 @@
         </p:blipFill>
         <p:spPr bwMode="auto">
           <a:xfrm>
-            <a:off x="697115" y="4178300"/>
-            <a:ext cx="7117833" cy="930030"/>
+            <a:off x="316737" y="2780934"/>
+            <a:ext cx="8370063" cy="876665"/>
           </a:xfrm>
           <a:prstGeom prst="rect">
             <a:avLst/>
@@ -8397,7 +10671,7 @@
       </p:pic>
       <p:pic>
         <p:nvPicPr>
-          <p:cNvPr id="1028" name="Picture 4"/>
+          <p:cNvPr id="5" name="Picture 4"/>
           <p:cNvPicPr>
             <a:picLocks noChangeAspect="1" noChangeArrowheads="1"/>
           </p:cNvPicPr>
@@ -8418,8 +10692,8 @@
         </p:blipFill>
         <p:spPr bwMode="auto">
           <a:xfrm>
-            <a:off x="674688" y="5029200"/>
-            <a:ext cx="7140260" cy="1828800"/>
+            <a:off x="316737" y="3657598"/>
+            <a:ext cx="8370064" cy="1727201"/>
           </a:xfrm>
           <a:prstGeom prst="rect">
             <a:avLst/>
@@ -8505,8 +10779,14 @@
           <a:lstStyle/>
           <a:p>
             <a:r>
-              <a:t>⚙️ Pipeline de Solução</a:t>
-            </a:r>
+              <a:rPr dirty="0"/>
+              <a:t>⚙️ </a:t>
+            </a:r>
+            <a:r>
+              <a:rPr lang="pt-BR" dirty="0" smtClean="0"/>
+              <a:t>Tamanho da Bases</a:t>
+            </a:r>
+            <a:endParaRPr dirty="0"/>
           </a:p>
         </p:txBody>
       </p:sp>
@@ -8530,45 +10810,10 @@
               <a:t>1. </a:t>
             </a:r>
             <a:r>
-              <a:rPr dirty="0" err="1"/>
-              <a:t>Limpeza</a:t>
-            </a:r>
-            <a:r>
-              <a:rPr dirty="0"/>
-              <a:t> e </a:t>
-            </a:r>
-            <a:r>
-              <a:rPr dirty="0" err="1"/>
-              <a:t>normalização</a:t>
-            </a:r>
-            <a:r>
-              <a:rPr dirty="0"/>
-              <a:t> dos </a:t>
-            </a:r>
-            <a:r>
-              <a:rPr dirty="0" err="1"/>
-              <a:t>textos</a:t>
+              <a:rPr lang="pt-BR" dirty="0" smtClean="0"/>
+              <a:t>Conhecer/Tamanho e os 10 primeiras linhas de cada base.</a:t>
             </a:r>
             <a:endParaRPr dirty="0"/>
-          </a:p>
-          <a:p>
-            <a:r>
-              <a:rPr lang="pt-BR" dirty="0" smtClean="0"/>
-              <a:t>Script EDA_NLP_Livros.py </a:t>
-            </a:r>
-            <a:r>
-              <a:rPr lang="pt-BR" dirty="0" smtClean="0">
-                <a:sym typeface="Wingdings" pitchFamily="2" charset="2"/>
-              </a:rPr>
-              <a:t> EDA 2</a:t>
-            </a:r>
-            <a:endParaRPr lang="pt-BR" dirty="0"/>
-          </a:p>
-          <a:p>
-            <a:pPr marL="0" indent="0">
-              <a:buNone/>
-            </a:pPr>
-            <a:endParaRPr dirty="0" smtClean="0"/>
           </a:p>
           <a:p>
             <a:pPr marL="0" indent="0">
@@ -8580,71 +10825,7 @@
       </p:sp>
       <p:pic>
         <p:nvPicPr>
-          <p:cNvPr id="2050" name="Picture 2"/>
-          <p:cNvPicPr>
-            <a:picLocks noChangeAspect="1" noChangeArrowheads="1"/>
-          </p:cNvPicPr>
-          <p:nvPr/>
-        </p:nvPicPr>
-        <p:blipFill>
-          <a:blip r:embed="rId2">
-            <a:extLst>
-              <a:ext uri="{28A0092B-C50C-407E-A947-70E740481C1C}">
-                <a14:useLocalDpi xmlns:a14="http://schemas.microsoft.com/office/drawing/2010/main" val="0"/>
-              </a:ext>
-            </a:extLst>
-          </a:blip>
-          <a:srcRect/>
-          <a:stretch>
-            <a:fillRect/>
-          </a:stretch>
-        </p:blipFill>
-        <p:spPr bwMode="auto">
-          <a:xfrm>
-            <a:off x="547688" y="2832100"/>
-            <a:ext cx="8225465" cy="1270000"/>
-          </a:xfrm>
-          <a:prstGeom prst="rect">
-            <a:avLst/>
-          </a:prstGeom>
-          <a:noFill/>
-          <a:ln>
-            <a:noFill/>
-          </a:ln>
-          <a:effectLst/>
-          <a:extLst>
-            <a:ext uri="{909E8E84-426E-40DD-AFC4-6F175D3DCCD1}">
-              <a14:hiddenFill xmlns:a14="http://schemas.microsoft.com/office/drawing/2010/main">
-                <a:solidFill>
-                  <a:schemeClr val="accent1"/>
-                </a:solidFill>
-              </a14:hiddenFill>
-            </a:ext>
-            <a:ext uri="{91240B29-F687-4F45-9708-019B960494DF}">
-              <a14:hiddenLine xmlns:a14="http://schemas.microsoft.com/office/drawing/2010/main" w="9525">
-                <a:solidFill>
-                  <a:schemeClr val="tx1"/>
-                </a:solidFill>
-                <a:miter lim="800000"/>
-                <a:headEnd/>
-                <a:tailEnd/>
-              </a14:hiddenLine>
-            </a:ext>
-            <a:ext uri="{AF507438-7753-43E0-B8FC-AC1667EBCBE1}">
-              <a14:hiddenEffects xmlns:a14="http://schemas.microsoft.com/office/drawing/2010/main">
-                <a:effectLst>
-                  <a:outerShdw dist="35921" dir="2700000" algn="ctr" rotWithShape="0">
-                    <a:schemeClr val="bg2"/>
-                  </a:outerShdw>
-                </a:effectLst>
-              </a14:hiddenEffects>
-            </a:ext>
-          </a:extLst>
-        </p:spPr>
-      </p:pic>
-      <p:pic>
-        <p:nvPicPr>
-          <p:cNvPr id="2051" name="Picture 3"/>
+          <p:cNvPr id="5122" name="Picture 2"/>
           <p:cNvPicPr>
             <a:picLocks noChangeAspect="1" noChangeArrowheads="1"/>
           </p:cNvPicPr>
@@ -8665,8 +10846,8 @@
         </p:blipFill>
         <p:spPr bwMode="auto">
           <a:xfrm>
-            <a:off x="547688" y="4127500"/>
-            <a:ext cx="8225465" cy="1320800"/>
+            <a:off x="314324" y="2794000"/>
+            <a:ext cx="8423769" cy="2933700"/>
           </a:xfrm>
           <a:prstGeom prst="rect">
             <a:avLst/>
@@ -8709,7 +10890,7 @@
     </p:spTree>
     <p:extLst>
       <p:ext uri="{BB962C8B-B14F-4D97-AF65-F5344CB8AC3E}">
-        <p14:creationId xmlns:p14="http://schemas.microsoft.com/office/powerpoint/2010/main" val="33672916"/>
+        <p14:creationId xmlns:p14="http://schemas.microsoft.com/office/powerpoint/2010/main" val="2026391996"/>
       </p:ext>
     </p:extLst>
   </p:cSld>
@@ -8752,12 +10933,12 @@
           <a:lstStyle/>
           <a:p>
             <a:r>
-              <a:rPr dirty="0"/>
-              <a:t>⚙️ Pipeline de </a:t>
-            </a:r>
-            <a:r>
-              <a:rPr dirty="0" err="1"/>
-              <a:t>Solução</a:t>
+              <a:rPr dirty="0" smtClean="0"/>
+              <a:t>⚙️</a:t>
+            </a:r>
+            <a:r>
+              <a:rPr lang="pt-BR" dirty="0" smtClean="0"/>
+              <a:t>Books Ambiguidade</a:t>
             </a:r>
             <a:endParaRPr dirty="0"/>
           </a:p>
@@ -8779,74 +10960,75 @@
           <a:lstStyle/>
           <a:p>
             <a:r>
-              <a:rPr dirty="0"/>
-              <a:t>1. </a:t>
-            </a:r>
-            <a:r>
-              <a:rPr dirty="0" err="1"/>
-              <a:t>Limpeza</a:t>
-            </a:r>
-            <a:r>
-              <a:rPr dirty="0"/>
-              <a:t> e </a:t>
-            </a:r>
-            <a:r>
-              <a:rPr dirty="0" err="1"/>
-              <a:t>normalização</a:t>
-            </a:r>
-            <a:r>
-              <a:rPr dirty="0"/>
+              <a:rPr lang="pt-BR" dirty="0" err="1" smtClean="0"/>
+              <a:t>Analizaremos</a:t>
+            </a:r>
+            <a:r>
+              <a:rPr lang="pt-BR" dirty="0" smtClean="0"/>
+              <a:t> os </a:t>
+            </a:r>
+            <a:r>
+              <a:rPr lang="pt-BR" dirty="0" err="1" smtClean="0"/>
+              <a:t>Titulos</a:t>
+            </a:r>
+            <a:r>
+              <a:rPr lang="pt-BR" dirty="0" smtClean="0"/>
+              <a:t> </a:t>
+            </a:r>
+            <a:r>
+              <a:rPr lang="pt-BR" dirty="0" smtClean="0"/>
+              <a:t>c</a:t>
+            </a:r>
+            <a:r>
+              <a:rPr lang="pt-BR" dirty="0" smtClean="0"/>
+              <a:t>ritérios de junção das </a:t>
+            </a:r>
+            <a:r>
+              <a:rPr lang="pt-BR" dirty="0" smtClean="0"/>
+              <a:t>Bases, </a:t>
+            </a:r>
+            <a:r>
+              <a:rPr lang="pt-BR" dirty="0" smtClean="0"/>
+              <a:t>Analise de Ambiguidade e </a:t>
+            </a:r>
+            <a:r>
+              <a:rPr lang="pt-BR" dirty="0" err="1" smtClean="0"/>
+              <a:t>estatisticas</a:t>
+            </a:r>
+            <a:r>
+              <a:rPr lang="pt-BR" dirty="0" smtClean="0"/>
               <a:t> dos </a:t>
             </a:r>
             <a:r>
-              <a:rPr dirty="0" err="1"/>
-              <a:t>textos</a:t>
-            </a:r>
-            <a:endParaRPr dirty="0"/>
-          </a:p>
-          <a:p>
+              <a:rPr lang="pt-BR" dirty="0" err="1" smtClean="0"/>
+              <a:t>dos</a:t>
+            </a:r>
             <a:r>
               <a:rPr lang="pt-BR" dirty="0" smtClean="0"/>
-              <a:t>Script EDA_NLP_Livros.py </a:t>
-            </a:r>
-            <a:r>
-              <a:rPr lang="pt-BR" dirty="0" smtClean="0">
-                <a:sym typeface="Wingdings" pitchFamily="2" charset="2"/>
-              </a:rPr>
-              <a:t> NLP </a:t>
-            </a:r>
-            <a:r>
-              <a:rPr lang="pt-BR" dirty="0" err="1" smtClean="0">
-                <a:sym typeface="Wingdings" pitchFamily="2" charset="2"/>
-              </a:rPr>
-              <a:t>StopWords</a:t>
-            </a:r>
-            <a:endParaRPr lang="pt-BR" dirty="0"/>
-          </a:p>
-          <a:p>
-            <a:pPr marL="0" indent="0">
-              <a:buNone/>
-            </a:pPr>
-            <a:endParaRPr dirty="0" smtClean="0"/>
-          </a:p>
-          <a:p>
-            <a:pPr marL="0" indent="0">
-              <a:buNone/>
-            </a:pPr>
+              <a:t> </a:t>
+            </a:r>
+            <a:r>
+              <a:rPr lang="pt-BR" dirty="0" err="1" smtClean="0"/>
+              <a:t>Titulos</a:t>
+            </a:r>
+            <a:r>
+              <a:rPr lang="pt-BR" dirty="0" smtClean="0"/>
+              <a:t> da Base de Livros</a:t>
+            </a:r>
             <a:endParaRPr dirty="0"/>
           </a:p>
         </p:txBody>
       </p:sp>
       <p:pic>
         <p:nvPicPr>
-          <p:cNvPr id="3074" name="Picture 2"/>
+          <p:cNvPr id="4099" name="Picture 3"/>
           <p:cNvPicPr>
             <a:picLocks noChangeAspect="1" noChangeArrowheads="1"/>
           </p:cNvPicPr>
           <p:nvPr/>
         </p:nvPicPr>
         <p:blipFill>
-          <a:blip r:embed="rId2">
+          <a:blip r:embed="rId3">
             <a:extLst>
               <a:ext uri="{28A0092B-C50C-407E-A947-70E740481C1C}">
                 <a14:useLocalDpi xmlns:a14="http://schemas.microsoft.com/office/drawing/2010/main" val="0"/>
@@ -8860,8 +11042,8 @@
         </p:blipFill>
         <p:spPr bwMode="auto">
           <a:xfrm>
-            <a:off x="565150" y="2868613"/>
-            <a:ext cx="7359650" cy="3576674"/>
+            <a:off x="749300" y="3032125"/>
+            <a:ext cx="7937500" cy="3680818"/>
           </a:xfrm>
           <a:prstGeom prst="rect">
             <a:avLst/>
@@ -8904,7 +11086,7 @@
     </p:spTree>
     <p:extLst>
       <p:ext uri="{BB962C8B-B14F-4D97-AF65-F5344CB8AC3E}">
-        <p14:creationId xmlns:p14="http://schemas.microsoft.com/office/powerpoint/2010/main" val="1177530026"/>
+        <p14:creationId xmlns:p14="http://schemas.microsoft.com/office/powerpoint/2010/main" val="1453783619"/>
       </p:ext>
     </p:extLst>
   </p:cSld>
@@ -8947,8 +11129,14 @@
           <a:lstStyle/>
           <a:p>
             <a:r>
-              <a:t>⚙️ Pipeline de Solução</a:t>
-            </a:r>
+              <a:rPr dirty="0"/>
+              <a:t>⚙️ </a:t>
+            </a:r>
+            <a:r>
+              <a:rPr lang="pt-BR" dirty="0" smtClean="0"/>
+              <a:t>⚙️Ratings Ambiguidade</a:t>
+            </a:r>
+            <a:endParaRPr dirty="0"/>
           </a:p>
         </p:txBody>
       </p:sp>
@@ -8968,47 +11156,40 @@
           <a:lstStyle/>
           <a:p>
             <a:r>
-              <a:rPr dirty="0"/>
-              <a:t>1. </a:t>
-            </a:r>
-            <a:r>
-              <a:rPr dirty="0" err="1"/>
-              <a:t>Limpeza</a:t>
-            </a:r>
-            <a:r>
-              <a:rPr dirty="0"/>
-              <a:t> e </a:t>
-            </a:r>
-            <a:r>
-              <a:rPr dirty="0" err="1"/>
-              <a:t>normalização</a:t>
-            </a:r>
-            <a:r>
-              <a:rPr dirty="0"/>
+              <a:rPr dirty="0" smtClean="0"/>
+              <a:t> </a:t>
+            </a:r>
+            <a:r>
+              <a:rPr lang="pt-BR" dirty="0" err="1"/>
+              <a:t>E</a:t>
+            </a:r>
+            <a:r>
+              <a:rPr lang="pt-BR" dirty="0" err="1" smtClean="0"/>
+              <a:t>statisticas</a:t>
+            </a:r>
+            <a:r>
+              <a:rPr lang="pt-BR" dirty="0" smtClean="0"/>
               <a:t> dos </a:t>
             </a:r>
             <a:r>
-              <a:rPr dirty="0" err="1"/>
-              <a:t>textos</a:t>
-            </a:r>
-            <a:endParaRPr dirty="0"/>
-          </a:p>
-          <a:p>
+              <a:rPr lang="pt-BR" dirty="0" err="1" smtClean="0"/>
+              <a:t>dos</a:t>
+            </a:r>
             <a:r>
               <a:rPr lang="pt-BR" dirty="0" smtClean="0"/>
-              <a:t>Script EDA_NLP_Livros.py </a:t>
-            </a:r>
-            <a:r>
-              <a:rPr lang="pt-BR" dirty="0" smtClean="0">
-                <a:sym typeface="Wingdings" pitchFamily="2" charset="2"/>
-              </a:rPr>
-              <a:t> NLP </a:t>
-            </a:r>
-            <a:r>
-              <a:rPr lang="pt-BR" dirty="0" err="1" smtClean="0">
-                <a:sym typeface="Wingdings" pitchFamily="2" charset="2"/>
-              </a:rPr>
-              <a:t>TextBlob</a:t>
+              <a:t> </a:t>
+            </a:r>
+            <a:r>
+              <a:rPr lang="pt-BR" dirty="0" err="1"/>
+              <a:t>Titulos</a:t>
+            </a:r>
+            <a:r>
+              <a:rPr lang="pt-BR" dirty="0"/>
+              <a:t> da Base de </a:t>
+            </a:r>
+            <a:r>
+              <a:rPr lang="pt-BR" dirty="0" smtClean="0"/>
+              <a:t>Ratings</a:t>
             </a:r>
             <a:endParaRPr lang="pt-BR" dirty="0"/>
           </a:p>
@@ -9028,7 +11209,7 @@
       </p:sp>
       <p:pic>
         <p:nvPicPr>
-          <p:cNvPr id="4098" name="Picture 2"/>
+          <p:cNvPr id="6148" name="Picture 4"/>
           <p:cNvPicPr>
             <a:picLocks noChangeAspect="1" noChangeArrowheads="1"/>
           </p:cNvPicPr>
@@ -9049,8 +11230,8 @@
         </p:blipFill>
         <p:spPr bwMode="auto">
           <a:xfrm>
-            <a:off x="457200" y="2820988"/>
-            <a:ext cx="7988300" cy="3665703"/>
+            <a:off x="273149" y="2127250"/>
+            <a:ext cx="8413651" cy="4540250"/>
           </a:xfrm>
           <a:prstGeom prst="rect">
             <a:avLst/>
@@ -9093,7 +11274,7 @@
     </p:spTree>
     <p:extLst>
       <p:ext uri="{BB962C8B-B14F-4D97-AF65-F5344CB8AC3E}">
-        <p14:creationId xmlns:p14="http://schemas.microsoft.com/office/powerpoint/2010/main" val="1435926193"/>
+        <p14:creationId xmlns:p14="http://schemas.microsoft.com/office/powerpoint/2010/main" val="33672916"/>
       </p:ext>
     </p:extLst>
   </p:cSld>
@@ -9136,8 +11317,26 @@
           <a:lstStyle/>
           <a:p>
             <a:r>
-              <a:t>⚙️ Pipeline de Solução</a:t>
-            </a:r>
+              <a:rPr dirty="0"/>
+              <a:t>⚙️ </a:t>
+            </a:r>
+            <a:r>
+              <a:rPr lang="pt-BR" dirty="0" smtClean="0"/>
+              <a:t>Merge via </a:t>
+            </a:r>
+            <a:r>
+              <a:rPr lang="pt-BR" dirty="0" err="1" smtClean="0"/>
+              <a:t>Inner</a:t>
+            </a:r>
+            <a:r>
+              <a:rPr lang="pt-BR" dirty="0" smtClean="0"/>
+              <a:t> </a:t>
+            </a:r>
+            <a:r>
+              <a:rPr lang="pt-BR" dirty="0" err="1" smtClean="0"/>
+              <a:t>Join</a:t>
+            </a:r>
+            <a:endParaRPr dirty="0"/>
           </a:p>
         </p:txBody>
       </p:sp>
@@ -9157,81 +11356,34 @@
           <a:lstStyle/>
           <a:p>
             <a:r>
-              <a:rPr dirty="0"/>
-              <a:t>1. </a:t>
-            </a:r>
-            <a:r>
-              <a:rPr dirty="0" err="1"/>
-              <a:t>Limpeza</a:t>
-            </a:r>
-            <a:r>
-              <a:rPr dirty="0"/>
-              <a:t> e </a:t>
-            </a:r>
-            <a:r>
-              <a:rPr dirty="0" err="1"/>
-              <a:t>normalização</a:t>
-            </a:r>
-            <a:r>
-              <a:rPr dirty="0"/>
-              <a:t> dos </a:t>
-            </a:r>
-            <a:r>
-              <a:rPr dirty="0" err="1"/>
-              <a:t>textos</a:t>
-            </a:r>
-            <a:endParaRPr dirty="0"/>
-          </a:p>
-          <a:p>
+              <a:rPr dirty="0" smtClean="0"/>
+              <a:t> </a:t>
+            </a:r>
             <a:r>
               <a:rPr lang="pt-BR" dirty="0" smtClean="0"/>
-              <a:t>Script EDA_NLP_Livros.py </a:t>
-            </a:r>
-            <a:r>
-              <a:rPr lang="pt-BR" dirty="0" smtClean="0">
-                <a:sym typeface="Wingdings" pitchFamily="2" charset="2"/>
-              </a:rPr>
-              <a:t> NLP </a:t>
-            </a:r>
-            <a:r>
-              <a:rPr lang="pt-BR" dirty="0" err="1" smtClean="0">
-                <a:sym typeface="Wingdings" pitchFamily="2" charset="2"/>
-              </a:rPr>
-              <a:t>First</a:t>
-            </a:r>
-            <a:r>
-              <a:rPr lang="pt-BR" dirty="0" smtClean="0">
-                <a:sym typeface="Wingdings" pitchFamily="2" charset="2"/>
-              </a:rPr>
-              <a:t> 10 </a:t>
-            </a:r>
-            <a:r>
-              <a:rPr lang="pt-BR" dirty="0" err="1" smtClean="0">
-                <a:sym typeface="Wingdings" pitchFamily="2" charset="2"/>
-              </a:rPr>
-              <a:t>Sentiment</a:t>
-            </a:r>
-            <a:r>
-              <a:rPr lang="pt-BR" dirty="0" smtClean="0">
-                <a:sym typeface="Wingdings" pitchFamily="2" charset="2"/>
-              </a:rPr>
-              <a:t/>
+              <a:t>Combinação das bases Via </a:t>
+            </a:r>
+            <a:r>
+              <a:rPr lang="pt-BR" dirty="0" err="1" smtClean="0"/>
+              <a:t>Inner</a:t>
+            </a:r>
+            <a:r>
+              <a:rPr lang="pt-BR" dirty="0" smtClean="0"/>
+              <a:t> </a:t>
+            </a:r>
+            <a:r>
+              <a:rPr lang="pt-BR" dirty="0" err="1" smtClean="0"/>
+              <a:t>Join</a:t>
+            </a:r>
+            <a:endParaRPr lang="pt-BR" dirty="0" smtClean="0"/>
+          </a:p>
+          <a:p>
+            <a:r>
+              <a:rPr lang="pt-BR" dirty="0" smtClean="0"/>
+              <a:t>Bases Juntas total de 3.320.453 Linhas e 20 Colunas</a:t>
             </a:r>
             <a:br>
-              <a:rPr lang="pt-BR" dirty="0" smtClean="0">
-                <a:sym typeface="Wingdings" pitchFamily="2" charset="2"/>
-              </a:rPr>
-            </a:br>
-            <a:r>
-              <a:rPr lang="pt-BR" dirty="0" smtClean="0">
-                <a:sym typeface="Wingdings" pitchFamily="2" charset="2"/>
-              </a:rPr>
-              <a:t/>
-            </a:r>
-            <a:br>
-              <a:rPr lang="pt-BR" dirty="0" smtClean="0">
-                <a:sym typeface="Wingdings" pitchFamily="2" charset="2"/>
-              </a:rPr>
+              <a:rPr lang="pt-BR" dirty="0" smtClean="0"/>
             </a:br>
             <a:endParaRPr lang="pt-BR" dirty="0"/>
           </a:p>
@@ -9251,7 +11403,7 @@
       </p:sp>
       <p:pic>
         <p:nvPicPr>
-          <p:cNvPr id="5122" name="Picture 2"/>
+          <p:cNvPr id="7170" name="Picture 2"/>
           <p:cNvPicPr>
             <a:picLocks noChangeAspect="1" noChangeArrowheads="1"/>
           </p:cNvPicPr>
@@ -9272,8 +11424,8 @@
         </p:blipFill>
         <p:spPr bwMode="auto">
           <a:xfrm>
-            <a:off x="727075" y="3362326"/>
-            <a:ext cx="4048125" cy="3107425"/>
+            <a:off x="60486" y="3350419"/>
+            <a:ext cx="9083513" cy="1906587"/>
           </a:xfrm>
           <a:prstGeom prst="rect">
             <a:avLst/>
@@ -9313,74 +11465,10 @@
           </a:extLst>
         </p:spPr>
       </p:pic>
-      <p:pic>
-        <p:nvPicPr>
-          <p:cNvPr id="5124" name="Picture 4"/>
-          <p:cNvPicPr>
-            <a:picLocks noChangeAspect="1" noChangeArrowheads="1"/>
-          </p:cNvPicPr>
-          <p:nvPr/>
-        </p:nvPicPr>
-        <p:blipFill>
-          <a:blip r:embed="rId3">
-            <a:extLst>
-              <a:ext uri="{28A0092B-C50C-407E-A947-70E740481C1C}">
-                <a14:useLocalDpi xmlns:a14="http://schemas.microsoft.com/office/drawing/2010/main" val="0"/>
-              </a:ext>
-            </a:extLst>
-          </a:blip>
-          <a:srcRect/>
-          <a:stretch>
-            <a:fillRect/>
-          </a:stretch>
-        </p:blipFill>
-        <p:spPr bwMode="auto">
-          <a:xfrm>
-            <a:off x="4911724" y="3388520"/>
-            <a:ext cx="2318975" cy="1649412"/>
-          </a:xfrm>
-          <a:prstGeom prst="rect">
-            <a:avLst/>
-          </a:prstGeom>
-          <a:noFill/>
-          <a:ln>
-            <a:noFill/>
-          </a:ln>
-          <a:effectLst/>
-          <a:extLst>
-            <a:ext uri="{909E8E84-426E-40DD-AFC4-6F175D3DCCD1}">
-              <a14:hiddenFill xmlns:a14="http://schemas.microsoft.com/office/drawing/2010/main">
-                <a:solidFill>
-                  <a:schemeClr val="accent1"/>
-                </a:solidFill>
-              </a14:hiddenFill>
-            </a:ext>
-            <a:ext uri="{91240B29-F687-4F45-9708-019B960494DF}">
-              <a14:hiddenLine xmlns:a14="http://schemas.microsoft.com/office/drawing/2010/main" w="9525">
-                <a:solidFill>
-                  <a:schemeClr val="tx1"/>
-                </a:solidFill>
-                <a:miter lim="800000"/>
-                <a:headEnd/>
-                <a:tailEnd/>
-              </a14:hiddenLine>
-            </a:ext>
-            <a:ext uri="{AF507438-7753-43E0-B8FC-AC1667EBCBE1}">
-              <a14:hiddenEffects xmlns:a14="http://schemas.microsoft.com/office/drawing/2010/main">
-                <a:effectLst>
-                  <a:outerShdw dist="35921" dir="2700000" algn="ctr" rotWithShape="0">
-                    <a:schemeClr val="bg2"/>
-                  </a:outerShdw>
-                </a:effectLst>
-              </a14:hiddenEffects>
-            </a:ext>
-          </a:extLst>
-        </p:spPr>
-      </p:pic>
     </p:spTree>
     <p:extLst>
       <p:ext uri="{BB962C8B-B14F-4D97-AF65-F5344CB8AC3E}">
-        <p14:creationId xmlns:p14="http://schemas.microsoft.com/office/powerpoint/2010/main" val="196701623"/>
+        <p14:creationId xmlns:p14="http://schemas.microsoft.com/office/powerpoint/2010/main" val="1035807151"/>
       </p:ext>
     </p:extLst>
   </p:cSld>
@@ -9423,8 +11511,30 @@
           <a:lstStyle/>
           <a:p>
             <a:r>
-              <a:t>⚙️ Pipeline de Solução</a:t>
-            </a:r>
+              <a:rPr dirty="0" smtClean="0"/>
+              <a:t>⚙</a:t>
+            </a:r>
+            <a:r>
+              <a:rPr lang="pt-BR" dirty="0" smtClean="0"/>
+              <a:t> </a:t>
+            </a:r>
+            <a:r>
+              <a:rPr lang="pt-BR" dirty="0" smtClean="0"/>
+              <a:t>Limpeza Stop </a:t>
+            </a:r>
+            <a:r>
+              <a:rPr lang="pt-BR" dirty="0" err="1" smtClean="0"/>
+              <a:t>Words</a:t>
+            </a:r>
+            <a:r>
+              <a:rPr lang="pt-BR" dirty="0" smtClean="0"/>
+              <a:t> </a:t>
+            </a:r>
+            <a:r>
+              <a:rPr lang="pt-BR" dirty="0" err="1" smtClean="0"/>
+              <a:t>Review</a:t>
+            </a:r>
+            <a:endParaRPr dirty="0"/>
           </a:p>
         </p:txBody>
       </p:sp>
@@ -9444,16 +11554,20 @@
           <a:lstStyle/>
           <a:p>
             <a:r>
-              <a:rPr dirty="0"/>
-              <a:t>1. </a:t>
-            </a:r>
-            <a:r>
-              <a:rPr dirty="0" err="1"/>
-              <a:t>Limpeza</a:t>
-            </a:r>
-            <a:r>
-              <a:rPr dirty="0"/>
-              <a:t> e </a:t>
+              <a:rPr lang="pt-BR" dirty="0" smtClean="0"/>
+              <a:t>Preparação, l</a:t>
+            </a:r>
+            <a:r>
+              <a:rPr dirty="0" err="1" smtClean="0"/>
+              <a:t>impeza</a:t>
+            </a:r>
+            <a:r>
+              <a:rPr dirty="0" smtClean="0"/>
+              <a:t> </a:t>
+            </a:r>
+            <a:r>
+              <a:rPr dirty="0"/>
+              <a:t>e </a:t>
             </a:r>
             <a:r>
               <a:rPr dirty="0" err="1"/>
@@ -9464,15 +11578,30 @@
               <a:t> dos </a:t>
             </a:r>
             <a:r>
-              <a:rPr dirty="0" err="1"/>
+              <a:rPr dirty="0" err="1" smtClean="0"/>
               <a:t>textos</a:t>
             </a:r>
-            <a:endParaRPr dirty="0"/>
-          </a:p>
-          <a:p>
-            <a:r>
-              <a:rPr lang="pt-BR" dirty="0" smtClean="0"/>
-              <a:t>Script EDA_NLP_Livros.py - EDA</a:t>
+            <a:r>
+              <a:rPr lang="pt-BR" dirty="0"/>
+              <a:t> </a:t>
+            </a:r>
+            <a:r>
+              <a:rPr lang="pt-BR" dirty="0" smtClean="0">
+                <a:sym typeface="Wingdings" pitchFamily="2" charset="2"/>
+              </a:rPr>
+              <a:t>NLP </a:t>
+            </a:r>
+            <a:r>
+              <a:rPr lang="pt-BR" dirty="0" err="1" smtClean="0">
+                <a:sym typeface="Wingdings" pitchFamily="2" charset="2"/>
+              </a:rPr>
+              <a:t>StopWords</a:t>
+            </a:r>
+            <a:r>
+              <a:rPr lang="pt-BR" dirty="0" smtClean="0">
+                <a:sym typeface="Wingdings" pitchFamily="2" charset="2"/>
+              </a:rPr>
+              <a:t>, para analise de sentimentos.</a:t>
             </a:r>
             <a:endParaRPr lang="pt-BR" dirty="0"/>
           </a:p>
@@ -9492,7 +11621,7 @@
       </p:sp>
       <p:pic>
         <p:nvPicPr>
-          <p:cNvPr id="6145" name="Picture 1"/>
+          <p:cNvPr id="8195" name="Picture 3"/>
           <p:cNvPicPr>
             <a:picLocks noChangeAspect="1" noChangeArrowheads="1"/>
           </p:cNvPicPr>
@@ -9513,8 +11642,8 @@
         </p:blipFill>
         <p:spPr bwMode="auto">
           <a:xfrm>
-            <a:off x="0" y="2735263"/>
-            <a:ext cx="9144000" cy="3390900"/>
+            <a:off x="909543" y="2720974"/>
+            <a:ext cx="7370857" cy="3844557"/>
           </a:xfrm>
           <a:prstGeom prst="rect">
             <a:avLst/>
@@ -9557,7 +11686,7 @@
     </p:spTree>
     <p:extLst>
       <p:ext uri="{BB962C8B-B14F-4D97-AF65-F5344CB8AC3E}">
-        <p14:creationId xmlns:p14="http://schemas.microsoft.com/office/powerpoint/2010/main" val="3575301468"/>
+        <p14:creationId xmlns:p14="http://schemas.microsoft.com/office/powerpoint/2010/main" val="1177530026"/>
       </p:ext>
     </p:extLst>
   </p:cSld>
@@ -9885,4 +12014,289 @@
   </a:objectDefaults>
   <a:extraClrSchemeLst/>
 </a:theme>
+</file>
+
+<file path=ppt/theme/theme2.xml><?xml version="1.0" encoding="utf-8"?>
+<a:theme xmlns:a="http://schemas.openxmlformats.org/drawingml/2006/main" name="Tema do Office">
+  <a:themeElements>
+    <a:clrScheme name="Escritório">
+      <a:dk1>
+        <a:sysClr val="windowText" lastClr="000000"/>
+      </a:dk1>
+      <a:lt1>
+        <a:sysClr val="window" lastClr="FFFFFF"/>
+      </a:lt1>
+      <a:dk2>
+        <a:srgbClr val="1F497D"/>
+      </a:dk2>
+      <a:lt2>
+        <a:srgbClr val="EEECE1"/>
+      </a:lt2>
+      <a:accent1>
+        <a:srgbClr val="4F81BD"/>
+      </a:accent1>
+      <a:accent2>
+        <a:srgbClr val="C0504D"/>
+      </a:accent2>
+      <a:accent3>
+        <a:srgbClr val="9BBB59"/>
+      </a:accent3>
+      <a:accent4>
+        <a:srgbClr val="8064A2"/>
+      </a:accent4>
+      <a:accent5>
+        <a:srgbClr val="4BACC6"/>
+      </a:accent5>
+      <a:accent6>
+        <a:srgbClr val="F79646"/>
+      </a:accent6>
+      <a:hlink>
+        <a:srgbClr val="0000FF"/>
+      </a:hlink>
+      <a:folHlink>
+        <a:srgbClr val="800080"/>
+      </a:folHlink>
+    </a:clrScheme>
+    <a:fontScheme name="Escritório">
+      <a:majorFont>
+        <a:latin typeface="Calibri"/>
+        <a:ea typeface=""/>
+        <a:cs typeface=""/>
+        <a:font script="Jpan" typeface="ＭＳ Ｐゴシック"/>
+        <a:font script="Hang" typeface="맑은 고딕"/>
+        <a:font script="Hans" typeface="宋体"/>
+        <a:font script="Hant" typeface="新細明體"/>
+        <a:font script="Arab" typeface="Times New Roman"/>
+        <a:font script="Hebr" typeface="Times New Roman"/>
+        <a:font script="Thai" typeface="Angsana New"/>
+        <a:font script="Ethi" typeface="Nyala"/>
+        <a:font script="Beng" typeface="Vrinda"/>
+        <a:font script="Gujr" typeface="Shruti"/>
+        <a:font script="Khmr" typeface="MoolBoran"/>
+        <a:font script="Knda" typeface="Tunga"/>
+        <a:font script="Guru" typeface="Raavi"/>
+        <a:font script="Cans" typeface="Euphemia"/>
+        <a:font script="Cher" typeface="Plantagenet Cherokee"/>
+        <a:font script="Yiii" typeface="Microsoft Yi Baiti"/>
+        <a:font script="Tibt" typeface="Microsoft Himalaya"/>
+        <a:font script="Thaa" typeface="MV Boli"/>
+        <a:font script="Deva" typeface="Mangal"/>
+        <a:font script="Telu" typeface="Gautami"/>
+        <a:font script="Taml" typeface="Latha"/>
+        <a:font script="Syrc" typeface="Estrangelo Edessa"/>
+        <a:font script="Orya" typeface="Kalinga"/>
+        <a:font script="Mlym" typeface="Kartika"/>
+        <a:font script="Laoo" typeface="DokChampa"/>
+        <a:font script="Sinh" typeface="Iskoola Pota"/>
+        <a:font script="Mong" typeface="Mongolian Baiti"/>
+        <a:font script="Viet" typeface="Times New Roman"/>
+        <a:font script="Uigh" typeface="Microsoft Uighur"/>
+        <a:font script="Geor" typeface="Sylfaen"/>
+      </a:majorFont>
+      <a:minorFont>
+        <a:latin typeface="Calibri"/>
+        <a:ea typeface=""/>
+        <a:cs typeface=""/>
+        <a:font script="Jpan" typeface="ＭＳ Ｐゴシック"/>
+        <a:font script="Hang" typeface="맑은 고딕"/>
+        <a:font script="Hans" typeface="宋体"/>
+        <a:font script="Hant" typeface="新細明體"/>
+        <a:font script="Arab" typeface="Arial"/>
+        <a:font script="Hebr" typeface="Arial"/>
+        <a:font script="Thai" typeface="Cordia New"/>
+        <a:font script="Ethi" typeface="Nyala"/>
+        <a:font script="Beng" typeface="Vrinda"/>
+        <a:font script="Gujr" typeface="Shruti"/>
+        <a:font script="Khmr" typeface="DaunPenh"/>
+        <a:font script="Knda" typeface="Tunga"/>
+        <a:font script="Guru" typeface="Raavi"/>
+        <a:font script="Cans" typeface="Euphemia"/>
+        <a:font script="Cher" typeface="Plantagenet Cherokee"/>
+        <a:font script="Yiii" typeface="Microsoft Yi Baiti"/>
+        <a:font script="Tibt" typeface="Microsoft Himalaya"/>
+        <a:font script="Thaa" typeface="MV Boli"/>
+        <a:font script="Deva" typeface="Mangal"/>
+        <a:font script="Telu" typeface="Gautami"/>
+        <a:font script="Taml" typeface="Latha"/>
+        <a:font script="Syrc" typeface="Estrangelo Edessa"/>
+        <a:font script="Orya" typeface="Kalinga"/>
+        <a:font script="Mlym" typeface="Kartika"/>
+        <a:font script="Laoo" typeface="DokChampa"/>
+        <a:font script="Sinh" typeface="Iskoola Pota"/>
+        <a:font script="Mong" typeface="Mongolian Baiti"/>
+        <a:font script="Viet" typeface="Arial"/>
+        <a:font script="Uigh" typeface="Microsoft Uighur"/>
+        <a:font script="Geor" typeface="Sylfaen"/>
+      </a:minorFont>
+    </a:fontScheme>
+    <a:fmtScheme name="Escritório">
+      <a:fillStyleLst>
+        <a:solidFill>
+          <a:schemeClr val="phClr"/>
+        </a:solidFill>
+        <a:gradFill rotWithShape="1">
+          <a:gsLst>
+            <a:gs pos="0">
+              <a:schemeClr val="phClr">
+                <a:tint val="50000"/>
+                <a:satMod val="300000"/>
+              </a:schemeClr>
+            </a:gs>
+            <a:gs pos="35000">
+              <a:schemeClr val="phClr">
+                <a:tint val="37000"/>
+                <a:satMod val="300000"/>
+              </a:schemeClr>
+            </a:gs>
+            <a:gs pos="100000">
+              <a:schemeClr val="phClr">
+                <a:tint val="15000"/>
+                <a:satMod val="350000"/>
+              </a:schemeClr>
+            </a:gs>
+          </a:gsLst>
+          <a:lin ang="16200000" scaled="1"/>
+        </a:gradFill>
+        <a:gradFill rotWithShape="1">
+          <a:gsLst>
+            <a:gs pos="0">
+              <a:schemeClr val="phClr">
+                <a:shade val="51000"/>
+                <a:satMod val="130000"/>
+              </a:schemeClr>
+            </a:gs>
+            <a:gs pos="80000">
+              <a:schemeClr val="phClr">
+                <a:shade val="93000"/>
+                <a:satMod val="130000"/>
+              </a:schemeClr>
+            </a:gs>
+            <a:gs pos="100000">
+              <a:schemeClr val="phClr">
+                <a:shade val="94000"/>
+                <a:satMod val="135000"/>
+              </a:schemeClr>
+            </a:gs>
+          </a:gsLst>
+          <a:lin ang="16200000" scaled="0"/>
+        </a:gradFill>
+      </a:fillStyleLst>
+      <a:lnStyleLst>
+        <a:ln w="9525" cap="flat" cmpd="sng" algn="ctr">
+          <a:solidFill>
+            <a:schemeClr val="phClr">
+              <a:shade val="95000"/>
+              <a:satMod val="105000"/>
+            </a:schemeClr>
+          </a:solidFill>
+          <a:prstDash val="solid"/>
+        </a:ln>
+        <a:ln w="25400" cap="flat" cmpd="sng" algn="ctr">
+          <a:solidFill>
+            <a:schemeClr val="phClr"/>
+          </a:solidFill>
+          <a:prstDash val="solid"/>
+        </a:ln>
+        <a:ln w="38100" cap="flat" cmpd="sng" algn="ctr">
+          <a:solidFill>
+            <a:schemeClr val="phClr"/>
+          </a:solidFill>
+          <a:prstDash val="solid"/>
+        </a:ln>
+      </a:lnStyleLst>
+      <a:effectStyleLst>
+        <a:effectStyle>
+          <a:effectLst>
+            <a:outerShdw blurRad="40000" dist="20000" dir="5400000" rotWithShape="0">
+              <a:srgbClr val="000000">
+                <a:alpha val="38000"/>
+              </a:srgbClr>
+            </a:outerShdw>
+          </a:effectLst>
+        </a:effectStyle>
+        <a:effectStyle>
+          <a:effectLst>
+            <a:outerShdw blurRad="40000" dist="23000" dir="5400000" rotWithShape="0">
+              <a:srgbClr val="000000">
+                <a:alpha val="35000"/>
+              </a:srgbClr>
+            </a:outerShdw>
+          </a:effectLst>
+        </a:effectStyle>
+        <a:effectStyle>
+          <a:effectLst>
+            <a:outerShdw blurRad="40000" dist="23000" dir="5400000" rotWithShape="0">
+              <a:srgbClr val="000000">
+                <a:alpha val="35000"/>
+              </a:srgbClr>
+            </a:outerShdw>
+          </a:effectLst>
+          <a:scene3d>
+            <a:camera prst="orthographicFront">
+              <a:rot lat="0" lon="0" rev="0"/>
+            </a:camera>
+            <a:lightRig rig="threePt" dir="t">
+              <a:rot lat="0" lon="0" rev="1200000"/>
+            </a:lightRig>
+          </a:scene3d>
+          <a:sp3d>
+            <a:bevelT w="63500" h="25400"/>
+          </a:sp3d>
+        </a:effectStyle>
+      </a:effectStyleLst>
+      <a:bgFillStyleLst>
+        <a:solidFill>
+          <a:schemeClr val="phClr"/>
+        </a:solidFill>
+        <a:gradFill rotWithShape="1">
+          <a:gsLst>
+            <a:gs pos="0">
+              <a:schemeClr val="phClr">
+                <a:tint val="40000"/>
+                <a:satMod val="350000"/>
+              </a:schemeClr>
+            </a:gs>
+            <a:gs pos="40000">
+              <a:schemeClr val="phClr">
+                <a:tint val="45000"/>
+                <a:shade val="99000"/>
+                <a:satMod val="350000"/>
+              </a:schemeClr>
+            </a:gs>
+            <a:gs pos="100000">
+              <a:schemeClr val="phClr">
+                <a:shade val="20000"/>
+                <a:satMod val="255000"/>
+              </a:schemeClr>
+            </a:gs>
+          </a:gsLst>
+          <a:path path="circle">
+            <a:fillToRect l="50000" t="-80000" r="50000" b="180000"/>
+          </a:path>
+        </a:gradFill>
+        <a:gradFill rotWithShape="1">
+          <a:gsLst>
+            <a:gs pos="0">
+              <a:schemeClr val="phClr">
+                <a:tint val="80000"/>
+                <a:satMod val="300000"/>
+              </a:schemeClr>
+            </a:gs>
+            <a:gs pos="100000">
+              <a:schemeClr val="phClr">
+                <a:shade val="30000"/>
+                <a:satMod val="200000"/>
+              </a:schemeClr>
+            </a:gs>
+          </a:gsLst>
+          <a:path path="circle">
+            <a:fillToRect l="50000" t="50000" r="50000" b="50000"/>
+          </a:path>
+        </a:gradFill>
+      </a:bgFillStyleLst>
+    </a:fmtScheme>
+  </a:themeElements>
+  <a:objectDefaults/>
+  <a:extraClrSchemeLst/>
+</a:theme>
 </file>